--- a/CKMR_roadmap_02.11.2021.pptx
+++ b/CKMR_roadmap_02.11.2021.pptx
@@ -2,18 +2,19 @@
 <file path=ppt/presentation.xml><?xml version="1.0" encoding="utf-8"?>
 <p:presentation xmlns:a="http://schemas.openxmlformats.org/drawingml/2006/main" xmlns:r="http://schemas.openxmlformats.org/officeDocument/2006/relationships" xmlns:p="http://schemas.openxmlformats.org/presentationml/2006/main" saveSubsetFonts="1">
   <p:sldMasterIdLst>
-    <p:sldMasterId id="2147483648" r:id="rId1"/>
+    <p:sldMasterId id="2147483672" r:id="rId1"/>
   </p:sldMasterIdLst>
   <p:sldIdLst>
     <p:sldId id="256" r:id="rId2"/>
+    <p:sldId id="257" r:id="rId3"/>
   </p:sldIdLst>
-  <p:sldSz cx="12192000" cy="6858000"/>
+  <p:sldSz cx="21945600" cy="10058400"/>
   <p:notesSz cx="6858000" cy="9144000"/>
   <p:defaultTextStyle>
     <a:defPPr>
       <a:defRPr lang="en-US"/>
     </a:defPPr>
-    <a:lvl1pPr marL="0" algn="l" defTabSz="914400" rtl="0" eaLnBrk="1" latinLnBrk="0" hangingPunct="1">
+    <a:lvl1pPr marL="0" algn="l" defTabSz="457200" rtl="0" eaLnBrk="1" latinLnBrk="0" hangingPunct="1">
       <a:defRPr sz="1800" kern="1200">
         <a:solidFill>
           <a:schemeClr val="tx1"/>
@@ -23,7 +24,7 @@
         <a:cs typeface="+mn-cs"/>
       </a:defRPr>
     </a:lvl1pPr>
-    <a:lvl2pPr marL="457200" algn="l" defTabSz="914400" rtl="0" eaLnBrk="1" latinLnBrk="0" hangingPunct="1">
+    <a:lvl2pPr marL="457200" algn="l" defTabSz="457200" rtl="0" eaLnBrk="1" latinLnBrk="0" hangingPunct="1">
       <a:defRPr sz="1800" kern="1200">
         <a:solidFill>
           <a:schemeClr val="tx1"/>
@@ -33,7 +34,7 @@
         <a:cs typeface="+mn-cs"/>
       </a:defRPr>
     </a:lvl2pPr>
-    <a:lvl3pPr marL="914400" algn="l" defTabSz="914400" rtl="0" eaLnBrk="1" latinLnBrk="0" hangingPunct="1">
+    <a:lvl3pPr marL="914400" algn="l" defTabSz="457200" rtl="0" eaLnBrk="1" latinLnBrk="0" hangingPunct="1">
       <a:defRPr sz="1800" kern="1200">
         <a:solidFill>
           <a:schemeClr val="tx1"/>
@@ -43,7 +44,7 @@
         <a:cs typeface="+mn-cs"/>
       </a:defRPr>
     </a:lvl3pPr>
-    <a:lvl4pPr marL="1371600" algn="l" defTabSz="914400" rtl="0" eaLnBrk="1" latinLnBrk="0" hangingPunct="1">
+    <a:lvl4pPr marL="1371600" algn="l" defTabSz="457200" rtl="0" eaLnBrk="1" latinLnBrk="0" hangingPunct="1">
       <a:defRPr sz="1800" kern="1200">
         <a:solidFill>
           <a:schemeClr val="tx1"/>
@@ -53,7 +54,7 @@
         <a:cs typeface="+mn-cs"/>
       </a:defRPr>
     </a:lvl4pPr>
-    <a:lvl5pPr marL="1828800" algn="l" defTabSz="914400" rtl="0" eaLnBrk="1" latinLnBrk="0" hangingPunct="1">
+    <a:lvl5pPr marL="1828800" algn="l" defTabSz="457200" rtl="0" eaLnBrk="1" latinLnBrk="0" hangingPunct="1">
       <a:defRPr sz="1800" kern="1200">
         <a:solidFill>
           <a:schemeClr val="tx1"/>
@@ -63,7 +64,7 @@
         <a:cs typeface="+mn-cs"/>
       </a:defRPr>
     </a:lvl5pPr>
-    <a:lvl6pPr marL="2286000" algn="l" defTabSz="914400" rtl="0" eaLnBrk="1" latinLnBrk="0" hangingPunct="1">
+    <a:lvl6pPr marL="2286000" algn="l" defTabSz="457200" rtl="0" eaLnBrk="1" latinLnBrk="0" hangingPunct="1">
       <a:defRPr sz="1800" kern="1200">
         <a:solidFill>
           <a:schemeClr val="tx1"/>
@@ -73,7 +74,7 @@
         <a:cs typeface="+mn-cs"/>
       </a:defRPr>
     </a:lvl6pPr>
-    <a:lvl7pPr marL="2743200" algn="l" defTabSz="914400" rtl="0" eaLnBrk="1" latinLnBrk="0" hangingPunct="1">
+    <a:lvl7pPr marL="2743200" algn="l" defTabSz="457200" rtl="0" eaLnBrk="1" latinLnBrk="0" hangingPunct="1">
       <a:defRPr sz="1800" kern="1200">
         <a:solidFill>
           <a:schemeClr val="tx1"/>
@@ -83,7 +84,7 @@
         <a:cs typeface="+mn-cs"/>
       </a:defRPr>
     </a:lvl7pPr>
-    <a:lvl8pPr marL="3200400" algn="l" defTabSz="914400" rtl="0" eaLnBrk="1" latinLnBrk="0" hangingPunct="1">
+    <a:lvl8pPr marL="3200400" algn="l" defTabSz="457200" rtl="0" eaLnBrk="1" latinLnBrk="0" hangingPunct="1">
       <a:defRPr sz="1800" kern="1200">
         <a:solidFill>
           <a:schemeClr val="tx1"/>
@@ -93,7 +94,7 @@
         <a:cs typeface="+mn-cs"/>
       </a:defRPr>
     </a:lvl8pPr>
-    <a:lvl9pPr marL="3657600" algn="l" defTabSz="914400" rtl="0" eaLnBrk="1" latinLnBrk="0" hangingPunct="1">
+    <a:lvl9pPr marL="3657600" algn="l" defTabSz="457200" rtl="0" eaLnBrk="1" latinLnBrk="0" hangingPunct="1">
       <a:defRPr sz="1800" kern="1200">
         <a:solidFill>
           <a:schemeClr val="tx1"/>
@@ -104,7 +105,2831 @@
       </a:defRPr>
     </a:lvl9pPr>
   </p:defaultTextStyle>
+  <p:extLst>
+    <p:ext uri="{EFAFB233-063F-42B5-8137-9DF3F51BA10A}">
+      <p15:sldGuideLst xmlns:p15="http://schemas.microsoft.com/office/powerpoint/2012/main"/>
+    </p:ext>
+  </p:extLst>
 </p:presentation>
+</file>
+
+<file path=ppt/diagrams/colors1.xml><?xml version="1.0" encoding="utf-8"?>
+<dgm:colorsDef xmlns:dgm="http://schemas.openxmlformats.org/drawingml/2006/diagram" xmlns:a="http://schemas.openxmlformats.org/drawingml/2006/main" uniqueId="urn:microsoft.com/office/officeart/2005/8/colors/accent1_2">
+  <dgm:title val=""/>
+  <dgm:desc val=""/>
+  <dgm:catLst>
+    <dgm:cat type="accent1" pri="11200"/>
+  </dgm:catLst>
+  <dgm:styleLbl name="node0">
+    <dgm:fillClrLst meth="repeat">
+      <a:schemeClr val="accent1"/>
+    </dgm:fillClrLst>
+    <dgm:linClrLst meth="repeat">
+      <a:schemeClr val="lt1"/>
+    </dgm:linClrLst>
+    <dgm:effectClrLst/>
+    <dgm:txLinClrLst/>
+    <dgm:txFillClrLst/>
+    <dgm:txEffectClrLst/>
+  </dgm:styleLbl>
+  <dgm:styleLbl name="alignNode1">
+    <dgm:fillClrLst meth="repeat">
+      <a:schemeClr val="accent1"/>
+    </dgm:fillClrLst>
+    <dgm:linClrLst meth="repeat">
+      <a:schemeClr val="accent1"/>
+    </dgm:linClrLst>
+    <dgm:effectClrLst/>
+    <dgm:txLinClrLst/>
+    <dgm:txFillClrLst/>
+    <dgm:txEffectClrLst/>
+  </dgm:styleLbl>
+  <dgm:styleLbl name="node1">
+    <dgm:fillClrLst meth="repeat">
+      <a:schemeClr val="accent1"/>
+    </dgm:fillClrLst>
+    <dgm:linClrLst meth="repeat">
+      <a:schemeClr val="lt1"/>
+    </dgm:linClrLst>
+    <dgm:effectClrLst/>
+    <dgm:txLinClrLst/>
+    <dgm:txFillClrLst/>
+    <dgm:txEffectClrLst/>
+  </dgm:styleLbl>
+  <dgm:styleLbl name="lnNode1">
+    <dgm:fillClrLst meth="repeat">
+      <a:schemeClr val="accent1"/>
+    </dgm:fillClrLst>
+    <dgm:linClrLst meth="repeat">
+      <a:schemeClr val="lt1"/>
+    </dgm:linClrLst>
+    <dgm:effectClrLst/>
+    <dgm:txLinClrLst/>
+    <dgm:txFillClrLst/>
+    <dgm:txEffectClrLst/>
+  </dgm:styleLbl>
+  <dgm:styleLbl name="vennNode1">
+    <dgm:fillClrLst meth="repeat">
+      <a:schemeClr val="accent1">
+        <a:alpha val="50000"/>
+      </a:schemeClr>
+    </dgm:fillClrLst>
+    <dgm:linClrLst meth="repeat">
+      <a:schemeClr val="lt1"/>
+    </dgm:linClrLst>
+    <dgm:effectClrLst/>
+    <dgm:txLinClrLst/>
+    <dgm:txFillClrLst/>
+    <dgm:txEffectClrLst/>
+  </dgm:styleLbl>
+  <dgm:styleLbl name="node2">
+    <dgm:fillClrLst meth="repeat">
+      <a:schemeClr val="accent1"/>
+    </dgm:fillClrLst>
+    <dgm:linClrLst meth="repeat">
+      <a:schemeClr val="lt1"/>
+    </dgm:linClrLst>
+    <dgm:effectClrLst/>
+    <dgm:txLinClrLst/>
+    <dgm:txFillClrLst/>
+    <dgm:txEffectClrLst/>
+  </dgm:styleLbl>
+  <dgm:styleLbl name="node3">
+    <dgm:fillClrLst meth="repeat">
+      <a:schemeClr val="accent1"/>
+    </dgm:fillClrLst>
+    <dgm:linClrLst meth="repeat">
+      <a:schemeClr val="lt1"/>
+    </dgm:linClrLst>
+    <dgm:effectClrLst/>
+    <dgm:txLinClrLst/>
+    <dgm:txFillClrLst/>
+    <dgm:txEffectClrLst/>
+  </dgm:styleLbl>
+  <dgm:styleLbl name="node4">
+    <dgm:fillClrLst meth="repeat">
+      <a:schemeClr val="accent1"/>
+    </dgm:fillClrLst>
+    <dgm:linClrLst meth="repeat">
+      <a:schemeClr val="lt1"/>
+    </dgm:linClrLst>
+    <dgm:effectClrLst/>
+    <dgm:txLinClrLst/>
+    <dgm:txFillClrLst/>
+    <dgm:txEffectClrLst/>
+  </dgm:styleLbl>
+  <dgm:styleLbl name="fgImgPlace1">
+    <dgm:fillClrLst meth="repeat">
+      <a:schemeClr val="accent1">
+        <a:tint val="50000"/>
+      </a:schemeClr>
+    </dgm:fillClrLst>
+    <dgm:linClrLst meth="repeat">
+      <a:schemeClr val="lt1"/>
+    </dgm:linClrLst>
+    <dgm:effectClrLst/>
+    <dgm:txLinClrLst/>
+    <dgm:txFillClrLst meth="repeat">
+      <a:schemeClr val="lt1"/>
+    </dgm:txFillClrLst>
+    <dgm:txEffectClrLst/>
+  </dgm:styleLbl>
+  <dgm:styleLbl name="alignImgPlace1">
+    <dgm:fillClrLst meth="repeat">
+      <a:schemeClr val="accent1">
+        <a:tint val="50000"/>
+      </a:schemeClr>
+    </dgm:fillClrLst>
+    <dgm:linClrLst meth="repeat">
+      <a:schemeClr val="lt1"/>
+    </dgm:linClrLst>
+    <dgm:effectClrLst/>
+    <dgm:txLinClrLst/>
+    <dgm:txFillClrLst meth="repeat">
+      <a:schemeClr val="lt1"/>
+    </dgm:txFillClrLst>
+    <dgm:txEffectClrLst/>
+  </dgm:styleLbl>
+  <dgm:styleLbl name="bgImgPlace1">
+    <dgm:fillClrLst meth="repeat">
+      <a:schemeClr val="accent1">
+        <a:tint val="50000"/>
+      </a:schemeClr>
+    </dgm:fillClrLst>
+    <dgm:linClrLst meth="repeat">
+      <a:schemeClr val="lt1"/>
+    </dgm:linClrLst>
+    <dgm:effectClrLst/>
+    <dgm:txLinClrLst/>
+    <dgm:txFillClrLst meth="repeat">
+      <a:schemeClr val="lt1"/>
+    </dgm:txFillClrLst>
+    <dgm:txEffectClrLst/>
+  </dgm:styleLbl>
+  <dgm:styleLbl name="sibTrans2D1">
+    <dgm:fillClrLst meth="repeat">
+      <a:schemeClr val="accent1">
+        <a:tint val="60000"/>
+      </a:schemeClr>
+    </dgm:fillClrLst>
+    <dgm:linClrLst meth="repeat">
+      <a:schemeClr val="accent1">
+        <a:tint val="60000"/>
+      </a:schemeClr>
+    </dgm:linClrLst>
+    <dgm:effectClrLst/>
+    <dgm:txLinClrLst/>
+    <dgm:txFillClrLst/>
+    <dgm:txEffectClrLst/>
+  </dgm:styleLbl>
+  <dgm:styleLbl name="fgSibTrans2D1">
+    <dgm:fillClrLst meth="repeat">
+      <a:schemeClr val="accent1">
+        <a:tint val="60000"/>
+      </a:schemeClr>
+    </dgm:fillClrLst>
+    <dgm:linClrLst meth="repeat">
+      <a:schemeClr val="accent1">
+        <a:tint val="60000"/>
+      </a:schemeClr>
+    </dgm:linClrLst>
+    <dgm:effectClrLst/>
+    <dgm:txLinClrLst/>
+    <dgm:txFillClrLst/>
+    <dgm:txEffectClrLst/>
+  </dgm:styleLbl>
+  <dgm:styleLbl name="bgSibTrans2D1">
+    <dgm:fillClrLst meth="repeat">
+      <a:schemeClr val="accent1">
+        <a:tint val="60000"/>
+      </a:schemeClr>
+    </dgm:fillClrLst>
+    <dgm:linClrLst meth="repeat">
+      <a:schemeClr val="accent1">
+        <a:tint val="60000"/>
+      </a:schemeClr>
+    </dgm:linClrLst>
+    <dgm:effectClrLst/>
+    <dgm:txLinClrLst/>
+    <dgm:txFillClrLst/>
+    <dgm:txEffectClrLst/>
+  </dgm:styleLbl>
+  <dgm:styleLbl name="sibTrans1D1">
+    <dgm:fillClrLst meth="repeat">
+      <a:schemeClr val="accent1"/>
+    </dgm:fillClrLst>
+    <dgm:linClrLst meth="repeat">
+      <a:schemeClr val="accent1"/>
+    </dgm:linClrLst>
+    <dgm:effectClrLst/>
+    <dgm:txLinClrLst/>
+    <dgm:txFillClrLst meth="repeat">
+      <a:schemeClr val="tx1"/>
+    </dgm:txFillClrLst>
+    <dgm:txEffectClrLst/>
+  </dgm:styleLbl>
+  <dgm:styleLbl name="callout">
+    <dgm:fillClrLst meth="repeat">
+      <a:schemeClr val="accent1"/>
+    </dgm:fillClrLst>
+    <dgm:linClrLst meth="repeat">
+      <a:schemeClr val="accent1">
+        <a:tint val="50000"/>
+      </a:schemeClr>
+    </dgm:linClrLst>
+    <dgm:effectClrLst/>
+    <dgm:txLinClrLst/>
+    <dgm:txFillClrLst meth="repeat">
+      <a:schemeClr val="tx1"/>
+    </dgm:txFillClrLst>
+    <dgm:txEffectClrLst/>
+  </dgm:styleLbl>
+  <dgm:styleLbl name="asst0">
+    <dgm:fillClrLst meth="repeat">
+      <a:schemeClr val="accent1"/>
+    </dgm:fillClrLst>
+    <dgm:linClrLst meth="repeat">
+      <a:schemeClr val="lt1"/>
+    </dgm:linClrLst>
+    <dgm:effectClrLst/>
+    <dgm:txLinClrLst/>
+    <dgm:txFillClrLst/>
+    <dgm:txEffectClrLst/>
+  </dgm:styleLbl>
+  <dgm:styleLbl name="asst1">
+    <dgm:fillClrLst meth="repeat">
+      <a:schemeClr val="accent1"/>
+    </dgm:fillClrLst>
+    <dgm:linClrLst meth="repeat">
+      <a:schemeClr val="lt1"/>
+    </dgm:linClrLst>
+    <dgm:effectClrLst/>
+    <dgm:txLinClrLst/>
+    <dgm:txFillClrLst/>
+    <dgm:txEffectClrLst/>
+  </dgm:styleLbl>
+  <dgm:styleLbl name="asst2">
+    <dgm:fillClrLst meth="repeat">
+      <a:schemeClr val="accent1"/>
+    </dgm:fillClrLst>
+    <dgm:linClrLst meth="repeat">
+      <a:schemeClr val="lt1"/>
+    </dgm:linClrLst>
+    <dgm:effectClrLst/>
+    <dgm:txLinClrLst/>
+    <dgm:txFillClrLst/>
+    <dgm:txEffectClrLst/>
+  </dgm:styleLbl>
+  <dgm:styleLbl name="asst3">
+    <dgm:fillClrLst meth="repeat">
+      <a:schemeClr val="accent1"/>
+    </dgm:fillClrLst>
+    <dgm:linClrLst meth="repeat">
+      <a:schemeClr val="lt1"/>
+    </dgm:linClrLst>
+    <dgm:effectClrLst/>
+    <dgm:txLinClrLst/>
+    <dgm:txFillClrLst/>
+    <dgm:txEffectClrLst/>
+  </dgm:styleLbl>
+  <dgm:styleLbl name="asst4">
+    <dgm:fillClrLst meth="repeat">
+      <a:schemeClr val="accent1"/>
+    </dgm:fillClrLst>
+    <dgm:linClrLst meth="repeat">
+      <a:schemeClr val="lt1"/>
+    </dgm:linClrLst>
+    <dgm:effectClrLst/>
+    <dgm:txLinClrLst/>
+    <dgm:txFillClrLst/>
+    <dgm:txEffectClrLst/>
+  </dgm:styleLbl>
+  <dgm:styleLbl name="parChTrans2D1">
+    <dgm:fillClrLst meth="repeat">
+      <a:schemeClr val="accent1">
+        <a:tint val="60000"/>
+      </a:schemeClr>
+    </dgm:fillClrLst>
+    <dgm:linClrLst meth="repeat">
+      <a:schemeClr val="accent1">
+        <a:tint val="60000"/>
+      </a:schemeClr>
+    </dgm:linClrLst>
+    <dgm:effectClrLst/>
+    <dgm:txLinClrLst/>
+    <dgm:txFillClrLst meth="repeat">
+      <a:schemeClr val="lt1"/>
+    </dgm:txFillClrLst>
+    <dgm:txEffectClrLst/>
+  </dgm:styleLbl>
+  <dgm:styleLbl name="parChTrans2D2">
+    <dgm:fillClrLst meth="repeat">
+      <a:schemeClr val="accent1"/>
+    </dgm:fillClrLst>
+    <dgm:linClrLst meth="repeat">
+      <a:schemeClr val="accent1"/>
+    </dgm:linClrLst>
+    <dgm:effectClrLst/>
+    <dgm:txLinClrLst/>
+    <dgm:txFillClrLst meth="repeat">
+      <a:schemeClr val="lt1"/>
+    </dgm:txFillClrLst>
+    <dgm:txEffectClrLst/>
+  </dgm:styleLbl>
+  <dgm:styleLbl name="parChTrans2D3">
+    <dgm:fillClrLst meth="repeat">
+      <a:schemeClr val="accent1"/>
+    </dgm:fillClrLst>
+    <dgm:linClrLst meth="repeat">
+      <a:schemeClr val="accent1"/>
+    </dgm:linClrLst>
+    <dgm:effectClrLst/>
+    <dgm:txLinClrLst/>
+    <dgm:txFillClrLst meth="repeat">
+      <a:schemeClr val="lt1"/>
+    </dgm:txFillClrLst>
+    <dgm:txEffectClrLst/>
+  </dgm:styleLbl>
+  <dgm:styleLbl name="parChTrans2D4">
+    <dgm:fillClrLst meth="repeat">
+      <a:schemeClr val="accent1"/>
+    </dgm:fillClrLst>
+    <dgm:linClrLst meth="repeat">
+      <a:schemeClr val="accent1"/>
+    </dgm:linClrLst>
+    <dgm:effectClrLst/>
+    <dgm:txLinClrLst/>
+    <dgm:txFillClrLst meth="repeat">
+      <a:schemeClr val="lt1"/>
+    </dgm:txFillClrLst>
+    <dgm:txEffectClrLst/>
+  </dgm:styleLbl>
+  <dgm:styleLbl name="parChTrans1D1">
+    <dgm:fillClrLst meth="repeat">
+      <a:schemeClr val="accent1"/>
+    </dgm:fillClrLst>
+    <dgm:linClrLst meth="repeat">
+      <a:schemeClr val="accent1">
+        <a:shade val="60000"/>
+      </a:schemeClr>
+    </dgm:linClrLst>
+    <dgm:effectClrLst/>
+    <dgm:txLinClrLst/>
+    <dgm:txFillClrLst meth="repeat">
+      <a:schemeClr val="tx1"/>
+    </dgm:txFillClrLst>
+    <dgm:txEffectClrLst/>
+  </dgm:styleLbl>
+  <dgm:styleLbl name="parChTrans1D2">
+    <dgm:fillClrLst meth="repeat">
+      <a:schemeClr val="accent1"/>
+    </dgm:fillClrLst>
+    <dgm:linClrLst meth="repeat">
+      <a:schemeClr val="accent1">
+        <a:shade val="60000"/>
+      </a:schemeClr>
+    </dgm:linClrLst>
+    <dgm:effectClrLst/>
+    <dgm:txLinClrLst/>
+    <dgm:txFillClrLst meth="repeat">
+      <a:schemeClr val="tx1"/>
+    </dgm:txFillClrLst>
+    <dgm:txEffectClrLst/>
+  </dgm:styleLbl>
+  <dgm:styleLbl name="parChTrans1D3">
+    <dgm:fillClrLst meth="repeat">
+      <a:schemeClr val="accent1"/>
+    </dgm:fillClrLst>
+    <dgm:linClrLst meth="repeat">
+      <a:schemeClr val="accent1">
+        <a:shade val="80000"/>
+      </a:schemeClr>
+    </dgm:linClrLst>
+    <dgm:effectClrLst/>
+    <dgm:txLinClrLst/>
+    <dgm:txFillClrLst meth="repeat">
+      <a:schemeClr val="tx1"/>
+    </dgm:txFillClrLst>
+    <dgm:txEffectClrLst/>
+  </dgm:styleLbl>
+  <dgm:styleLbl name="parChTrans1D4">
+    <dgm:fillClrLst meth="repeat">
+      <a:schemeClr val="accent1"/>
+    </dgm:fillClrLst>
+    <dgm:linClrLst meth="repeat">
+      <a:schemeClr val="accent1">
+        <a:shade val="80000"/>
+      </a:schemeClr>
+    </dgm:linClrLst>
+    <dgm:effectClrLst/>
+    <dgm:txLinClrLst/>
+    <dgm:txFillClrLst meth="repeat">
+      <a:schemeClr val="tx1"/>
+    </dgm:txFillClrLst>
+    <dgm:txEffectClrLst/>
+  </dgm:styleLbl>
+  <dgm:styleLbl name="fgAcc1">
+    <dgm:fillClrLst meth="repeat">
+      <a:schemeClr val="lt1">
+        <a:alpha val="90000"/>
+      </a:schemeClr>
+    </dgm:fillClrLst>
+    <dgm:linClrLst meth="repeat">
+      <a:schemeClr val="accent1"/>
+    </dgm:linClrLst>
+    <dgm:effectClrLst/>
+    <dgm:txLinClrLst/>
+    <dgm:txFillClrLst meth="repeat">
+      <a:schemeClr val="dk1"/>
+    </dgm:txFillClrLst>
+    <dgm:txEffectClrLst/>
+  </dgm:styleLbl>
+  <dgm:styleLbl name="conFgAcc1">
+    <dgm:fillClrLst meth="repeat">
+      <a:schemeClr val="lt1">
+        <a:alpha val="90000"/>
+      </a:schemeClr>
+    </dgm:fillClrLst>
+    <dgm:linClrLst meth="repeat">
+      <a:schemeClr val="accent1"/>
+    </dgm:linClrLst>
+    <dgm:effectClrLst/>
+    <dgm:txLinClrLst/>
+    <dgm:txFillClrLst meth="repeat">
+      <a:schemeClr val="dk1"/>
+    </dgm:txFillClrLst>
+    <dgm:txEffectClrLst/>
+  </dgm:styleLbl>
+  <dgm:styleLbl name="alignAcc1">
+    <dgm:fillClrLst meth="repeat">
+      <a:schemeClr val="lt1">
+        <a:alpha val="90000"/>
+      </a:schemeClr>
+    </dgm:fillClrLst>
+    <dgm:linClrLst meth="repeat">
+      <a:schemeClr val="accent1"/>
+    </dgm:linClrLst>
+    <dgm:effectClrLst/>
+    <dgm:txLinClrLst/>
+    <dgm:txFillClrLst meth="repeat">
+      <a:schemeClr val="dk1"/>
+    </dgm:txFillClrLst>
+    <dgm:txEffectClrLst/>
+  </dgm:styleLbl>
+  <dgm:styleLbl name="trAlignAcc1">
+    <dgm:fillClrLst meth="repeat">
+      <a:schemeClr val="lt1">
+        <a:alpha val="40000"/>
+      </a:schemeClr>
+    </dgm:fillClrLst>
+    <dgm:linClrLst meth="repeat">
+      <a:schemeClr val="accent1"/>
+    </dgm:linClrLst>
+    <dgm:effectClrLst/>
+    <dgm:txLinClrLst/>
+    <dgm:txFillClrLst meth="repeat">
+      <a:schemeClr val="dk1"/>
+    </dgm:txFillClrLst>
+    <dgm:txEffectClrLst/>
+  </dgm:styleLbl>
+  <dgm:styleLbl name="bgAcc1">
+    <dgm:fillClrLst meth="repeat">
+      <a:schemeClr val="lt1">
+        <a:alpha val="90000"/>
+      </a:schemeClr>
+    </dgm:fillClrLst>
+    <dgm:linClrLst meth="repeat">
+      <a:schemeClr val="accent1"/>
+    </dgm:linClrLst>
+    <dgm:effectClrLst/>
+    <dgm:txLinClrLst/>
+    <dgm:txFillClrLst meth="repeat">
+      <a:schemeClr val="dk1"/>
+    </dgm:txFillClrLst>
+    <dgm:txEffectClrLst/>
+  </dgm:styleLbl>
+  <dgm:styleLbl name="solidFgAcc1">
+    <dgm:fillClrLst meth="repeat">
+      <a:schemeClr val="lt1"/>
+    </dgm:fillClrLst>
+    <dgm:linClrLst meth="repeat">
+      <a:schemeClr val="accent1"/>
+    </dgm:linClrLst>
+    <dgm:effectClrLst/>
+    <dgm:txLinClrLst/>
+    <dgm:txFillClrLst meth="repeat">
+      <a:schemeClr val="dk1"/>
+    </dgm:txFillClrLst>
+    <dgm:txEffectClrLst/>
+  </dgm:styleLbl>
+  <dgm:styleLbl name="solidAlignAcc1">
+    <dgm:fillClrLst meth="repeat">
+      <a:schemeClr val="lt1"/>
+    </dgm:fillClrLst>
+    <dgm:linClrLst meth="repeat">
+      <a:schemeClr val="accent1"/>
+    </dgm:linClrLst>
+    <dgm:effectClrLst/>
+    <dgm:txLinClrLst/>
+    <dgm:txFillClrLst meth="repeat">
+      <a:schemeClr val="dk1"/>
+    </dgm:txFillClrLst>
+    <dgm:txEffectClrLst/>
+  </dgm:styleLbl>
+  <dgm:styleLbl name="solidBgAcc1">
+    <dgm:fillClrLst meth="repeat">
+      <a:schemeClr val="lt1"/>
+    </dgm:fillClrLst>
+    <dgm:linClrLst meth="repeat">
+      <a:schemeClr val="accent1"/>
+    </dgm:linClrLst>
+    <dgm:effectClrLst/>
+    <dgm:txLinClrLst/>
+    <dgm:txFillClrLst meth="repeat">
+      <a:schemeClr val="dk1"/>
+    </dgm:txFillClrLst>
+    <dgm:txEffectClrLst/>
+  </dgm:styleLbl>
+  <dgm:styleLbl name="fgAccFollowNode1">
+    <dgm:fillClrLst meth="repeat">
+      <a:schemeClr val="accent1">
+        <a:alpha val="90000"/>
+        <a:tint val="40000"/>
+      </a:schemeClr>
+    </dgm:fillClrLst>
+    <dgm:linClrLst meth="repeat">
+      <a:schemeClr val="accent1">
+        <a:alpha val="90000"/>
+        <a:tint val="40000"/>
+      </a:schemeClr>
+    </dgm:linClrLst>
+    <dgm:effectClrLst/>
+    <dgm:txLinClrLst/>
+    <dgm:txFillClrLst meth="repeat">
+      <a:schemeClr val="dk1"/>
+    </dgm:txFillClrLst>
+    <dgm:txEffectClrLst/>
+  </dgm:styleLbl>
+  <dgm:styleLbl name="alignAccFollowNode1">
+    <dgm:fillClrLst meth="repeat">
+      <a:schemeClr val="accent1">
+        <a:alpha val="90000"/>
+        <a:tint val="40000"/>
+      </a:schemeClr>
+    </dgm:fillClrLst>
+    <dgm:linClrLst meth="repeat">
+      <a:schemeClr val="accent1">
+        <a:alpha val="90000"/>
+        <a:tint val="40000"/>
+      </a:schemeClr>
+    </dgm:linClrLst>
+    <dgm:effectClrLst/>
+    <dgm:txLinClrLst/>
+    <dgm:txFillClrLst meth="repeat">
+      <a:schemeClr val="dk1"/>
+    </dgm:txFillClrLst>
+    <dgm:txEffectClrLst/>
+  </dgm:styleLbl>
+  <dgm:styleLbl name="bgAccFollowNode1">
+    <dgm:fillClrLst meth="repeat">
+      <a:schemeClr val="accent1">
+        <a:alpha val="90000"/>
+        <a:tint val="40000"/>
+      </a:schemeClr>
+    </dgm:fillClrLst>
+    <dgm:linClrLst meth="repeat">
+      <a:schemeClr val="accent1">
+        <a:alpha val="90000"/>
+        <a:tint val="40000"/>
+      </a:schemeClr>
+    </dgm:linClrLst>
+    <dgm:effectClrLst/>
+    <dgm:txLinClrLst/>
+    <dgm:txFillClrLst meth="repeat">
+      <a:schemeClr val="dk1"/>
+    </dgm:txFillClrLst>
+    <dgm:txEffectClrLst/>
+  </dgm:styleLbl>
+  <dgm:styleLbl name="fgAcc0">
+    <dgm:fillClrLst meth="repeat">
+      <a:schemeClr val="lt1">
+        <a:alpha val="90000"/>
+      </a:schemeClr>
+    </dgm:fillClrLst>
+    <dgm:linClrLst meth="repeat">
+      <a:schemeClr val="accent1"/>
+    </dgm:linClrLst>
+    <dgm:effectClrLst/>
+    <dgm:txLinClrLst/>
+    <dgm:txFillClrLst meth="repeat">
+      <a:schemeClr val="dk1"/>
+    </dgm:txFillClrLst>
+    <dgm:txEffectClrLst/>
+  </dgm:styleLbl>
+  <dgm:styleLbl name="fgAcc2">
+    <dgm:fillClrLst meth="repeat">
+      <a:schemeClr val="lt1">
+        <a:alpha val="90000"/>
+      </a:schemeClr>
+    </dgm:fillClrLst>
+    <dgm:linClrLst meth="repeat">
+      <a:schemeClr val="accent1"/>
+    </dgm:linClrLst>
+    <dgm:effectClrLst/>
+    <dgm:txLinClrLst/>
+    <dgm:txFillClrLst meth="repeat">
+      <a:schemeClr val="dk1"/>
+    </dgm:txFillClrLst>
+    <dgm:txEffectClrLst/>
+  </dgm:styleLbl>
+  <dgm:styleLbl name="fgAcc3">
+    <dgm:fillClrLst meth="repeat">
+      <a:schemeClr val="lt1">
+        <a:alpha val="90000"/>
+      </a:schemeClr>
+    </dgm:fillClrLst>
+    <dgm:linClrLst meth="repeat">
+      <a:schemeClr val="accent1"/>
+    </dgm:linClrLst>
+    <dgm:effectClrLst/>
+    <dgm:txLinClrLst/>
+    <dgm:txFillClrLst meth="repeat">
+      <a:schemeClr val="dk1"/>
+    </dgm:txFillClrLst>
+    <dgm:txEffectClrLst/>
+  </dgm:styleLbl>
+  <dgm:styleLbl name="fgAcc4">
+    <dgm:fillClrLst meth="repeat">
+      <a:schemeClr val="lt1">
+        <a:alpha val="90000"/>
+      </a:schemeClr>
+    </dgm:fillClrLst>
+    <dgm:linClrLst meth="repeat">
+      <a:schemeClr val="accent1"/>
+    </dgm:linClrLst>
+    <dgm:effectClrLst/>
+    <dgm:txLinClrLst/>
+    <dgm:txFillClrLst meth="repeat">
+      <a:schemeClr val="dk1"/>
+    </dgm:txFillClrLst>
+    <dgm:txEffectClrLst/>
+  </dgm:styleLbl>
+  <dgm:styleLbl name="bgShp">
+    <dgm:fillClrLst meth="repeat">
+      <a:schemeClr val="accent1">
+        <a:tint val="40000"/>
+      </a:schemeClr>
+    </dgm:fillClrLst>
+    <dgm:linClrLst meth="repeat">
+      <a:schemeClr val="accent1"/>
+    </dgm:linClrLst>
+    <dgm:effectClrLst/>
+    <dgm:txLinClrLst/>
+    <dgm:txFillClrLst meth="repeat">
+      <a:schemeClr val="dk1"/>
+    </dgm:txFillClrLst>
+    <dgm:txEffectClrLst/>
+  </dgm:styleLbl>
+  <dgm:styleLbl name="dkBgShp">
+    <dgm:fillClrLst meth="repeat">
+      <a:schemeClr val="accent1">
+        <a:shade val="80000"/>
+      </a:schemeClr>
+    </dgm:fillClrLst>
+    <dgm:linClrLst meth="repeat">
+      <a:schemeClr val="accent1"/>
+    </dgm:linClrLst>
+    <dgm:effectClrLst/>
+    <dgm:txLinClrLst/>
+    <dgm:txFillClrLst meth="repeat">
+      <a:schemeClr val="lt1"/>
+    </dgm:txFillClrLst>
+    <dgm:txEffectClrLst/>
+  </dgm:styleLbl>
+  <dgm:styleLbl name="trBgShp">
+    <dgm:fillClrLst meth="repeat">
+      <a:schemeClr val="accent1">
+        <a:tint val="50000"/>
+        <a:alpha val="40000"/>
+      </a:schemeClr>
+    </dgm:fillClrLst>
+    <dgm:linClrLst meth="repeat">
+      <a:schemeClr val="accent1"/>
+    </dgm:linClrLst>
+    <dgm:effectClrLst/>
+    <dgm:txLinClrLst/>
+    <dgm:txFillClrLst meth="repeat">
+      <a:schemeClr val="lt1"/>
+    </dgm:txFillClrLst>
+    <dgm:txEffectClrLst/>
+  </dgm:styleLbl>
+  <dgm:styleLbl name="fgShp">
+    <dgm:fillClrLst meth="repeat">
+      <a:schemeClr val="accent1">
+        <a:tint val="60000"/>
+      </a:schemeClr>
+    </dgm:fillClrLst>
+    <dgm:linClrLst meth="repeat">
+      <a:schemeClr val="lt1"/>
+    </dgm:linClrLst>
+    <dgm:effectClrLst/>
+    <dgm:txLinClrLst/>
+    <dgm:txFillClrLst meth="repeat">
+      <a:schemeClr val="dk1"/>
+    </dgm:txFillClrLst>
+    <dgm:txEffectClrLst/>
+  </dgm:styleLbl>
+  <dgm:styleLbl name="revTx">
+    <dgm:fillClrLst meth="repeat">
+      <a:schemeClr val="lt1">
+        <a:alpha val="0"/>
+      </a:schemeClr>
+    </dgm:fillClrLst>
+    <dgm:linClrLst meth="repeat">
+      <a:schemeClr val="dk1">
+        <a:alpha val="0"/>
+      </a:schemeClr>
+    </dgm:linClrLst>
+    <dgm:effectClrLst/>
+    <dgm:txLinClrLst/>
+    <dgm:txFillClrLst meth="repeat">
+      <a:schemeClr val="tx1"/>
+    </dgm:txFillClrLst>
+    <dgm:txEffectClrLst/>
+  </dgm:styleLbl>
+</dgm:colorsDef>
+</file>
+
+<file path=ppt/diagrams/data1.xml><?xml version="1.0" encoding="utf-8"?>
+<dgm:dataModel xmlns:dgm="http://schemas.openxmlformats.org/drawingml/2006/diagram" xmlns:a="http://schemas.openxmlformats.org/drawingml/2006/main">
+  <dgm:ptLst>
+    <dgm:pt modelId="{136CF6C6-3040-474C-860E-C810178DC29B}" type="doc">
+      <dgm:prSet loTypeId="urn:microsoft.com/office/officeart/2005/8/layout/process1" loCatId="process" qsTypeId="urn:microsoft.com/office/officeart/2005/8/quickstyle/3d4" qsCatId="3D" csTypeId="urn:microsoft.com/office/officeart/2005/8/colors/accent1_2" csCatId="accent1" phldr="1"/>
+      <dgm:spPr/>
+    </dgm:pt>
+    <dgm:pt modelId="{46311A1D-7102-4CBC-B1DA-351B580861CD}">
+      <dgm:prSet phldrT="[Text]"/>
+      <dgm:spPr/>
+      <dgm:t>
+        <a:bodyPr/>
+        <a:lstStyle/>
+        <a:p>
+          <a:r>
+            <a:rPr lang="en-US" dirty="0"/>
+            <a:t>Test sensitivity to initial values</a:t>
+          </a:r>
+        </a:p>
+      </dgm:t>
+    </dgm:pt>
+    <dgm:pt modelId="{005C93A1-00EC-4487-85E7-36B0D8F7E044}" type="parTrans" cxnId="{CC5DF955-366B-4E90-9731-B87C8A4BB118}">
+      <dgm:prSet/>
+      <dgm:spPr/>
+      <dgm:t>
+        <a:bodyPr/>
+        <a:lstStyle/>
+        <a:p>
+          <a:endParaRPr lang="en-US"/>
+        </a:p>
+      </dgm:t>
+    </dgm:pt>
+    <dgm:pt modelId="{9E8E1D45-4475-447C-9A07-A76C3F373948}" type="sibTrans" cxnId="{CC5DF955-366B-4E90-9731-B87C8A4BB118}">
+      <dgm:prSet/>
+      <dgm:spPr/>
+      <dgm:t>
+        <a:bodyPr/>
+        <a:lstStyle/>
+        <a:p>
+          <a:endParaRPr lang="en-US"/>
+        </a:p>
+      </dgm:t>
+    </dgm:pt>
+    <dgm:pt modelId="{B68A0B32-7CF2-4452-82C3-8378FCD20DC8}">
+      <dgm:prSet phldrT="[Text]"/>
+      <dgm:spPr/>
+      <dgm:t>
+        <a:bodyPr/>
+        <a:lstStyle/>
+        <a:p>
+          <a:r>
+            <a:rPr lang="en-US" dirty="0"/>
+            <a:t>Write script for posterior predictive checks</a:t>
+          </a:r>
+        </a:p>
+      </dgm:t>
+    </dgm:pt>
+    <dgm:pt modelId="{5A635543-AABA-463C-AC2B-CDE4354290B0}" type="parTrans" cxnId="{B96D95BC-39E4-4726-ABA6-9275FD9FD74A}">
+      <dgm:prSet/>
+      <dgm:spPr/>
+      <dgm:t>
+        <a:bodyPr/>
+        <a:lstStyle/>
+        <a:p>
+          <a:endParaRPr lang="en-US"/>
+        </a:p>
+      </dgm:t>
+    </dgm:pt>
+    <dgm:pt modelId="{78B64F06-AAF2-41AC-9203-D459DC24A8D6}" type="sibTrans" cxnId="{B96D95BC-39E4-4726-ABA6-9275FD9FD74A}">
+      <dgm:prSet/>
+      <dgm:spPr/>
+      <dgm:t>
+        <a:bodyPr/>
+        <a:lstStyle/>
+        <a:p>
+          <a:endParaRPr lang="en-US"/>
+        </a:p>
+      </dgm:t>
+    </dgm:pt>
+    <dgm:pt modelId="{0F06200D-7777-498E-BC05-D7391BBF0CAE}">
+      <dgm:prSet phldrT="[Text]"/>
+      <dgm:spPr/>
+      <dgm:t>
+        <a:bodyPr/>
+        <a:lstStyle/>
+        <a:p>
+          <a:r>
+            <a:rPr lang="en-US" dirty="0"/>
+            <a:t>Run model with positive and negative population growth</a:t>
+          </a:r>
+        </a:p>
+      </dgm:t>
+    </dgm:pt>
+    <dgm:pt modelId="{D90FFDCE-681F-482A-BBE4-49EAF4A04CC2}" type="parTrans" cxnId="{15D0D947-4B07-47E0-AD5E-3A09C8A6B096}">
+      <dgm:prSet/>
+      <dgm:spPr/>
+      <dgm:t>
+        <a:bodyPr/>
+        <a:lstStyle/>
+        <a:p>
+          <a:endParaRPr lang="en-US"/>
+        </a:p>
+      </dgm:t>
+    </dgm:pt>
+    <dgm:pt modelId="{C84F92F5-650D-4FA6-BDE7-64246BDDA693}" type="sibTrans" cxnId="{15D0D947-4B07-47E0-AD5E-3A09C8A6B096}">
+      <dgm:prSet/>
+      <dgm:spPr/>
+      <dgm:t>
+        <a:bodyPr/>
+        <a:lstStyle/>
+        <a:p>
+          <a:endParaRPr lang="en-US"/>
+        </a:p>
+      </dgm:t>
+    </dgm:pt>
+    <dgm:pt modelId="{48DEA723-2252-4145-86AF-8DCC8BAFE7A1}">
+      <dgm:prSet/>
+      <dgm:spPr>
+        <a:solidFill>
+          <a:schemeClr val="accent2">
+            <a:lumMod val="75000"/>
+          </a:schemeClr>
+        </a:solidFill>
+      </dgm:spPr>
+      <dgm:t>
+        <a:bodyPr/>
+        <a:lstStyle/>
+        <a:p>
+          <a:r>
+            <a:rPr lang="en-US" dirty="0"/>
+            <a:t>Incorporate skipped-breeding into the model</a:t>
+          </a:r>
+        </a:p>
+      </dgm:t>
+    </dgm:pt>
+    <dgm:pt modelId="{61234ACC-EF4B-459C-B180-1F6FB83A3232}" type="parTrans" cxnId="{239F5B3E-995D-4602-9688-2B70CC0BDD74}">
+      <dgm:prSet/>
+      <dgm:spPr/>
+      <dgm:t>
+        <a:bodyPr/>
+        <a:lstStyle/>
+        <a:p>
+          <a:endParaRPr lang="en-US"/>
+        </a:p>
+      </dgm:t>
+    </dgm:pt>
+    <dgm:pt modelId="{4D34BD10-69AA-4AFC-A0F8-B0FC7553C65D}" type="sibTrans" cxnId="{239F5B3E-995D-4602-9688-2B70CC0BDD74}">
+      <dgm:prSet/>
+      <dgm:spPr/>
+      <dgm:t>
+        <a:bodyPr/>
+        <a:lstStyle/>
+        <a:p>
+          <a:endParaRPr lang="en-US"/>
+        </a:p>
+      </dgm:t>
+    </dgm:pt>
+    <dgm:pt modelId="{2FEFD5FE-FD45-43E8-949B-16F93A869DAC}" type="pres">
+      <dgm:prSet presAssocID="{136CF6C6-3040-474C-860E-C810178DC29B}" presName="Name0" presStyleCnt="0">
+        <dgm:presLayoutVars>
+          <dgm:dir/>
+          <dgm:resizeHandles val="exact"/>
+        </dgm:presLayoutVars>
+      </dgm:prSet>
+      <dgm:spPr/>
+    </dgm:pt>
+    <dgm:pt modelId="{DBE39E08-0E3B-42E6-9238-6350D1E600F4}" type="pres">
+      <dgm:prSet presAssocID="{46311A1D-7102-4CBC-B1DA-351B580861CD}" presName="node" presStyleLbl="node1" presStyleIdx="0" presStyleCnt="4">
+        <dgm:presLayoutVars>
+          <dgm:bulletEnabled val="1"/>
+        </dgm:presLayoutVars>
+      </dgm:prSet>
+      <dgm:spPr/>
+    </dgm:pt>
+    <dgm:pt modelId="{EE9F3D5B-58B4-44B7-9EDC-BBD5EC14BC3B}" type="pres">
+      <dgm:prSet presAssocID="{9E8E1D45-4475-447C-9A07-A76C3F373948}" presName="sibTrans" presStyleLbl="sibTrans2D1" presStyleIdx="0" presStyleCnt="3"/>
+      <dgm:spPr/>
+    </dgm:pt>
+    <dgm:pt modelId="{F10FA0A6-CE9F-4677-81A4-5445B8468AAB}" type="pres">
+      <dgm:prSet presAssocID="{9E8E1D45-4475-447C-9A07-A76C3F373948}" presName="connectorText" presStyleLbl="sibTrans2D1" presStyleIdx="0" presStyleCnt="3"/>
+      <dgm:spPr/>
+    </dgm:pt>
+    <dgm:pt modelId="{FB5EB6FD-D7D8-4DFC-B321-D4869D46B601}" type="pres">
+      <dgm:prSet presAssocID="{B68A0B32-7CF2-4452-82C3-8378FCD20DC8}" presName="node" presStyleLbl="node1" presStyleIdx="1" presStyleCnt="4">
+        <dgm:presLayoutVars>
+          <dgm:bulletEnabled val="1"/>
+        </dgm:presLayoutVars>
+      </dgm:prSet>
+      <dgm:spPr/>
+    </dgm:pt>
+    <dgm:pt modelId="{EF390725-DD0C-43EE-A4C9-DC5560EB17B7}" type="pres">
+      <dgm:prSet presAssocID="{78B64F06-AAF2-41AC-9203-D459DC24A8D6}" presName="sibTrans" presStyleLbl="sibTrans2D1" presStyleIdx="1" presStyleCnt="3"/>
+      <dgm:spPr/>
+    </dgm:pt>
+    <dgm:pt modelId="{79F763A1-6E4B-423B-AE8C-61C724BD3F85}" type="pres">
+      <dgm:prSet presAssocID="{78B64F06-AAF2-41AC-9203-D459DC24A8D6}" presName="connectorText" presStyleLbl="sibTrans2D1" presStyleIdx="1" presStyleCnt="3"/>
+      <dgm:spPr/>
+    </dgm:pt>
+    <dgm:pt modelId="{103FC550-449E-4079-8CB8-24CDFF380EC4}" type="pres">
+      <dgm:prSet presAssocID="{0F06200D-7777-498E-BC05-D7391BBF0CAE}" presName="node" presStyleLbl="node1" presStyleIdx="2" presStyleCnt="4">
+        <dgm:presLayoutVars>
+          <dgm:bulletEnabled val="1"/>
+        </dgm:presLayoutVars>
+      </dgm:prSet>
+      <dgm:spPr/>
+    </dgm:pt>
+    <dgm:pt modelId="{220EA339-9688-4041-BBB6-D8AC472BC304}" type="pres">
+      <dgm:prSet presAssocID="{C84F92F5-650D-4FA6-BDE7-64246BDDA693}" presName="sibTrans" presStyleLbl="sibTrans2D1" presStyleIdx="2" presStyleCnt="3"/>
+      <dgm:spPr/>
+    </dgm:pt>
+    <dgm:pt modelId="{F4736E86-BA71-4356-8289-BB584CAD0F52}" type="pres">
+      <dgm:prSet presAssocID="{C84F92F5-650D-4FA6-BDE7-64246BDDA693}" presName="connectorText" presStyleLbl="sibTrans2D1" presStyleIdx="2" presStyleCnt="3"/>
+      <dgm:spPr/>
+    </dgm:pt>
+    <dgm:pt modelId="{580F81AE-6860-49A9-BDF8-E3A09F91DA19}" type="pres">
+      <dgm:prSet presAssocID="{48DEA723-2252-4145-86AF-8DCC8BAFE7A1}" presName="node" presStyleLbl="node1" presStyleIdx="3" presStyleCnt="4" custLinFactX="28717" custLinFactNeighborX="100000" custLinFactNeighborY="-8995">
+        <dgm:presLayoutVars>
+          <dgm:bulletEnabled val="1"/>
+        </dgm:presLayoutVars>
+      </dgm:prSet>
+      <dgm:spPr/>
+    </dgm:pt>
+  </dgm:ptLst>
+  <dgm:cxnLst>
+    <dgm:cxn modelId="{1D010D1D-59DA-4B04-95C0-8FD82686C91A}" type="presOf" srcId="{B68A0B32-7CF2-4452-82C3-8378FCD20DC8}" destId="{FB5EB6FD-D7D8-4DFC-B321-D4869D46B601}" srcOrd="0" destOrd="0" presId="urn:microsoft.com/office/officeart/2005/8/layout/process1"/>
+    <dgm:cxn modelId="{E52F6727-2466-4C7B-BFAE-9C632C6C546D}" type="presOf" srcId="{136CF6C6-3040-474C-860E-C810178DC29B}" destId="{2FEFD5FE-FD45-43E8-949B-16F93A869DAC}" srcOrd="0" destOrd="0" presId="urn:microsoft.com/office/officeart/2005/8/layout/process1"/>
+    <dgm:cxn modelId="{45B02B2F-88A1-4058-8491-7A68BD780D14}" type="presOf" srcId="{78B64F06-AAF2-41AC-9203-D459DC24A8D6}" destId="{EF390725-DD0C-43EE-A4C9-DC5560EB17B7}" srcOrd="0" destOrd="0" presId="urn:microsoft.com/office/officeart/2005/8/layout/process1"/>
+    <dgm:cxn modelId="{A12ABF33-CDE0-4A23-8486-9AB0DB20877E}" type="presOf" srcId="{9E8E1D45-4475-447C-9A07-A76C3F373948}" destId="{F10FA0A6-CE9F-4677-81A4-5445B8468AAB}" srcOrd="1" destOrd="0" presId="urn:microsoft.com/office/officeart/2005/8/layout/process1"/>
+    <dgm:cxn modelId="{239F5B3E-995D-4602-9688-2B70CC0BDD74}" srcId="{136CF6C6-3040-474C-860E-C810178DC29B}" destId="{48DEA723-2252-4145-86AF-8DCC8BAFE7A1}" srcOrd="3" destOrd="0" parTransId="{61234ACC-EF4B-459C-B180-1F6FB83A3232}" sibTransId="{4D34BD10-69AA-4AFC-A0F8-B0FC7553C65D}"/>
+    <dgm:cxn modelId="{1B96C060-B056-4788-85CD-9D7C448AFABF}" type="presOf" srcId="{48DEA723-2252-4145-86AF-8DCC8BAFE7A1}" destId="{580F81AE-6860-49A9-BDF8-E3A09F91DA19}" srcOrd="0" destOrd="0" presId="urn:microsoft.com/office/officeart/2005/8/layout/process1"/>
+    <dgm:cxn modelId="{53089763-B076-4D2D-AE09-6C73BDD278B6}" type="presOf" srcId="{78B64F06-AAF2-41AC-9203-D459DC24A8D6}" destId="{79F763A1-6E4B-423B-AE8C-61C724BD3F85}" srcOrd="1" destOrd="0" presId="urn:microsoft.com/office/officeart/2005/8/layout/process1"/>
+    <dgm:cxn modelId="{15D0D947-4B07-47E0-AD5E-3A09C8A6B096}" srcId="{136CF6C6-3040-474C-860E-C810178DC29B}" destId="{0F06200D-7777-498E-BC05-D7391BBF0CAE}" srcOrd="2" destOrd="0" parTransId="{D90FFDCE-681F-482A-BBE4-49EAF4A04CC2}" sibTransId="{C84F92F5-650D-4FA6-BDE7-64246BDDA693}"/>
+    <dgm:cxn modelId="{6071F56F-B19B-4D77-A458-BCA9E8529C49}" type="presOf" srcId="{46311A1D-7102-4CBC-B1DA-351B580861CD}" destId="{DBE39E08-0E3B-42E6-9238-6350D1E600F4}" srcOrd="0" destOrd="0" presId="urn:microsoft.com/office/officeart/2005/8/layout/process1"/>
+    <dgm:cxn modelId="{CC5DF955-366B-4E90-9731-B87C8A4BB118}" srcId="{136CF6C6-3040-474C-860E-C810178DC29B}" destId="{46311A1D-7102-4CBC-B1DA-351B580861CD}" srcOrd="0" destOrd="0" parTransId="{005C93A1-00EC-4487-85E7-36B0D8F7E044}" sibTransId="{9E8E1D45-4475-447C-9A07-A76C3F373948}"/>
+    <dgm:cxn modelId="{94437357-86D5-48DE-B8E0-F5DC2541801C}" type="presOf" srcId="{C84F92F5-650D-4FA6-BDE7-64246BDDA693}" destId="{F4736E86-BA71-4356-8289-BB584CAD0F52}" srcOrd="1" destOrd="0" presId="urn:microsoft.com/office/officeart/2005/8/layout/process1"/>
+    <dgm:cxn modelId="{9A66A78C-B06E-420D-B2A5-0E5E3DAD2D0A}" type="presOf" srcId="{9E8E1D45-4475-447C-9A07-A76C3F373948}" destId="{EE9F3D5B-58B4-44B7-9EDC-BBD5EC14BC3B}" srcOrd="0" destOrd="0" presId="urn:microsoft.com/office/officeart/2005/8/layout/process1"/>
+    <dgm:cxn modelId="{C127A6A7-19F1-4299-B3ED-61BB161FD6F7}" type="presOf" srcId="{0F06200D-7777-498E-BC05-D7391BBF0CAE}" destId="{103FC550-449E-4079-8CB8-24CDFF380EC4}" srcOrd="0" destOrd="0" presId="urn:microsoft.com/office/officeart/2005/8/layout/process1"/>
+    <dgm:cxn modelId="{B96D95BC-39E4-4726-ABA6-9275FD9FD74A}" srcId="{136CF6C6-3040-474C-860E-C810178DC29B}" destId="{B68A0B32-7CF2-4452-82C3-8378FCD20DC8}" srcOrd="1" destOrd="0" parTransId="{5A635543-AABA-463C-AC2B-CDE4354290B0}" sibTransId="{78B64F06-AAF2-41AC-9203-D459DC24A8D6}"/>
+    <dgm:cxn modelId="{19E2EED0-91B6-4D28-8B85-BA1AE6904ED4}" type="presOf" srcId="{C84F92F5-650D-4FA6-BDE7-64246BDDA693}" destId="{220EA339-9688-4041-BBB6-D8AC472BC304}" srcOrd="0" destOrd="0" presId="urn:microsoft.com/office/officeart/2005/8/layout/process1"/>
+    <dgm:cxn modelId="{A644B674-C081-468D-8D1C-F4AB613F923D}" type="presParOf" srcId="{2FEFD5FE-FD45-43E8-949B-16F93A869DAC}" destId="{DBE39E08-0E3B-42E6-9238-6350D1E600F4}" srcOrd="0" destOrd="0" presId="urn:microsoft.com/office/officeart/2005/8/layout/process1"/>
+    <dgm:cxn modelId="{09FFCF50-B7A3-4312-BD48-BE1475B19FC4}" type="presParOf" srcId="{2FEFD5FE-FD45-43E8-949B-16F93A869DAC}" destId="{EE9F3D5B-58B4-44B7-9EDC-BBD5EC14BC3B}" srcOrd="1" destOrd="0" presId="urn:microsoft.com/office/officeart/2005/8/layout/process1"/>
+    <dgm:cxn modelId="{B579B09F-F07B-444F-BAD7-9D6E6D19C810}" type="presParOf" srcId="{EE9F3D5B-58B4-44B7-9EDC-BBD5EC14BC3B}" destId="{F10FA0A6-CE9F-4677-81A4-5445B8468AAB}" srcOrd="0" destOrd="0" presId="urn:microsoft.com/office/officeart/2005/8/layout/process1"/>
+    <dgm:cxn modelId="{0E460F25-A7FC-45F3-970F-CABAD3B09DAC}" type="presParOf" srcId="{2FEFD5FE-FD45-43E8-949B-16F93A869DAC}" destId="{FB5EB6FD-D7D8-4DFC-B321-D4869D46B601}" srcOrd="2" destOrd="0" presId="urn:microsoft.com/office/officeart/2005/8/layout/process1"/>
+    <dgm:cxn modelId="{41507C4E-CAAF-481D-98E8-5335650DBC32}" type="presParOf" srcId="{2FEFD5FE-FD45-43E8-949B-16F93A869DAC}" destId="{EF390725-DD0C-43EE-A4C9-DC5560EB17B7}" srcOrd="3" destOrd="0" presId="urn:microsoft.com/office/officeart/2005/8/layout/process1"/>
+    <dgm:cxn modelId="{6DA080B6-8709-4C84-8A4D-E1A1D5266CA1}" type="presParOf" srcId="{EF390725-DD0C-43EE-A4C9-DC5560EB17B7}" destId="{79F763A1-6E4B-423B-AE8C-61C724BD3F85}" srcOrd="0" destOrd="0" presId="urn:microsoft.com/office/officeart/2005/8/layout/process1"/>
+    <dgm:cxn modelId="{89C33EEE-B7E0-46A6-9544-A0DCAA2606E3}" type="presParOf" srcId="{2FEFD5FE-FD45-43E8-949B-16F93A869DAC}" destId="{103FC550-449E-4079-8CB8-24CDFF380EC4}" srcOrd="4" destOrd="0" presId="urn:microsoft.com/office/officeart/2005/8/layout/process1"/>
+    <dgm:cxn modelId="{61BFF932-505A-49DC-A85C-6439FC0CEF59}" type="presParOf" srcId="{2FEFD5FE-FD45-43E8-949B-16F93A869DAC}" destId="{220EA339-9688-4041-BBB6-D8AC472BC304}" srcOrd="5" destOrd="0" presId="urn:microsoft.com/office/officeart/2005/8/layout/process1"/>
+    <dgm:cxn modelId="{C9779FCE-8920-4D68-B175-C271F2B207F7}" type="presParOf" srcId="{220EA339-9688-4041-BBB6-D8AC472BC304}" destId="{F4736E86-BA71-4356-8289-BB584CAD0F52}" srcOrd="0" destOrd="0" presId="urn:microsoft.com/office/officeart/2005/8/layout/process1"/>
+    <dgm:cxn modelId="{2AA679C9-0309-45D1-9E7B-8C7B0ABF6D9B}" type="presParOf" srcId="{2FEFD5FE-FD45-43E8-949B-16F93A869DAC}" destId="{580F81AE-6860-49A9-BDF8-E3A09F91DA19}" srcOrd="6" destOrd="0" presId="urn:microsoft.com/office/officeart/2005/8/layout/process1"/>
+  </dgm:cxnLst>
+  <dgm:bg/>
+  <dgm:whole/>
+  <dgm:extLst>
+    <a:ext uri="http://schemas.microsoft.com/office/drawing/2008/diagram">
+      <dsp:dataModelExt xmlns:dsp="http://schemas.microsoft.com/office/drawing/2008/diagram" relId="rId6" minVer="http://schemas.openxmlformats.org/drawingml/2006/diagram"/>
+    </a:ext>
+  </dgm:extLst>
+</dgm:dataModel>
+</file>
+
+<file path=ppt/diagrams/drawing1.xml><?xml version="1.0" encoding="utf-8"?>
+<dsp:drawing xmlns:dgm="http://schemas.openxmlformats.org/drawingml/2006/diagram" xmlns:dsp="http://schemas.microsoft.com/office/drawing/2008/diagram" xmlns:a="http://schemas.openxmlformats.org/drawingml/2006/main">
+  <dsp:spTree>
+    <dsp:nvGrpSpPr>
+      <dsp:cNvPr id="0" name=""/>
+      <dsp:cNvGrpSpPr/>
+    </dsp:nvGrpSpPr>
+    <dsp:grpSpPr/>
+    <dsp:sp modelId="{DBE39E08-0E3B-42E6-9238-6350D1E600F4}">
+      <dsp:nvSpPr>
+        <dsp:cNvPr id="0" name=""/>
+        <dsp:cNvSpPr/>
+      </dsp:nvSpPr>
+      <dsp:spPr>
+        <a:xfrm>
+          <a:off x="9127" y="0"/>
+          <a:ext cx="3990950" cy="676509"/>
+        </a:xfrm>
+        <a:prstGeom prst="roundRect">
+          <a:avLst>
+            <a:gd name="adj" fmla="val 10000"/>
+          </a:avLst>
+        </a:prstGeom>
+        <a:solidFill>
+          <a:schemeClr val="accent1">
+            <a:hueOff val="0"/>
+            <a:satOff val="0"/>
+            <a:lumOff val="0"/>
+            <a:alphaOff val="0"/>
+          </a:schemeClr>
+        </a:solidFill>
+        <a:ln>
+          <a:noFill/>
+        </a:ln>
+        <a:effectLst/>
+        <a:scene3d>
+          <a:camera prst="orthographicFront"/>
+          <a:lightRig rig="chilly" dir="t"/>
+        </a:scene3d>
+        <a:sp3d prstMaterial="translucentPowder">
+          <a:bevelT w="127000" h="25400" prst="softRound"/>
+        </a:sp3d>
+      </dsp:spPr>
+      <dsp:style>
+        <a:lnRef idx="0">
+          <a:scrgbClr r="0" g="0" b="0"/>
+        </a:lnRef>
+        <a:fillRef idx="1">
+          <a:scrgbClr r="0" g="0" b="0"/>
+        </a:fillRef>
+        <a:effectRef idx="0">
+          <a:scrgbClr r="0" g="0" b="0"/>
+        </a:effectRef>
+        <a:fontRef idx="minor">
+          <a:schemeClr val="lt1"/>
+        </a:fontRef>
+      </dsp:style>
+      <dsp:txBody>
+        <a:bodyPr spcFirstLastPara="0" vert="horz" wrap="square" lIns="64770" tIns="64770" rIns="64770" bIns="64770" numCol="1" spcCol="1270" anchor="ctr" anchorCtr="0">
+          <a:noAutofit/>
+        </a:bodyPr>
+        <a:lstStyle/>
+        <a:p>
+          <a:pPr marL="0" lvl="0" indent="0" algn="ctr" defTabSz="755650">
+            <a:lnSpc>
+              <a:spcPct val="90000"/>
+            </a:lnSpc>
+            <a:spcBef>
+              <a:spcPct val="0"/>
+            </a:spcBef>
+            <a:spcAft>
+              <a:spcPct val="35000"/>
+            </a:spcAft>
+            <a:buNone/>
+          </a:pPr>
+          <a:r>
+            <a:rPr lang="en-US" sz="1700" kern="1200" dirty="0"/>
+            <a:t>Test sensitivity to initial values</a:t>
+          </a:r>
+        </a:p>
+      </dsp:txBody>
+      <dsp:txXfrm>
+        <a:off x="28941" y="19814"/>
+        <a:ext cx="3951322" cy="636881"/>
+      </dsp:txXfrm>
+    </dsp:sp>
+    <dsp:sp modelId="{EE9F3D5B-58B4-44B7-9EDC-BBD5EC14BC3B}">
+      <dsp:nvSpPr>
+        <dsp:cNvPr id="0" name=""/>
+        <dsp:cNvSpPr/>
+      </dsp:nvSpPr>
+      <dsp:spPr>
+        <a:xfrm>
+          <a:off x="4399173" y="0"/>
+          <a:ext cx="846081" cy="676509"/>
+        </a:xfrm>
+        <a:prstGeom prst="rightArrow">
+          <a:avLst>
+            <a:gd name="adj1" fmla="val 60000"/>
+            <a:gd name="adj2" fmla="val 50000"/>
+          </a:avLst>
+        </a:prstGeom>
+        <a:solidFill>
+          <a:schemeClr val="accent1">
+            <a:tint val="60000"/>
+            <a:hueOff val="0"/>
+            <a:satOff val="0"/>
+            <a:lumOff val="0"/>
+            <a:alphaOff val="0"/>
+          </a:schemeClr>
+        </a:solidFill>
+        <a:ln>
+          <a:noFill/>
+        </a:ln>
+        <a:effectLst/>
+        <a:scene3d>
+          <a:camera prst="orthographicFront"/>
+          <a:lightRig rig="chilly" dir="t"/>
+        </a:scene3d>
+        <a:sp3d z="-70000" extrusionH="1700" prstMaterial="translucentPowder">
+          <a:bevelT w="25400" h="6350" prst="softRound"/>
+          <a:bevelB w="0" h="0" prst="convex"/>
+        </a:sp3d>
+      </dsp:spPr>
+      <dsp:style>
+        <a:lnRef idx="0">
+          <a:scrgbClr r="0" g="0" b="0"/>
+        </a:lnRef>
+        <a:fillRef idx="1">
+          <a:scrgbClr r="0" g="0" b="0"/>
+        </a:fillRef>
+        <a:effectRef idx="0">
+          <a:scrgbClr r="0" g="0" b="0"/>
+        </a:effectRef>
+        <a:fontRef idx="minor">
+          <a:schemeClr val="lt1"/>
+        </a:fontRef>
+      </dsp:style>
+      <dsp:txBody>
+        <a:bodyPr spcFirstLastPara="0" vert="horz" wrap="square" lIns="0" tIns="0" rIns="0" bIns="0" numCol="1" spcCol="1270" anchor="ctr" anchorCtr="0">
+          <a:noAutofit/>
+        </a:bodyPr>
+        <a:lstStyle/>
+        <a:p>
+          <a:pPr marL="0" lvl="0" indent="0" algn="ctr" defTabSz="622300">
+            <a:lnSpc>
+              <a:spcPct val="90000"/>
+            </a:lnSpc>
+            <a:spcBef>
+              <a:spcPct val="0"/>
+            </a:spcBef>
+            <a:spcAft>
+              <a:spcPct val="35000"/>
+            </a:spcAft>
+            <a:buNone/>
+          </a:pPr>
+          <a:endParaRPr lang="en-US" sz="1400" kern="1200"/>
+        </a:p>
+      </dsp:txBody>
+      <dsp:txXfrm>
+        <a:off x="4399173" y="135302"/>
+        <a:ext cx="643128" cy="405905"/>
+      </dsp:txXfrm>
+    </dsp:sp>
+    <dsp:sp modelId="{FB5EB6FD-D7D8-4DFC-B321-D4869D46B601}">
+      <dsp:nvSpPr>
+        <dsp:cNvPr id="0" name=""/>
+        <dsp:cNvSpPr/>
+      </dsp:nvSpPr>
+      <dsp:spPr>
+        <a:xfrm>
+          <a:off x="5596458" y="0"/>
+          <a:ext cx="3990950" cy="676509"/>
+        </a:xfrm>
+        <a:prstGeom prst="roundRect">
+          <a:avLst>
+            <a:gd name="adj" fmla="val 10000"/>
+          </a:avLst>
+        </a:prstGeom>
+        <a:solidFill>
+          <a:schemeClr val="accent1">
+            <a:hueOff val="0"/>
+            <a:satOff val="0"/>
+            <a:lumOff val="0"/>
+            <a:alphaOff val="0"/>
+          </a:schemeClr>
+        </a:solidFill>
+        <a:ln>
+          <a:noFill/>
+        </a:ln>
+        <a:effectLst/>
+        <a:scene3d>
+          <a:camera prst="orthographicFront"/>
+          <a:lightRig rig="chilly" dir="t"/>
+        </a:scene3d>
+        <a:sp3d prstMaterial="translucentPowder">
+          <a:bevelT w="127000" h="25400" prst="softRound"/>
+        </a:sp3d>
+      </dsp:spPr>
+      <dsp:style>
+        <a:lnRef idx="0">
+          <a:scrgbClr r="0" g="0" b="0"/>
+        </a:lnRef>
+        <a:fillRef idx="1">
+          <a:scrgbClr r="0" g="0" b="0"/>
+        </a:fillRef>
+        <a:effectRef idx="0">
+          <a:scrgbClr r="0" g="0" b="0"/>
+        </a:effectRef>
+        <a:fontRef idx="minor">
+          <a:schemeClr val="lt1"/>
+        </a:fontRef>
+      </dsp:style>
+      <dsp:txBody>
+        <a:bodyPr spcFirstLastPara="0" vert="horz" wrap="square" lIns="64770" tIns="64770" rIns="64770" bIns="64770" numCol="1" spcCol="1270" anchor="ctr" anchorCtr="0">
+          <a:noAutofit/>
+        </a:bodyPr>
+        <a:lstStyle/>
+        <a:p>
+          <a:pPr marL="0" lvl="0" indent="0" algn="ctr" defTabSz="755650">
+            <a:lnSpc>
+              <a:spcPct val="90000"/>
+            </a:lnSpc>
+            <a:spcBef>
+              <a:spcPct val="0"/>
+            </a:spcBef>
+            <a:spcAft>
+              <a:spcPct val="35000"/>
+            </a:spcAft>
+            <a:buNone/>
+          </a:pPr>
+          <a:r>
+            <a:rPr lang="en-US" sz="1700" kern="1200" dirty="0"/>
+            <a:t>Write script for posterior predictive checks</a:t>
+          </a:r>
+        </a:p>
+      </dsp:txBody>
+      <dsp:txXfrm>
+        <a:off x="5616272" y="19814"/>
+        <a:ext cx="3951322" cy="636881"/>
+      </dsp:txXfrm>
+    </dsp:sp>
+    <dsp:sp modelId="{EF390725-DD0C-43EE-A4C9-DC5560EB17B7}">
+      <dsp:nvSpPr>
+        <dsp:cNvPr id="0" name=""/>
+        <dsp:cNvSpPr/>
+      </dsp:nvSpPr>
+      <dsp:spPr>
+        <a:xfrm>
+          <a:off x="9986503" y="0"/>
+          <a:ext cx="846081" cy="676509"/>
+        </a:xfrm>
+        <a:prstGeom prst="rightArrow">
+          <a:avLst>
+            <a:gd name="adj1" fmla="val 60000"/>
+            <a:gd name="adj2" fmla="val 50000"/>
+          </a:avLst>
+        </a:prstGeom>
+        <a:solidFill>
+          <a:schemeClr val="accent1">
+            <a:tint val="60000"/>
+            <a:hueOff val="0"/>
+            <a:satOff val="0"/>
+            <a:lumOff val="0"/>
+            <a:alphaOff val="0"/>
+          </a:schemeClr>
+        </a:solidFill>
+        <a:ln>
+          <a:noFill/>
+        </a:ln>
+        <a:effectLst/>
+        <a:scene3d>
+          <a:camera prst="orthographicFront"/>
+          <a:lightRig rig="chilly" dir="t"/>
+        </a:scene3d>
+        <a:sp3d z="-70000" extrusionH="1700" prstMaterial="translucentPowder">
+          <a:bevelT w="25400" h="6350" prst="softRound"/>
+          <a:bevelB w="0" h="0" prst="convex"/>
+        </a:sp3d>
+      </dsp:spPr>
+      <dsp:style>
+        <a:lnRef idx="0">
+          <a:scrgbClr r="0" g="0" b="0"/>
+        </a:lnRef>
+        <a:fillRef idx="1">
+          <a:scrgbClr r="0" g="0" b="0"/>
+        </a:fillRef>
+        <a:effectRef idx="0">
+          <a:scrgbClr r="0" g="0" b="0"/>
+        </a:effectRef>
+        <a:fontRef idx="minor">
+          <a:schemeClr val="lt1"/>
+        </a:fontRef>
+      </dsp:style>
+      <dsp:txBody>
+        <a:bodyPr spcFirstLastPara="0" vert="horz" wrap="square" lIns="0" tIns="0" rIns="0" bIns="0" numCol="1" spcCol="1270" anchor="ctr" anchorCtr="0">
+          <a:noAutofit/>
+        </a:bodyPr>
+        <a:lstStyle/>
+        <a:p>
+          <a:pPr marL="0" lvl="0" indent="0" algn="ctr" defTabSz="622300">
+            <a:lnSpc>
+              <a:spcPct val="90000"/>
+            </a:lnSpc>
+            <a:spcBef>
+              <a:spcPct val="0"/>
+            </a:spcBef>
+            <a:spcAft>
+              <a:spcPct val="35000"/>
+            </a:spcAft>
+            <a:buNone/>
+          </a:pPr>
+          <a:endParaRPr lang="en-US" sz="1400" kern="1200"/>
+        </a:p>
+      </dsp:txBody>
+      <dsp:txXfrm>
+        <a:off x="9986503" y="135302"/>
+        <a:ext cx="643128" cy="405905"/>
+      </dsp:txXfrm>
+    </dsp:sp>
+    <dsp:sp modelId="{103FC550-449E-4079-8CB8-24CDFF380EC4}">
+      <dsp:nvSpPr>
+        <dsp:cNvPr id="0" name=""/>
+        <dsp:cNvSpPr/>
+      </dsp:nvSpPr>
+      <dsp:spPr>
+        <a:xfrm>
+          <a:off x="11183788" y="0"/>
+          <a:ext cx="3990950" cy="676509"/>
+        </a:xfrm>
+        <a:prstGeom prst="roundRect">
+          <a:avLst>
+            <a:gd name="adj" fmla="val 10000"/>
+          </a:avLst>
+        </a:prstGeom>
+        <a:solidFill>
+          <a:schemeClr val="accent1">
+            <a:hueOff val="0"/>
+            <a:satOff val="0"/>
+            <a:lumOff val="0"/>
+            <a:alphaOff val="0"/>
+          </a:schemeClr>
+        </a:solidFill>
+        <a:ln>
+          <a:noFill/>
+        </a:ln>
+        <a:effectLst/>
+        <a:scene3d>
+          <a:camera prst="orthographicFront"/>
+          <a:lightRig rig="chilly" dir="t"/>
+        </a:scene3d>
+        <a:sp3d prstMaterial="translucentPowder">
+          <a:bevelT w="127000" h="25400" prst="softRound"/>
+        </a:sp3d>
+      </dsp:spPr>
+      <dsp:style>
+        <a:lnRef idx="0">
+          <a:scrgbClr r="0" g="0" b="0"/>
+        </a:lnRef>
+        <a:fillRef idx="1">
+          <a:scrgbClr r="0" g="0" b="0"/>
+        </a:fillRef>
+        <a:effectRef idx="0">
+          <a:scrgbClr r="0" g="0" b="0"/>
+        </a:effectRef>
+        <a:fontRef idx="minor">
+          <a:schemeClr val="lt1"/>
+        </a:fontRef>
+      </dsp:style>
+      <dsp:txBody>
+        <a:bodyPr spcFirstLastPara="0" vert="horz" wrap="square" lIns="64770" tIns="64770" rIns="64770" bIns="64770" numCol="1" spcCol="1270" anchor="ctr" anchorCtr="0">
+          <a:noAutofit/>
+        </a:bodyPr>
+        <a:lstStyle/>
+        <a:p>
+          <a:pPr marL="0" lvl="0" indent="0" algn="ctr" defTabSz="755650">
+            <a:lnSpc>
+              <a:spcPct val="90000"/>
+            </a:lnSpc>
+            <a:spcBef>
+              <a:spcPct val="0"/>
+            </a:spcBef>
+            <a:spcAft>
+              <a:spcPct val="35000"/>
+            </a:spcAft>
+            <a:buNone/>
+          </a:pPr>
+          <a:r>
+            <a:rPr lang="en-US" sz="1700" kern="1200" dirty="0"/>
+            <a:t>Run model with positive and negative population growth</a:t>
+          </a:r>
+        </a:p>
+      </dsp:txBody>
+      <dsp:txXfrm>
+        <a:off x="11203602" y="19814"/>
+        <a:ext cx="3951322" cy="636881"/>
+      </dsp:txXfrm>
+    </dsp:sp>
+    <dsp:sp modelId="{220EA339-9688-4041-BBB6-D8AC472BC304}">
+      <dsp:nvSpPr>
+        <dsp:cNvPr id="0" name=""/>
+        <dsp:cNvSpPr/>
+      </dsp:nvSpPr>
+      <dsp:spPr>
+        <a:xfrm>
+          <a:off x="15576115" y="0"/>
+          <a:ext cx="850919" cy="676509"/>
+        </a:xfrm>
+        <a:prstGeom prst="rightArrow">
+          <a:avLst>
+            <a:gd name="adj1" fmla="val 60000"/>
+            <a:gd name="adj2" fmla="val 50000"/>
+          </a:avLst>
+        </a:prstGeom>
+        <a:solidFill>
+          <a:schemeClr val="accent1">
+            <a:tint val="60000"/>
+            <a:hueOff val="0"/>
+            <a:satOff val="0"/>
+            <a:lumOff val="0"/>
+            <a:alphaOff val="0"/>
+          </a:schemeClr>
+        </a:solidFill>
+        <a:ln>
+          <a:noFill/>
+        </a:ln>
+        <a:effectLst/>
+        <a:scene3d>
+          <a:camera prst="orthographicFront"/>
+          <a:lightRig rig="chilly" dir="t"/>
+        </a:scene3d>
+        <a:sp3d z="-70000" extrusionH="1700" prstMaterial="translucentPowder">
+          <a:bevelT w="25400" h="6350" prst="softRound"/>
+          <a:bevelB w="0" h="0" prst="convex"/>
+        </a:sp3d>
+      </dsp:spPr>
+      <dsp:style>
+        <a:lnRef idx="0">
+          <a:scrgbClr r="0" g="0" b="0"/>
+        </a:lnRef>
+        <a:fillRef idx="1">
+          <a:scrgbClr r="0" g="0" b="0"/>
+        </a:fillRef>
+        <a:effectRef idx="0">
+          <a:scrgbClr r="0" g="0" b="0"/>
+        </a:effectRef>
+        <a:fontRef idx="minor">
+          <a:schemeClr val="lt1"/>
+        </a:fontRef>
+      </dsp:style>
+      <dsp:txBody>
+        <a:bodyPr spcFirstLastPara="0" vert="horz" wrap="square" lIns="0" tIns="0" rIns="0" bIns="0" numCol="1" spcCol="1270" anchor="ctr" anchorCtr="0">
+          <a:noAutofit/>
+        </a:bodyPr>
+        <a:lstStyle/>
+        <a:p>
+          <a:pPr marL="0" lvl="0" indent="0" algn="ctr" defTabSz="622300">
+            <a:lnSpc>
+              <a:spcPct val="90000"/>
+            </a:lnSpc>
+            <a:spcBef>
+              <a:spcPct val="0"/>
+            </a:spcBef>
+            <a:spcAft>
+              <a:spcPct val="35000"/>
+            </a:spcAft>
+            <a:buNone/>
+          </a:pPr>
+          <a:endParaRPr lang="en-US" sz="1400" kern="1200"/>
+        </a:p>
+      </dsp:txBody>
+      <dsp:txXfrm>
+        <a:off x="15576115" y="135302"/>
+        <a:ext cx="647966" cy="405905"/>
+      </dsp:txXfrm>
+    </dsp:sp>
+    <dsp:sp modelId="{580F81AE-6860-49A9-BDF8-E3A09F91DA19}">
+      <dsp:nvSpPr>
+        <dsp:cNvPr id="0" name=""/>
+        <dsp:cNvSpPr/>
+      </dsp:nvSpPr>
+      <dsp:spPr>
+        <a:xfrm>
+          <a:off x="16780246" y="0"/>
+          <a:ext cx="3990950" cy="676509"/>
+        </a:xfrm>
+        <a:prstGeom prst="roundRect">
+          <a:avLst>
+            <a:gd name="adj" fmla="val 10000"/>
+          </a:avLst>
+        </a:prstGeom>
+        <a:solidFill>
+          <a:schemeClr val="accent2">
+            <a:lumMod val="75000"/>
+          </a:schemeClr>
+        </a:solidFill>
+        <a:ln>
+          <a:noFill/>
+        </a:ln>
+        <a:effectLst/>
+        <a:scene3d>
+          <a:camera prst="orthographicFront"/>
+          <a:lightRig rig="chilly" dir="t"/>
+        </a:scene3d>
+        <a:sp3d prstMaterial="translucentPowder">
+          <a:bevelT w="127000" h="25400" prst="softRound"/>
+        </a:sp3d>
+      </dsp:spPr>
+      <dsp:style>
+        <a:lnRef idx="0">
+          <a:scrgbClr r="0" g="0" b="0"/>
+        </a:lnRef>
+        <a:fillRef idx="1">
+          <a:scrgbClr r="0" g="0" b="0"/>
+        </a:fillRef>
+        <a:effectRef idx="0">
+          <a:scrgbClr r="0" g="0" b="0"/>
+        </a:effectRef>
+        <a:fontRef idx="minor">
+          <a:schemeClr val="lt1"/>
+        </a:fontRef>
+      </dsp:style>
+      <dsp:txBody>
+        <a:bodyPr spcFirstLastPara="0" vert="horz" wrap="square" lIns="64770" tIns="64770" rIns="64770" bIns="64770" numCol="1" spcCol="1270" anchor="ctr" anchorCtr="0">
+          <a:noAutofit/>
+        </a:bodyPr>
+        <a:lstStyle/>
+        <a:p>
+          <a:pPr marL="0" lvl="0" indent="0" algn="ctr" defTabSz="755650">
+            <a:lnSpc>
+              <a:spcPct val="90000"/>
+            </a:lnSpc>
+            <a:spcBef>
+              <a:spcPct val="0"/>
+            </a:spcBef>
+            <a:spcAft>
+              <a:spcPct val="35000"/>
+            </a:spcAft>
+            <a:buNone/>
+          </a:pPr>
+          <a:r>
+            <a:rPr lang="en-US" sz="1700" kern="1200" dirty="0"/>
+            <a:t>Incorporate skipped-breeding into the model</a:t>
+          </a:r>
+        </a:p>
+      </dsp:txBody>
+      <dsp:txXfrm>
+        <a:off x="16800060" y="19814"/>
+        <a:ext cx="3951322" cy="636881"/>
+      </dsp:txXfrm>
+    </dsp:sp>
+  </dsp:spTree>
+</dsp:drawing>
+</file>
+
+<file path=ppt/diagrams/layout1.xml><?xml version="1.0" encoding="utf-8"?>
+<dgm:layoutDef xmlns:dgm="http://schemas.openxmlformats.org/drawingml/2006/diagram" xmlns:a="http://schemas.openxmlformats.org/drawingml/2006/main" uniqueId="urn:microsoft.com/office/officeart/2005/8/layout/process1">
+  <dgm:title val=""/>
+  <dgm:desc val=""/>
+  <dgm:catLst>
+    <dgm:cat type="process" pri="1000"/>
+    <dgm:cat type="convert" pri="15000"/>
+  </dgm:catLst>
+  <dgm:sampData useDef="1">
+    <dgm:dataModel>
+      <dgm:ptLst/>
+      <dgm:bg/>
+      <dgm:whole/>
+    </dgm:dataModel>
+  </dgm:sampData>
+  <dgm:styleData>
+    <dgm:dataModel>
+      <dgm:ptLst>
+        <dgm:pt modelId="0" type="doc"/>
+        <dgm:pt modelId="1"/>
+        <dgm:pt modelId="2"/>
+      </dgm:ptLst>
+      <dgm:cxnLst>
+        <dgm:cxn modelId="3" srcId="0" destId="1" srcOrd="0" destOrd="0"/>
+        <dgm:cxn modelId="4" srcId="0" destId="2" srcOrd="1" destOrd="0"/>
+      </dgm:cxnLst>
+      <dgm:bg/>
+      <dgm:whole/>
+    </dgm:dataModel>
+  </dgm:styleData>
+  <dgm:clrData>
+    <dgm:dataModel>
+      <dgm:ptLst>
+        <dgm:pt modelId="0" type="doc"/>
+        <dgm:pt modelId="1"/>
+        <dgm:pt modelId="2"/>
+        <dgm:pt modelId="3"/>
+        <dgm:pt modelId="4"/>
+      </dgm:ptLst>
+      <dgm:cxnLst>
+        <dgm:cxn modelId="5" srcId="0" destId="1" srcOrd="0" destOrd="0"/>
+        <dgm:cxn modelId="6" srcId="0" destId="2" srcOrd="1" destOrd="0"/>
+        <dgm:cxn modelId="7" srcId="0" destId="3" srcOrd="2" destOrd="0"/>
+        <dgm:cxn modelId="8" srcId="0" destId="4" srcOrd="3" destOrd="0"/>
+      </dgm:cxnLst>
+      <dgm:bg/>
+      <dgm:whole/>
+    </dgm:dataModel>
+  </dgm:clrData>
+  <dgm:layoutNode name="Name0">
+    <dgm:varLst>
+      <dgm:dir/>
+      <dgm:resizeHandles val="exact"/>
+    </dgm:varLst>
+    <dgm:choose name="Name1">
+      <dgm:if name="Name2" func="var" arg="dir" op="equ" val="norm">
+        <dgm:alg type="lin"/>
+      </dgm:if>
+      <dgm:else name="Name3">
+        <dgm:alg type="lin">
+          <dgm:param type="linDir" val="fromR"/>
+        </dgm:alg>
+      </dgm:else>
+    </dgm:choose>
+    <dgm:shape xmlns:r="http://schemas.openxmlformats.org/officeDocument/2006/relationships" r:blip="">
+      <dgm:adjLst/>
+    </dgm:shape>
+    <dgm:presOf/>
+    <dgm:constrLst>
+      <dgm:constr type="w" for="ch" ptType="node" refType="w"/>
+      <dgm:constr type="h" for="ch" ptType="node" op="equ"/>
+      <dgm:constr type="primFontSz" for="ch" ptType="node" op="equ" val="65"/>
+      <dgm:constr type="w" for="ch" ptType="sibTrans" refType="w" refFor="ch" refPtType="node" op="equ" fact="0.4"/>
+      <dgm:constr type="h" for="ch" ptType="sibTrans" op="equ"/>
+      <dgm:constr type="primFontSz" for="des" forName="connectorText" op="equ" val="55"/>
+      <dgm:constr type="primFontSz" for="des" forName="connectorText" refType="primFontSz" refFor="ch" refPtType="node" op="lte" fact="0.8"/>
+    </dgm:constrLst>
+    <dgm:ruleLst/>
+    <dgm:forEach name="nodesForEach" axis="ch" ptType="node">
+      <dgm:layoutNode name="node">
+        <dgm:varLst>
+          <dgm:bulletEnabled val="1"/>
+        </dgm:varLst>
+        <dgm:alg type="tx"/>
+        <dgm:shape xmlns:r="http://schemas.openxmlformats.org/officeDocument/2006/relationships" type="roundRect" r:blip="">
+          <dgm:adjLst>
+            <dgm:adj idx="1" val="0.1"/>
+          </dgm:adjLst>
+        </dgm:shape>
+        <dgm:presOf axis="desOrSelf" ptType="node"/>
+        <dgm:constrLst>
+          <dgm:constr type="h" refType="w" fact="0.6"/>
+          <dgm:constr type="tMarg" refType="primFontSz" fact="0.3"/>
+          <dgm:constr type="bMarg" refType="primFontSz" fact="0.3"/>
+          <dgm:constr type="lMarg" refType="primFontSz" fact="0.3"/>
+          <dgm:constr type="rMarg" refType="primFontSz" fact="0.3"/>
+        </dgm:constrLst>
+        <dgm:ruleLst>
+          <dgm:rule type="primFontSz" val="18" fact="NaN" max="NaN"/>
+          <dgm:rule type="h" val="NaN" fact="1.5" max="NaN"/>
+          <dgm:rule type="primFontSz" val="5" fact="NaN" max="NaN"/>
+          <dgm:rule type="h" val="INF" fact="NaN" max="NaN"/>
+        </dgm:ruleLst>
+      </dgm:layoutNode>
+      <dgm:forEach name="sibTransForEach" axis="followSib" ptType="sibTrans" cnt="1">
+        <dgm:layoutNode name="sibTrans">
+          <dgm:alg type="conn">
+            <dgm:param type="begPts" val="auto"/>
+            <dgm:param type="endPts" val="auto"/>
+          </dgm:alg>
+          <dgm:shape xmlns:r="http://schemas.openxmlformats.org/officeDocument/2006/relationships" type="conn" r:blip="">
+            <dgm:adjLst/>
+          </dgm:shape>
+          <dgm:presOf axis="self"/>
+          <dgm:constrLst>
+            <dgm:constr type="h" refType="w" fact="0.62"/>
+            <dgm:constr type="connDist"/>
+            <dgm:constr type="begPad" refType="connDist" fact="0.25"/>
+            <dgm:constr type="endPad" refType="connDist" fact="0.22"/>
+          </dgm:constrLst>
+          <dgm:ruleLst/>
+          <dgm:layoutNode name="connectorText">
+            <dgm:alg type="tx">
+              <dgm:param type="autoTxRot" val="grav"/>
+            </dgm:alg>
+            <dgm:shape xmlns:r="http://schemas.openxmlformats.org/officeDocument/2006/relationships" type="conn" r:blip="" hideGeom="1">
+              <dgm:adjLst/>
+            </dgm:shape>
+            <dgm:presOf axis="self"/>
+            <dgm:constrLst>
+              <dgm:constr type="lMarg"/>
+              <dgm:constr type="rMarg"/>
+              <dgm:constr type="tMarg"/>
+              <dgm:constr type="bMarg"/>
+            </dgm:constrLst>
+            <dgm:ruleLst>
+              <dgm:rule type="primFontSz" val="5" fact="NaN" max="NaN"/>
+            </dgm:ruleLst>
+          </dgm:layoutNode>
+        </dgm:layoutNode>
+      </dgm:forEach>
+    </dgm:forEach>
+  </dgm:layoutNode>
+</dgm:layoutDef>
+</file>
+
+<file path=ppt/diagrams/quickStyle1.xml><?xml version="1.0" encoding="utf-8"?>
+<dgm:styleDef xmlns:dgm="http://schemas.openxmlformats.org/drawingml/2006/diagram" xmlns:a="http://schemas.openxmlformats.org/drawingml/2006/main" uniqueId="urn:microsoft.com/office/officeart/2005/8/quickstyle/3d4">
+  <dgm:title val=""/>
+  <dgm:desc val=""/>
+  <dgm:catLst>
+    <dgm:cat type="3D" pri="11400"/>
+  </dgm:catLst>
+  <dgm:scene3d>
+    <a:camera prst="orthographicFront"/>
+    <a:lightRig rig="threePt" dir="t"/>
+  </dgm:scene3d>
+  <dgm:styleLbl name="node0">
+    <dgm:scene3d>
+      <a:camera prst="orthographicFront"/>
+      <a:lightRig rig="chilly" dir="t"/>
+    </dgm:scene3d>
+    <dgm:sp3d prstMaterial="translucentPowder">
+      <a:bevelT w="127000" h="25400" prst="softRound"/>
+    </dgm:sp3d>
+    <dgm:txPr/>
+    <dgm:style>
+      <a:lnRef idx="0">
+        <a:scrgbClr r="0" g="0" b="0"/>
+      </a:lnRef>
+      <a:fillRef idx="1">
+        <a:scrgbClr r="0" g="0" b="0"/>
+      </a:fillRef>
+      <a:effectRef idx="0">
+        <a:scrgbClr r="0" g="0" b="0"/>
+      </a:effectRef>
+      <a:fontRef idx="minor">
+        <a:schemeClr val="lt1"/>
+      </a:fontRef>
+    </dgm:style>
+  </dgm:styleLbl>
+  <dgm:styleLbl name="lnNode1">
+    <dgm:scene3d>
+      <a:camera prst="orthographicFront"/>
+      <a:lightRig rig="chilly" dir="t"/>
+    </dgm:scene3d>
+    <dgm:sp3d prstMaterial="translucentPowder">
+      <a:bevelT w="127000" h="25400" prst="softRound"/>
+    </dgm:sp3d>
+    <dgm:txPr/>
+    <dgm:style>
+      <a:lnRef idx="0">
+        <a:scrgbClr r="0" g="0" b="0"/>
+      </a:lnRef>
+      <a:fillRef idx="1">
+        <a:scrgbClr r="0" g="0" b="0"/>
+      </a:fillRef>
+      <a:effectRef idx="0">
+        <a:scrgbClr r="0" g="0" b="0"/>
+      </a:effectRef>
+      <a:fontRef idx="minor">
+        <a:schemeClr val="lt1"/>
+      </a:fontRef>
+    </dgm:style>
+  </dgm:styleLbl>
+  <dgm:styleLbl name="vennNode1">
+    <dgm:scene3d>
+      <a:camera prst="orthographicFront"/>
+      <a:lightRig rig="chilly" dir="t"/>
+    </dgm:scene3d>
+    <dgm:sp3d prstMaterial="translucentPowder">
+      <a:bevelT w="127000" h="25400" prst="softRound"/>
+    </dgm:sp3d>
+    <dgm:txPr/>
+    <dgm:style>
+      <a:lnRef idx="0">
+        <a:scrgbClr r="0" g="0" b="0"/>
+      </a:lnRef>
+      <a:fillRef idx="1">
+        <a:scrgbClr r="0" g="0" b="0"/>
+      </a:fillRef>
+      <a:effectRef idx="0">
+        <a:scrgbClr r="0" g="0" b="0"/>
+      </a:effectRef>
+      <a:fontRef idx="minor">
+        <a:schemeClr val="tx1"/>
+      </a:fontRef>
+    </dgm:style>
+  </dgm:styleLbl>
+  <dgm:styleLbl name="alignNode1">
+    <dgm:scene3d>
+      <a:camera prst="orthographicFront"/>
+      <a:lightRig rig="chilly" dir="t"/>
+    </dgm:scene3d>
+    <dgm:sp3d prstMaterial="translucentPowder">
+      <a:bevelT w="127000" h="25400" prst="softRound"/>
+    </dgm:sp3d>
+    <dgm:txPr/>
+    <dgm:style>
+      <a:lnRef idx="1">
+        <a:scrgbClr r="0" g="0" b="0"/>
+      </a:lnRef>
+      <a:fillRef idx="1">
+        <a:scrgbClr r="0" g="0" b="0"/>
+      </a:fillRef>
+      <a:effectRef idx="0">
+        <a:scrgbClr r="0" g="0" b="0"/>
+      </a:effectRef>
+      <a:fontRef idx="minor">
+        <a:schemeClr val="lt1"/>
+      </a:fontRef>
+    </dgm:style>
+  </dgm:styleLbl>
+  <dgm:styleLbl name="node1">
+    <dgm:scene3d>
+      <a:camera prst="orthographicFront"/>
+      <a:lightRig rig="chilly" dir="t"/>
+    </dgm:scene3d>
+    <dgm:sp3d prstMaterial="translucentPowder">
+      <a:bevelT w="127000" h="25400" prst="softRound"/>
+    </dgm:sp3d>
+    <dgm:txPr/>
+    <dgm:style>
+      <a:lnRef idx="0">
+        <a:scrgbClr r="0" g="0" b="0"/>
+      </a:lnRef>
+      <a:fillRef idx="1">
+        <a:scrgbClr r="0" g="0" b="0"/>
+      </a:fillRef>
+      <a:effectRef idx="0">
+        <a:scrgbClr r="0" g="0" b="0"/>
+      </a:effectRef>
+      <a:fontRef idx="minor">
+        <a:schemeClr val="lt1"/>
+      </a:fontRef>
+    </dgm:style>
+  </dgm:styleLbl>
+  <dgm:styleLbl name="node2">
+    <dgm:scene3d>
+      <a:camera prst="orthographicFront"/>
+      <a:lightRig rig="chilly" dir="t"/>
+    </dgm:scene3d>
+    <dgm:sp3d prstMaterial="translucentPowder">
+      <a:bevelT w="127000" h="25400" prst="softRound"/>
+    </dgm:sp3d>
+    <dgm:txPr/>
+    <dgm:style>
+      <a:lnRef idx="0">
+        <a:scrgbClr r="0" g="0" b="0"/>
+      </a:lnRef>
+      <a:fillRef idx="1">
+        <a:scrgbClr r="0" g="0" b="0"/>
+      </a:fillRef>
+      <a:effectRef idx="0">
+        <a:scrgbClr r="0" g="0" b="0"/>
+      </a:effectRef>
+      <a:fontRef idx="minor">
+        <a:schemeClr val="lt1"/>
+      </a:fontRef>
+    </dgm:style>
+  </dgm:styleLbl>
+  <dgm:styleLbl name="node3">
+    <dgm:scene3d>
+      <a:camera prst="orthographicFront"/>
+      <a:lightRig rig="chilly" dir="t"/>
+    </dgm:scene3d>
+    <dgm:sp3d prstMaterial="translucentPowder">
+      <a:bevelT w="127000" h="25400" prst="softRound"/>
+    </dgm:sp3d>
+    <dgm:txPr/>
+    <dgm:style>
+      <a:lnRef idx="0">
+        <a:scrgbClr r="0" g="0" b="0"/>
+      </a:lnRef>
+      <a:fillRef idx="1">
+        <a:scrgbClr r="0" g="0" b="0"/>
+      </a:fillRef>
+      <a:effectRef idx="0">
+        <a:scrgbClr r="0" g="0" b="0"/>
+      </a:effectRef>
+      <a:fontRef idx="minor">
+        <a:schemeClr val="lt1"/>
+      </a:fontRef>
+    </dgm:style>
+  </dgm:styleLbl>
+  <dgm:styleLbl name="node4">
+    <dgm:scene3d>
+      <a:camera prst="orthographicFront"/>
+      <a:lightRig rig="chilly" dir="t"/>
+    </dgm:scene3d>
+    <dgm:sp3d prstMaterial="translucentPowder">
+      <a:bevelT w="127000" h="25400" prst="softRound"/>
+    </dgm:sp3d>
+    <dgm:txPr/>
+    <dgm:style>
+      <a:lnRef idx="0">
+        <a:scrgbClr r="0" g="0" b="0"/>
+      </a:lnRef>
+      <a:fillRef idx="1">
+        <a:scrgbClr r="0" g="0" b="0"/>
+      </a:fillRef>
+      <a:effectRef idx="0">
+        <a:scrgbClr r="0" g="0" b="0"/>
+      </a:effectRef>
+      <a:fontRef idx="minor">
+        <a:schemeClr val="lt1"/>
+      </a:fontRef>
+    </dgm:style>
+  </dgm:styleLbl>
+  <dgm:styleLbl name="fgImgPlace1">
+    <dgm:scene3d>
+      <a:camera prst="orthographicFront"/>
+      <a:lightRig rig="chilly" dir="t"/>
+    </dgm:scene3d>
+    <dgm:sp3d z="12700" extrusionH="12700" prstMaterial="translucentPowder">
+      <a:bevelT w="25400" h="6350" prst="softRound"/>
+      <a:bevelB w="0" h="0" prst="convex"/>
+    </dgm:sp3d>
+    <dgm:txPr/>
+    <dgm:style>
+      <a:lnRef idx="0">
+        <a:scrgbClr r="0" g="0" b="0"/>
+      </a:lnRef>
+      <a:fillRef idx="1">
+        <a:scrgbClr r="0" g="0" b="0"/>
+      </a:fillRef>
+      <a:effectRef idx="0">
+        <a:scrgbClr r="0" g="0" b="0"/>
+      </a:effectRef>
+      <a:fontRef idx="minor"/>
+    </dgm:style>
+  </dgm:styleLbl>
+  <dgm:styleLbl name="alignImgPlace1">
+    <dgm:scene3d>
+      <a:camera prst="orthographicFront"/>
+      <a:lightRig rig="chilly" dir="t"/>
+    </dgm:scene3d>
+    <dgm:sp3d prstMaterial="translucentPowder">
+      <a:bevelT w="127000" h="25400" prst="softRound"/>
+    </dgm:sp3d>
+    <dgm:txPr/>
+    <dgm:style>
+      <a:lnRef idx="0">
+        <a:scrgbClr r="0" g="0" b="0"/>
+      </a:lnRef>
+      <a:fillRef idx="1">
+        <a:scrgbClr r="0" g="0" b="0"/>
+      </a:fillRef>
+      <a:effectRef idx="0">
+        <a:scrgbClr r="0" g="0" b="0"/>
+      </a:effectRef>
+      <a:fontRef idx="minor">
+        <a:schemeClr val="lt1"/>
+      </a:fontRef>
+    </dgm:style>
+  </dgm:styleLbl>
+  <dgm:styleLbl name="bgImgPlace1">
+    <dgm:scene3d>
+      <a:camera prst="orthographicFront"/>
+      <a:lightRig rig="chilly" dir="t"/>
+    </dgm:scene3d>
+    <dgm:sp3d z="-25700" extrusionH="63500" contourW="12700" prstMaterial="matte">
+      <a:contourClr>
+        <a:schemeClr val="lt1"/>
+      </a:contourClr>
+    </dgm:sp3d>
+    <dgm:txPr/>
+    <dgm:style>
+      <a:lnRef idx="0">
+        <a:scrgbClr r="0" g="0" b="0"/>
+      </a:lnRef>
+      <a:fillRef idx="1">
+        <a:scrgbClr r="0" g="0" b="0"/>
+      </a:fillRef>
+      <a:effectRef idx="0">
+        <a:scrgbClr r="0" g="0" b="0"/>
+      </a:effectRef>
+      <a:fontRef idx="minor"/>
+    </dgm:style>
+  </dgm:styleLbl>
+  <dgm:styleLbl name="sibTrans2D1">
+    <dgm:scene3d>
+      <a:camera prst="orthographicFront"/>
+      <a:lightRig rig="chilly" dir="t"/>
+    </dgm:scene3d>
+    <dgm:sp3d z="-70000" extrusionH="1700" prstMaterial="translucentPowder">
+      <a:bevelT w="25400" h="6350" prst="softRound"/>
+      <a:bevelB w="0" h="0" prst="convex"/>
+    </dgm:sp3d>
+    <dgm:txPr/>
+    <dgm:style>
+      <a:lnRef idx="0">
+        <a:scrgbClr r="0" g="0" b="0"/>
+      </a:lnRef>
+      <a:fillRef idx="1">
+        <a:scrgbClr r="0" g="0" b="0"/>
+      </a:fillRef>
+      <a:effectRef idx="0">
+        <a:scrgbClr r="0" g="0" b="0"/>
+      </a:effectRef>
+      <a:fontRef idx="minor">
+        <a:schemeClr val="lt1"/>
+      </a:fontRef>
+    </dgm:style>
+  </dgm:styleLbl>
+  <dgm:styleLbl name="fgSibTrans2D1">
+    <dgm:scene3d>
+      <a:camera prst="orthographicFront"/>
+      <a:lightRig rig="chilly" dir="t"/>
+    </dgm:scene3d>
+    <dgm:sp3d z="12700" extrusionH="1700" prstMaterial="translucentPowder">
+      <a:bevelT w="25400" h="6350" prst="softRound"/>
+      <a:bevelB w="0" h="0" prst="convex"/>
+    </dgm:sp3d>
+    <dgm:txPr/>
+    <dgm:style>
+      <a:lnRef idx="0">
+        <a:scrgbClr r="0" g="0" b="0"/>
+      </a:lnRef>
+      <a:fillRef idx="1">
+        <a:scrgbClr r="0" g="0" b="0"/>
+      </a:fillRef>
+      <a:effectRef idx="0">
+        <a:scrgbClr r="0" g="0" b="0"/>
+      </a:effectRef>
+      <a:fontRef idx="minor"/>
+    </dgm:style>
+  </dgm:styleLbl>
+  <dgm:styleLbl name="bgSibTrans2D1">
+    <dgm:scene3d>
+      <a:camera prst="orthographicFront"/>
+      <a:lightRig rig="chilly" dir="t"/>
+    </dgm:scene3d>
+    <dgm:sp3d z="-25700" extrusionH="1700" prstMaterial="translucentPowder">
+      <a:bevelT w="25400" h="6350" prst="softRound"/>
+      <a:bevelB w="0" h="0" prst="convex"/>
+    </dgm:sp3d>
+    <dgm:txPr/>
+    <dgm:style>
+      <a:lnRef idx="0">
+        <a:scrgbClr r="0" g="0" b="0"/>
+      </a:lnRef>
+      <a:fillRef idx="1">
+        <a:scrgbClr r="0" g="0" b="0"/>
+      </a:fillRef>
+      <a:effectRef idx="0">
+        <a:scrgbClr r="0" g="0" b="0"/>
+      </a:effectRef>
+      <a:fontRef idx="minor"/>
+    </dgm:style>
+  </dgm:styleLbl>
+  <dgm:styleLbl name="sibTrans1D1">
+    <dgm:scene3d>
+      <a:camera prst="orthographicFront"/>
+      <a:lightRig rig="chilly" dir="t"/>
+    </dgm:scene3d>
+    <dgm:sp3d z="-40000" prstMaterial="matte"/>
+    <dgm:txPr/>
+    <dgm:style>
+      <a:lnRef idx="1">
+        <a:scrgbClr r="0" g="0" b="0"/>
+      </a:lnRef>
+      <a:fillRef idx="0">
+        <a:scrgbClr r="0" g="0" b="0"/>
+      </a:fillRef>
+      <a:effectRef idx="0">
+        <a:scrgbClr r="0" g="0" b="0"/>
+      </a:effectRef>
+      <a:fontRef idx="minor"/>
+    </dgm:style>
+  </dgm:styleLbl>
+  <dgm:styleLbl name="callout">
+    <dgm:scene3d>
+      <a:camera prst="orthographicFront"/>
+      <a:lightRig rig="chilly" dir="t"/>
+    </dgm:scene3d>
+    <dgm:sp3d z="127000" prstMaterial="matte"/>
+    <dgm:txPr/>
+    <dgm:style>
+      <a:lnRef idx="2">
+        <a:scrgbClr r="0" g="0" b="0"/>
+      </a:lnRef>
+      <a:fillRef idx="1">
+        <a:scrgbClr r="0" g="0" b="0"/>
+      </a:fillRef>
+      <a:effectRef idx="0">
+        <a:scrgbClr r="0" g="0" b="0"/>
+      </a:effectRef>
+      <a:fontRef idx="minor"/>
+    </dgm:style>
+  </dgm:styleLbl>
+  <dgm:styleLbl name="asst0">
+    <dgm:scene3d>
+      <a:camera prst="orthographicFront"/>
+      <a:lightRig rig="chilly" dir="t"/>
+    </dgm:scene3d>
+    <dgm:sp3d prstMaterial="translucentPowder">
+      <a:bevelT w="127000" h="25400" prst="softRound"/>
+    </dgm:sp3d>
+    <dgm:txPr/>
+    <dgm:style>
+      <a:lnRef idx="0">
+        <a:scrgbClr r="0" g="0" b="0"/>
+      </a:lnRef>
+      <a:fillRef idx="1">
+        <a:scrgbClr r="0" g="0" b="0"/>
+      </a:fillRef>
+      <a:effectRef idx="0">
+        <a:scrgbClr r="0" g="0" b="0"/>
+      </a:effectRef>
+      <a:fontRef idx="minor">
+        <a:schemeClr val="lt1"/>
+      </a:fontRef>
+    </dgm:style>
+  </dgm:styleLbl>
+  <dgm:styleLbl name="asst1">
+    <dgm:scene3d>
+      <a:camera prst="orthographicFront"/>
+      <a:lightRig rig="chilly" dir="t"/>
+    </dgm:scene3d>
+    <dgm:sp3d prstMaterial="translucentPowder">
+      <a:bevelT w="127000" h="25400" prst="softRound"/>
+    </dgm:sp3d>
+    <dgm:txPr/>
+    <dgm:style>
+      <a:lnRef idx="0">
+        <a:scrgbClr r="0" g="0" b="0"/>
+      </a:lnRef>
+      <a:fillRef idx="1">
+        <a:scrgbClr r="0" g="0" b="0"/>
+      </a:fillRef>
+      <a:effectRef idx="0">
+        <a:scrgbClr r="0" g="0" b="0"/>
+      </a:effectRef>
+      <a:fontRef idx="minor">
+        <a:schemeClr val="lt1"/>
+      </a:fontRef>
+    </dgm:style>
+  </dgm:styleLbl>
+  <dgm:styleLbl name="asst2">
+    <dgm:scene3d>
+      <a:camera prst="orthographicFront"/>
+      <a:lightRig rig="chilly" dir="t"/>
+    </dgm:scene3d>
+    <dgm:sp3d prstMaterial="translucentPowder">
+      <a:bevelT w="127000" h="25400" prst="softRound"/>
+    </dgm:sp3d>
+    <dgm:txPr/>
+    <dgm:style>
+      <a:lnRef idx="0">
+        <a:scrgbClr r="0" g="0" b="0"/>
+      </a:lnRef>
+      <a:fillRef idx="1">
+        <a:scrgbClr r="0" g="0" b="0"/>
+      </a:fillRef>
+      <a:effectRef idx="0">
+        <a:scrgbClr r="0" g="0" b="0"/>
+      </a:effectRef>
+      <a:fontRef idx="minor">
+        <a:schemeClr val="lt1"/>
+      </a:fontRef>
+    </dgm:style>
+  </dgm:styleLbl>
+  <dgm:styleLbl name="asst3">
+    <dgm:scene3d>
+      <a:camera prst="orthographicFront"/>
+      <a:lightRig rig="chilly" dir="t"/>
+    </dgm:scene3d>
+    <dgm:sp3d prstMaterial="translucentPowder">
+      <a:bevelT w="127000" h="25400" prst="softRound"/>
+    </dgm:sp3d>
+    <dgm:txPr/>
+    <dgm:style>
+      <a:lnRef idx="0">
+        <a:scrgbClr r="0" g="0" b="0"/>
+      </a:lnRef>
+      <a:fillRef idx="1">
+        <a:scrgbClr r="0" g="0" b="0"/>
+      </a:fillRef>
+      <a:effectRef idx="0">
+        <a:scrgbClr r="0" g="0" b="0"/>
+      </a:effectRef>
+      <a:fontRef idx="minor">
+        <a:schemeClr val="lt1"/>
+      </a:fontRef>
+    </dgm:style>
+  </dgm:styleLbl>
+  <dgm:styleLbl name="parChTrans2D1">
+    <dgm:scene3d>
+      <a:camera prst="orthographicFront"/>
+      <a:lightRig rig="chilly" dir="t"/>
+    </dgm:scene3d>
+    <dgm:sp3d z="1700" extrusionH="1700" prstMaterial="translucentPowder">
+      <a:bevelT w="25400" h="6350" prst="softRound"/>
+      <a:bevelB w="0" h="0" prst="convex"/>
+    </dgm:sp3d>
+    <dgm:txPr/>
+    <dgm:style>
+      <a:lnRef idx="0">
+        <a:scrgbClr r="0" g="0" b="0"/>
+      </a:lnRef>
+      <a:fillRef idx="1">
+        <a:scrgbClr r="0" g="0" b="0"/>
+      </a:fillRef>
+      <a:effectRef idx="0">
+        <a:scrgbClr r="0" g="0" b="0"/>
+      </a:effectRef>
+      <a:fontRef idx="minor"/>
+    </dgm:style>
+  </dgm:styleLbl>
+  <dgm:styleLbl name="parChTrans2D2">
+    <dgm:scene3d>
+      <a:camera prst="orthographicFront"/>
+      <a:lightRig rig="chilly" dir="t"/>
+    </dgm:scene3d>
+    <dgm:sp3d z="1700" extrusionH="1700" prstMaterial="translucentPowder">
+      <a:bevelT w="25400" h="6350" prst="softRound"/>
+      <a:bevelB w="0" h="0" prst="convex"/>
+    </dgm:sp3d>
+    <dgm:txPr/>
+    <dgm:style>
+      <a:lnRef idx="0">
+        <a:scrgbClr r="0" g="0" b="0"/>
+      </a:lnRef>
+      <a:fillRef idx="1">
+        <a:scrgbClr r="0" g="0" b="0"/>
+      </a:fillRef>
+      <a:effectRef idx="0">
+        <a:scrgbClr r="0" g="0" b="0"/>
+      </a:effectRef>
+      <a:fontRef idx="minor"/>
+    </dgm:style>
+  </dgm:styleLbl>
+  <dgm:styleLbl name="parChTrans2D3">
+    <dgm:scene3d>
+      <a:camera prst="orthographicFront"/>
+      <a:lightRig rig="chilly" dir="t"/>
+    </dgm:scene3d>
+    <dgm:sp3d extrusionH="1700" prstMaterial="translucentPowder">
+      <a:bevelT w="25400" h="6350" prst="softRound"/>
+      <a:bevelB w="0" h="0" prst="convex"/>
+    </dgm:sp3d>
+    <dgm:txPr/>
+    <dgm:style>
+      <a:lnRef idx="0">
+        <a:scrgbClr r="0" g="0" b="0"/>
+      </a:lnRef>
+      <a:fillRef idx="1">
+        <a:scrgbClr r="0" g="0" b="0"/>
+      </a:fillRef>
+      <a:effectRef idx="0">
+        <a:scrgbClr r="0" g="0" b="0"/>
+      </a:effectRef>
+      <a:fontRef idx="minor"/>
+    </dgm:style>
+  </dgm:styleLbl>
+  <dgm:styleLbl name="parChTrans2D4">
+    <dgm:scene3d>
+      <a:camera prst="orthographicFront"/>
+      <a:lightRig rig="chilly" dir="t"/>
+    </dgm:scene3d>
+    <dgm:sp3d extrusionH="1700" prstMaterial="translucentPowder">
+      <a:bevelT w="25400" h="6350" prst="softRound"/>
+      <a:bevelB w="0" h="0" prst="convex"/>
+    </dgm:sp3d>
+    <dgm:txPr/>
+    <dgm:style>
+      <a:lnRef idx="0">
+        <a:scrgbClr r="0" g="0" b="0"/>
+      </a:lnRef>
+      <a:fillRef idx="1">
+        <a:scrgbClr r="0" g="0" b="0"/>
+      </a:fillRef>
+      <a:effectRef idx="0">
+        <a:scrgbClr r="0" g="0" b="0"/>
+      </a:effectRef>
+      <a:fontRef idx="minor"/>
+    </dgm:style>
+  </dgm:styleLbl>
+  <dgm:styleLbl name="parChTrans1D1">
+    <dgm:scene3d>
+      <a:camera prst="orthographicFront"/>
+      <a:lightRig rig="chilly" dir="t"/>
+    </dgm:scene3d>
+    <dgm:sp3d z="-40000" prstMaterial="matte"/>
+    <dgm:txPr/>
+    <dgm:style>
+      <a:lnRef idx="2">
+        <a:scrgbClr r="0" g="0" b="0"/>
+      </a:lnRef>
+      <a:fillRef idx="0">
+        <a:scrgbClr r="0" g="0" b="0"/>
+      </a:fillRef>
+      <a:effectRef idx="0">
+        <a:scrgbClr r="0" g="0" b="0"/>
+      </a:effectRef>
+      <a:fontRef idx="minor"/>
+    </dgm:style>
+  </dgm:styleLbl>
+  <dgm:styleLbl name="parChTrans1D2">
+    <dgm:scene3d>
+      <a:camera prst="orthographicFront"/>
+      <a:lightRig rig="threePt" dir="t"/>
+    </dgm:scene3d>
+    <dgm:sp3d z="-40000" prstMaterial="matte"/>
+    <dgm:txPr/>
+    <dgm:style>
+      <a:lnRef idx="2">
+        <a:scrgbClr r="0" g="0" b="0"/>
+      </a:lnRef>
+      <a:fillRef idx="0">
+        <a:scrgbClr r="0" g="0" b="0"/>
+      </a:fillRef>
+      <a:effectRef idx="0">
+        <a:scrgbClr r="0" g="0" b="0"/>
+      </a:effectRef>
+      <a:fontRef idx="minor"/>
+    </dgm:style>
+  </dgm:styleLbl>
+  <dgm:styleLbl name="parChTrans1D3">
+    <dgm:scene3d>
+      <a:camera prst="orthographicFront"/>
+      <a:lightRig rig="chilly" dir="t"/>
+    </dgm:scene3d>
+    <dgm:sp3d z="-40000" prstMaterial="matte"/>
+    <dgm:txPr/>
+    <dgm:style>
+      <a:lnRef idx="2">
+        <a:scrgbClr r="0" g="0" b="0"/>
+      </a:lnRef>
+      <a:fillRef idx="0">
+        <a:scrgbClr r="0" g="0" b="0"/>
+      </a:fillRef>
+      <a:effectRef idx="0">
+        <a:scrgbClr r="0" g="0" b="0"/>
+      </a:effectRef>
+      <a:fontRef idx="minor"/>
+    </dgm:style>
+  </dgm:styleLbl>
+  <dgm:styleLbl name="parChTrans1D4">
+    <dgm:scene3d>
+      <a:camera prst="orthographicFront"/>
+      <a:lightRig rig="chilly" dir="t"/>
+    </dgm:scene3d>
+    <dgm:sp3d z="-40000" prstMaterial="matte"/>
+    <dgm:txPr/>
+    <dgm:style>
+      <a:lnRef idx="2">
+        <a:scrgbClr r="0" g="0" b="0"/>
+      </a:lnRef>
+      <a:fillRef idx="0">
+        <a:scrgbClr r="0" g="0" b="0"/>
+      </a:fillRef>
+      <a:effectRef idx="0">
+        <a:scrgbClr r="0" g="0" b="0"/>
+      </a:effectRef>
+      <a:fontRef idx="minor"/>
+    </dgm:style>
+  </dgm:styleLbl>
+  <dgm:styleLbl name="fgAcc1">
+    <dgm:scene3d>
+      <a:camera prst="orthographicFront"/>
+      <a:lightRig rig="chilly" dir="t"/>
+    </dgm:scene3d>
+    <dgm:sp3d z="12700" extrusionH="1700" prstMaterial="dkEdge">
+      <a:bevelT w="25400" h="6350" prst="softRound"/>
+      <a:bevelB w="0" h="0" prst="convex"/>
+    </dgm:sp3d>
+    <dgm:txPr/>
+    <dgm:style>
+      <a:lnRef idx="1">
+        <a:scrgbClr r="0" g="0" b="0"/>
+      </a:lnRef>
+      <a:fillRef idx="1">
+        <a:scrgbClr r="0" g="0" b="0"/>
+      </a:fillRef>
+      <a:effectRef idx="0">
+        <a:scrgbClr r="0" g="0" b="0"/>
+      </a:effectRef>
+      <a:fontRef idx="minor"/>
+    </dgm:style>
+  </dgm:styleLbl>
+  <dgm:styleLbl name="conFgAcc1">
+    <dgm:scene3d>
+      <a:camera prst="orthographicFront"/>
+      <a:lightRig rig="chilly" dir="t"/>
+    </dgm:scene3d>
+    <dgm:sp3d z="12700" extrusionH="1700" prstMaterial="dkEdge">
+      <a:bevelT w="25400" h="6350" prst="softRound"/>
+      <a:bevelB w="0" h="0" prst="convex"/>
+    </dgm:sp3d>
+    <dgm:txPr/>
+    <dgm:style>
+      <a:lnRef idx="1">
+        <a:scrgbClr r="0" g="0" b="0"/>
+      </a:lnRef>
+      <a:fillRef idx="1">
+        <a:scrgbClr r="0" g="0" b="0"/>
+      </a:fillRef>
+      <a:effectRef idx="0">
+        <a:scrgbClr r="0" g="0" b="0"/>
+      </a:effectRef>
+      <a:fontRef idx="minor"/>
+    </dgm:style>
+  </dgm:styleLbl>
+  <dgm:styleLbl name="alignAcc1">
+    <dgm:scene3d>
+      <a:camera prst="orthographicFront"/>
+      <a:lightRig rig="chilly" dir="t"/>
+    </dgm:scene3d>
+    <dgm:sp3d prstMaterial="dkEdge">
+      <a:bevelT w="25400" h="6350" prst="softRound"/>
+      <a:bevelB w="0" h="0" prst="convex"/>
+    </dgm:sp3d>
+    <dgm:txPr/>
+    <dgm:style>
+      <a:lnRef idx="1">
+        <a:scrgbClr r="0" g="0" b="0"/>
+      </a:lnRef>
+      <a:fillRef idx="1">
+        <a:scrgbClr r="0" g="0" b="0"/>
+      </a:fillRef>
+      <a:effectRef idx="0">
+        <a:scrgbClr r="0" g="0" b="0"/>
+      </a:effectRef>
+      <a:fontRef idx="minor"/>
+    </dgm:style>
+  </dgm:styleLbl>
+  <dgm:styleLbl name="trAlignAcc1">
+    <dgm:scene3d>
+      <a:camera prst="orthographicFront"/>
+      <a:lightRig rig="chilly" dir="t"/>
+    </dgm:scene3d>
+    <dgm:sp3d prstMaterial="dkEdge">
+      <a:bevelT w="127000" h="25400"/>
+    </dgm:sp3d>
+    <dgm:txPr/>
+    <dgm:style>
+      <a:lnRef idx="1">
+        <a:scrgbClr r="0" g="0" b="0"/>
+      </a:lnRef>
+      <a:fillRef idx="1">
+        <a:scrgbClr r="0" g="0" b="0"/>
+      </a:fillRef>
+      <a:effectRef idx="0">
+        <a:scrgbClr r="0" g="0" b="0"/>
+      </a:effectRef>
+      <a:fontRef idx="minor">
+        <a:schemeClr val="lt1"/>
+      </a:fontRef>
+    </dgm:style>
+  </dgm:styleLbl>
+  <dgm:styleLbl name="bgAcc1">
+    <dgm:scene3d>
+      <a:camera prst="orthographicFront"/>
+      <a:lightRig rig="chilly" dir="t"/>
+    </dgm:scene3d>
+    <dgm:sp3d z="-12700" extrusionH="1700" prstMaterial="dkEdge">
+      <a:bevelT w="25400" h="6350" prst="softRound"/>
+      <a:bevelB w="0" h="0" prst="convex"/>
+    </dgm:sp3d>
+    <dgm:txPr/>
+    <dgm:style>
+      <a:lnRef idx="1">
+        <a:scrgbClr r="0" g="0" b="0"/>
+      </a:lnRef>
+      <a:fillRef idx="1">
+        <a:scrgbClr r="0" g="0" b="0"/>
+      </a:fillRef>
+      <a:effectRef idx="0">
+        <a:scrgbClr r="0" g="0" b="0"/>
+      </a:effectRef>
+      <a:fontRef idx="minor"/>
+    </dgm:style>
+  </dgm:styleLbl>
+  <dgm:styleLbl name="solidFgAcc1">
+    <dgm:scene3d>
+      <a:camera prst="orthographicFront"/>
+      <a:lightRig rig="chilly" dir="t"/>
+    </dgm:scene3d>
+    <dgm:sp3d z="12700" extrusionH="1700" prstMaterial="dkEdge">
+      <a:bevelT w="25400" h="6350" prst="softRound"/>
+      <a:bevelB w="0" h="0" prst="convex"/>
+    </dgm:sp3d>
+    <dgm:txPr/>
+    <dgm:style>
+      <a:lnRef idx="1">
+        <a:scrgbClr r="0" g="0" b="0"/>
+      </a:lnRef>
+      <a:fillRef idx="1">
+        <a:scrgbClr r="0" g="0" b="0"/>
+      </a:fillRef>
+      <a:effectRef idx="0">
+        <a:scrgbClr r="0" g="0" b="0"/>
+      </a:effectRef>
+      <a:fontRef idx="minor"/>
+    </dgm:style>
+  </dgm:styleLbl>
+  <dgm:styleLbl name="solidAlignAcc1">
+    <dgm:scene3d>
+      <a:camera prst="orthographicFront"/>
+      <a:lightRig rig="chilly" dir="t"/>
+    </dgm:scene3d>
+    <dgm:sp3d extrusionH="1700" prstMaterial="dkEdge">
+      <a:bevelT w="25400" h="6350" prst="softRound"/>
+      <a:bevelB w="0" h="0" prst="convex"/>
+    </dgm:sp3d>
+    <dgm:txPr/>
+    <dgm:style>
+      <a:lnRef idx="1">
+        <a:scrgbClr r="0" g="0" b="0"/>
+      </a:lnRef>
+      <a:fillRef idx="1">
+        <a:scrgbClr r="0" g="0" b="0"/>
+      </a:fillRef>
+      <a:effectRef idx="0">
+        <a:scrgbClr r="0" g="0" b="0"/>
+      </a:effectRef>
+      <a:fontRef idx="minor"/>
+    </dgm:style>
+  </dgm:styleLbl>
+  <dgm:styleLbl name="solidBgAcc1">
+    <dgm:scene3d>
+      <a:camera prst="orthographicFront"/>
+      <a:lightRig rig="chilly" dir="t"/>
+    </dgm:scene3d>
+    <dgm:sp3d z="-12700" extrusionH="1700" prstMaterial="dkEdge">
+      <a:bevelT w="25400" h="6350" prst="softRound"/>
+      <a:bevelB w="0" h="0" prst="convex"/>
+    </dgm:sp3d>
+    <dgm:txPr/>
+    <dgm:style>
+      <a:lnRef idx="1">
+        <a:scrgbClr r="0" g="0" b="0"/>
+      </a:lnRef>
+      <a:fillRef idx="1">
+        <a:scrgbClr r="0" g="0" b="0"/>
+      </a:fillRef>
+      <a:effectRef idx="0">
+        <a:scrgbClr r="0" g="0" b="0"/>
+      </a:effectRef>
+      <a:fontRef idx="minor"/>
+    </dgm:style>
+  </dgm:styleLbl>
+  <dgm:styleLbl name="fgAccFollowNode1">
+    <dgm:scene3d>
+      <a:camera prst="orthographicFront"/>
+      <a:lightRig rig="chilly" dir="t"/>
+    </dgm:scene3d>
+    <dgm:sp3d z="12700" extrusionH="1700" prstMaterial="dkEdge">
+      <a:bevelT w="25400" h="6350" prst="softRound"/>
+      <a:bevelB w="0" h="0" prst="convex"/>
+    </dgm:sp3d>
+    <dgm:txPr/>
+    <dgm:style>
+      <a:lnRef idx="1">
+        <a:scrgbClr r="0" g="0" b="0"/>
+      </a:lnRef>
+      <a:fillRef idx="1">
+        <a:scrgbClr r="0" g="0" b="0"/>
+      </a:fillRef>
+      <a:effectRef idx="0">
+        <a:scrgbClr r="0" g="0" b="0"/>
+      </a:effectRef>
+      <a:fontRef idx="minor"/>
+    </dgm:style>
+  </dgm:styleLbl>
+  <dgm:styleLbl name="alignAccFollowNode1">
+    <dgm:scene3d>
+      <a:camera prst="orthographicFront"/>
+      <a:lightRig rig="chilly" dir="t"/>
+    </dgm:scene3d>
+    <dgm:sp3d extrusionH="1700" prstMaterial="dkEdge">
+      <a:bevelT w="25400" h="6350" prst="softRound"/>
+      <a:bevelB w="0" h="0" prst="convex"/>
+    </dgm:sp3d>
+    <dgm:txPr/>
+    <dgm:style>
+      <a:lnRef idx="1">
+        <a:scrgbClr r="0" g="0" b="0"/>
+      </a:lnRef>
+      <a:fillRef idx="1">
+        <a:scrgbClr r="0" g="0" b="0"/>
+      </a:fillRef>
+      <a:effectRef idx="0">
+        <a:scrgbClr r="0" g="0" b="0"/>
+      </a:effectRef>
+      <a:fontRef idx="minor"/>
+    </dgm:style>
+  </dgm:styleLbl>
+  <dgm:styleLbl name="bgAccFollowNode1">
+    <dgm:scene3d>
+      <a:camera prst="orthographicFront"/>
+      <a:lightRig rig="chilly" dir="t"/>
+    </dgm:scene3d>
+    <dgm:sp3d z="-12700" extrusionH="1700" prstMaterial="dkEdge">
+      <a:bevelT w="25400" h="6350" prst="softRound"/>
+      <a:bevelB w="0" h="0" prst="convex"/>
+    </dgm:sp3d>
+    <dgm:txPr/>
+    <dgm:style>
+      <a:lnRef idx="1">
+        <a:scrgbClr r="0" g="0" b="0"/>
+      </a:lnRef>
+      <a:fillRef idx="1">
+        <a:scrgbClr r="0" g="0" b="0"/>
+      </a:fillRef>
+      <a:effectRef idx="0">
+        <a:scrgbClr r="0" g="0" b="0"/>
+      </a:effectRef>
+      <a:fontRef idx="minor"/>
+    </dgm:style>
+  </dgm:styleLbl>
+  <dgm:styleLbl name="fgAcc0">
+    <dgm:scene3d>
+      <a:camera prst="orthographicFront"/>
+      <a:lightRig rig="chilly" dir="t"/>
+    </dgm:scene3d>
+    <dgm:sp3d z="12700" extrusionH="1700" prstMaterial="dkEdge">
+      <a:bevelT w="25400" h="6350" prst="softRound"/>
+      <a:bevelB w="0" h="0" prst="convex"/>
+    </dgm:sp3d>
+    <dgm:txPr/>
+    <dgm:style>
+      <a:lnRef idx="1">
+        <a:scrgbClr r="0" g="0" b="0"/>
+      </a:lnRef>
+      <a:fillRef idx="1">
+        <a:scrgbClr r="0" g="0" b="0"/>
+      </a:fillRef>
+      <a:effectRef idx="0">
+        <a:scrgbClr r="0" g="0" b="0"/>
+      </a:effectRef>
+      <a:fontRef idx="minor"/>
+    </dgm:style>
+  </dgm:styleLbl>
+  <dgm:styleLbl name="fgAcc2">
+    <dgm:scene3d>
+      <a:camera prst="orthographicFront"/>
+      <a:lightRig rig="chilly" dir="t"/>
+    </dgm:scene3d>
+    <dgm:sp3d z="12700" extrusionH="1700" prstMaterial="dkEdge">
+      <a:bevelT w="25400" h="6350" prst="softRound"/>
+      <a:bevelB w="0" h="0" prst="convex"/>
+    </dgm:sp3d>
+    <dgm:txPr/>
+    <dgm:style>
+      <a:lnRef idx="1">
+        <a:scrgbClr r="0" g="0" b="0"/>
+      </a:lnRef>
+      <a:fillRef idx="1">
+        <a:scrgbClr r="0" g="0" b="0"/>
+      </a:fillRef>
+      <a:effectRef idx="0">
+        <a:scrgbClr r="0" g="0" b="0"/>
+      </a:effectRef>
+      <a:fontRef idx="minor"/>
+    </dgm:style>
+  </dgm:styleLbl>
+  <dgm:styleLbl name="fgAcc3">
+    <dgm:scene3d>
+      <a:camera prst="orthographicFront"/>
+      <a:lightRig rig="chilly" dir="t"/>
+    </dgm:scene3d>
+    <dgm:sp3d z="12700" extrusionH="1700" prstMaterial="dkEdge">
+      <a:bevelT w="25400" h="6350" prst="softRound"/>
+      <a:bevelB w="0" h="0" prst="convex"/>
+    </dgm:sp3d>
+    <dgm:txPr/>
+    <dgm:style>
+      <a:lnRef idx="1">
+        <a:scrgbClr r="0" g="0" b="0"/>
+      </a:lnRef>
+      <a:fillRef idx="1">
+        <a:scrgbClr r="0" g="0" b="0"/>
+      </a:fillRef>
+      <a:effectRef idx="0">
+        <a:scrgbClr r="0" g="0" b="0"/>
+      </a:effectRef>
+      <a:fontRef idx="minor"/>
+    </dgm:style>
+  </dgm:styleLbl>
+  <dgm:styleLbl name="fgAcc4">
+    <dgm:scene3d>
+      <a:camera prst="orthographicFront"/>
+      <a:lightRig rig="chilly" dir="t"/>
+    </dgm:scene3d>
+    <dgm:sp3d z="12700" extrusionH="1700" prstMaterial="dkEdge">
+      <a:bevelT w="25400" h="6350" prst="softRound"/>
+      <a:bevelB w="0" h="0" prst="convex"/>
+    </dgm:sp3d>
+    <dgm:txPr/>
+    <dgm:style>
+      <a:lnRef idx="1">
+        <a:scrgbClr r="0" g="0" b="0"/>
+      </a:lnRef>
+      <a:fillRef idx="1">
+        <a:scrgbClr r="0" g="0" b="0"/>
+      </a:fillRef>
+      <a:effectRef idx="0">
+        <a:scrgbClr r="0" g="0" b="0"/>
+      </a:effectRef>
+      <a:fontRef idx="minor"/>
+    </dgm:style>
+  </dgm:styleLbl>
+  <dgm:styleLbl name="bgShp">
+    <dgm:scene3d>
+      <a:camera prst="orthographicFront"/>
+      <a:lightRig rig="chilly" dir="t"/>
+    </dgm:scene3d>
+    <dgm:sp3d z="-12700" extrusionH="1700" prstMaterial="translucentPowder">
+      <a:bevelT w="25400" h="6350" prst="softRound"/>
+      <a:bevelB w="0" h="0" prst="convex"/>
+    </dgm:sp3d>
+    <dgm:txPr/>
+    <dgm:style>
+      <a:lnRef idx="0">
+        <a:scrgbClr r="0" g="0" b="0"/>
+      </a:lnRef>
+      <a:fillRef idx="1">
+        <a:scrgbClr r="0" g="0" b="0"/>
+      </a:fillRef>
+      <a:effectRef idx="0">
+        <a:scrgbClr r="0" g="0" b="0"/>
+      </a:effectRef>
+      <a:fontRef idx="minor"/>
+    </dgm:style>
+  </dgm:styleLbl>
+  <dgm:styleLbl name="dkBgShp">
+    <dgm:scene3d>
+      <a:camera prst="orthographicFront"/>
+      <a:lightRig rig="chilly" dir="t"/>
+    </dgm:scene3d>
+    <dgm:sp3d extrusionH="1700" prstMaterial="translucentPowder">
+      <a:bevelT w="25400" h="6350" prst="softRound"/>
+      <a:bevelB w="0" h="0" prst="convex"/>
+    </dgm:sp3d>
+    <dgm:txPr/>
+    <dgm:style>
+      <a:lnRef idx="0">
+        <a:scrgbClr r="0" g="0" b="0"/>
+      </a:lnRef>
+      <a:fillRef idx="1">
+        <a:scrgbClr r="0" g="0" b="0"/>
+      </a:fillRef>
+      <a:effectRef idx="0">
+        <a:scrgbClr r="0" g="0" b="0"/>
+      </a:effectRef>
+      <a:fontRef idx="minor"/>
+    </dgm:style>
+  </dgm:styleLbl>
+  <dgm:styleLbl name="trBgShp">
+    <dgm:scene3d>
+      <a:camera prst="orthographicFront"/>
+      <a:lightRig rig="chilly" dir="t"/>
+    </dgm:scene3d>
+    <dgm:sp3d z="-152400" prstMaterial="matte"/>
+    <dgm:txPr/>
+    <dgm:style>
+      <a:lnRef idx="0">
+        <a:scrgbClr r="0" g="0" b="0"/>
+      </a:lnRef>
+      <a:fillRef idx="1">
+        <a:scrgbClr r="0" g="0" b="0"/>
+      </a:fillRef>
+      <a:effectRef idx="0">
+        <a:scrgbClr r="0" g="0" b="0"/>
+      </a:effectRef>
+      <a:fontRef idx="minor"/>
+    </dgm:style>
+  </dgm:styleLbl>
+  <dgm:styleLbl name="fgShp">
+    <dgm:scene3d>
+      <a:camera prst="orthographicFront"/>
+      <a:lightRig rig="chilly" dir="t"/>
+    </dgm:scene3d>
+    <dgm:sp3d z="12700" extrusionH="1700" prstMaterial="translucentPowder">
+      <a:bevelT w="25400" h="6350" prst="softRound"/>
+      <a:bevelB w="0" h="0" prst="convex"/>
+    </dgm:sp3d>
+    <dgm:txPr/>
+    <dgm:style>
+      <a:lnRef idx="0">
+        <a:scrgbClr r="0" g="0" b="0"/>
+      </a:lnRef>
+      <a:fillRef idx="1">
+        <a:scrgbClr r="0" g="0" b="0"/>
+      </a:fillRef>
+      <a:effectRef idx="0">
+        <a:scrgbClr r="0" g="0" b="0"/>
+      </a:effectRef>
+      <a:fontRef idx="minor"/>
+    </dgm:style>
+  </dgm:styleLbl>
+  <dgm:styleLbl name="revTx">
+    <dgm:scene3d>
+      <a:camera prst="orthographicFront"/>
+      <a:lightRig rig="threePt" dir="t"/>
+    </dgm:scene3d>
+    <dgm:sp3d/>
+    <dgm:txPr/>
+    <dgm:style>
+      <a:lnRef idx="0">
+        <a:scrgbClr r="0" g="0" b="0"/>
+      </a:lnRef>
+      <a:fillRef idx="0">
+        <a:scrgbClr r="0" g="0" b="0"/>
+      </a:fillRef>
+      <a:effectRef idx="0">
+        <a:scrgbClr r="0" g="0" b="0"/>
+      </a:effectRef>
+      <a:fontRef idx="minor"/>
+    </dgm:style>
+  </dgm:styleLbl>
+</dgm:styleDef>
 </file>
 
 <file path=ppt/slideLayouts/slideLayout1.xml><?xml version="1.0" encoding="utf-8"?>
@@ -126,13 +2951,7 @@
       </p:grpSpPr>
       <p:sp>
         <p:nvSpPr>
-          <p:cNvPr id="2" name="Title 1">
-            <a:extLst>
-              <a:ext uri="{FF2B5EF4-FFF2-40B4-BE49-F238E27FC236}">
-                <a16:creationId xmlns:a16="http://schemas.microsoft.com/office/drawing/2014/main" id="{B486A650-F8AF-4717-9331-FEF753D47617}"/>
-              </a:ext>
-            </a:extLst>
-          </p:cNvPr>
+          <p:cNvPr id="2" name="Title 1"/>
           <p:cNvSpPr>
             <a:spLocks noGrp="1"/>
           </p:cNvSpPr>
@@ -142,15 +2961,15 @@
         </p:nvSpPr>
         <p:spPr>
           <a:xfrm>
-            <a:off x="1524000" y="1122363"/>
-            <a:ext cx="9144000" cy="2387600"/>
+            <a:off x="2743200" y="1646133"/>
+            <a:ext cx="16459200" cy="3501813"/>
           </a:xfrm>
         </p:spPr>
         <p:txBody>
           <a:bodyPr anchor="b"/>
           <a:lstStyle>
             <a:lvl1pPr algn="ctr">
-              <a:defRPr sz="6000"/>
+              <a:defRPr sz="8800"/>
             </a:lvl1pPr>
           </a:lstStyle>
           <a:p>
@@ -158,18 +2977,13 @@
               <a:rPr lang="en-US"/>
               <a:t>Click to edit Master title style</a:t>
             </a:r>
-          </a:p>
-        </p:txBody>
-      </p:sp>
-      <p:sp>
-        <p:nvSpPr>
-          <p:cNvPr id="3" name="Subtitle 2">
-            <a:extLst>
-              <a:ext uri="{FF2B5EF4-FFF2-40B4-BE49-F238E27FC236}">
-                <a16:creationId xmlns:a16="http://schemas.microsoft.com/office/drawing/2014/main" id="{5BD6499E-9D1C-469E-8D91-0A98589E99CB}"/>
-              </a:ext>
-            </a:extLst>
-          </p:cNvPr>
+            <a:endParaRPr lang="en-US" dirty="0"/>
+          </a:p>
+        </p:txBody>
+      </p:sp>
+      <p:sp>
+        <p:nvSpPr>
+          <p:cNvPr id="3" name="Subtitle 2"/>
           <p:cNvSpPr>
             <a:spLocks noGrp="1"/>
           </p:cNvSpPr>
@@ -179,8 +2993,8 @@
         </p:nvSpPr>
         <p:spPr>
           <a:xfrm>
-            <a:off x="1524000" y="3602038"/>
-            <a:ext cx="9144000" cy="1655762"/>
+            <a:off x="2743200" y="5282989"/>
+            <a:ext cx="16459200" cy="2428451"/>
           </a:xfrm>
         </p:spPr>
         <p:txBody>
@@ -188,39 +3002,39 @@
           <a:lstStyle>
             <a:lvl1pPr marL="0" indent="0" algn="ctr">
               <a:buNone/>
-              <a:defRPr sz="2400"/>
+              <a:defRPr sz="3520"/>
             </a:lvl1pPr>
-            <a:lvl2pPr marL="457200" indent="0" algn="ctr">
+            <a:lvl2pPr marL="670575" indent="0" algn="ctr">
               <a:buNone/>
-              <a:defRPr sz="2000"/>
+              <a:defRPr sz="2933"/>
             </a:lvl2pPr>
-            <a:lvl3pPr marL="914400" indent="0" algn="ctr">
+            <a:lvl3pPr marL="1341150" indent="0" algn="ctr">
               <a:buNone/>
-              <a:defRPr sz="1800"/>
+              <a:defRPr sz="2640"/>
             </a:lvl3pPr>
-            <a:lvl4pPr marL="1371600" indent="0" algn="ctr">
+            <a:lvl4pPr marL="2011726" indent="0" algn="ctr">
               <a:buNone/>
-              <a:defRPr sz="1600"/>
+              <a:defRPr sz="2347"/>
             </a:lvl4pPr>
-            <a:lvl5pPr marL="1828800" indent="0" algn="ctr">
+            <a:lvl5pPr marL="2682301" indent="0" algn="ctr">
               <a:buNone/>
-              <a:defRPr sz="1600"/>
+              <a:defRPr sz="2347"/>
             </a:lvl5pPr>
-            <a:lvl6pPr marL="2286000" indent="0" algn="ctr">
+            <a:lvl6pPr marL="3352876" indent="0" algn="ctr">
               <a:buNone/>
-              <a:defRPr sz="1600"/>
+              <a:defRPr sz="2347"/>
             </a:lvl6pPr>
-            <a:lvl7pPr marL="2743200" indent="0" algn="ctr">
+            <a:lvl7pPr marL="4023451" indent="0" algn="ctr">
               <a:buNone/>
-              <a:defRPr sz="1600"/>
+              <a:defRPr sz="2347"/>
             </a:lvl7pPr>
-            <a:lvl8pPr marL="3200400" indent="0" algn="ctr">
+            <a:lvl8pPr marL="4694027" indent="0" algn="ctr">
               <a:buNone/>
-              <a:defRPr sz="1600"/>
+              <a:defRPr sz="2347"/>
             </a:lvl8pPr>
-            <a:lvl9pPr marL="3657600" indent="0" algn="ctr">
+            <a:lvl9pPr marL="5364602" indent="0" algn="ctr">
               <a:buNone/>
-              <a:defRPr sz="1600"/>
+              <a:defRPr sz="2347"/>
             </a:lvl9pPr>
           </a:lstStyle>
           <a:p>
@@ -228,18 +3042,13 @@
               <a:rPr lang="en-US"/>
               <a:t>Click to edit Master subtitle style</a:t>
             </a:r>
-          </a:p>
-        </p:txBody>
-      </p:sp>
-      <p:sp>
-        <p:nvSpPr>
-          <p:cNvPr id="4" name="Date Placeholder 3">
-            <a:extLst>
-              <a:ext uri="{FF2B5EF4-FFF2-40B4-BE49-F238E27FC236}">
-                <a16:creationId xmlns:a16="http://schemas.microsoft.com/office/drawing/2014/main" id="{AD00AB3D-62D5-4239-B52A-77C06BF00E6B}"/>
-              </a:ext>
-            </a:extLst>
-          </p:cNvPr>
+            <a:endParaRPr lang="en-US" dirty="0"/>
+          </a:p>
+        </p:txBody>
+      </p:sp>
+      <p:sp>
+        <p:nvSpPr>
+          <p:cNvPr id="4" name="Date Placeholder 3"/>
           <p:cNvSpPr>
             <a:spLocks noGrp="1"/>
           </p:cNvSpPr>
@@ -254,7 +3063,7 @@
           <a:p>
             <a:fld id="{5A1058CF-9FFF-4C3D-A099-2D870F24D597}" type="datetimeFigureOut">
               <a:rPr lang="en-US" smtClean="0"/>
-              <a:t>2/11/2021</a:t>
+              <a:t>1/24/2022</a:t>
             </a:fld>
             <a:endParaRPr lang="en-US"/>
           </a:p>
@@ -262,13 +3071,7 @@
       </p:sp>
       <p:sp>
         <p:nvSpPr>
-          <p:cNvPr id="5" name="Footer Placeholder 4">
-            <a:extLst>
-              <a:ext uri="{FF2B5EF4-FFF2-40B4-BE49-F238E27FC236}">
-                <a16:creationId xmlns:a16="http://schemas.microsoft.com/office/drawing/2014/main" id="{C8C3BD87-0F9D-42D0-A41E-67F55A0BBF02}"/>
-              </a:ext>
-            </a:extLst>
-          </p:cNvPr>
+          <p:cNvPr id="5" name="Footer Placeholder 4"/>
           <p:cNvSpPr>
             <a:spLocks noGrp="1"/>
           </p:cNvSpPr>
@@ -287,13 +3090,7 @@
       </p:sp>
       <p:sp>
         <p:nvSpPr>
-          <p:cNvPr id="6" name="Slide Number Placeholder 5">
-            <a:extLst>
-              <a:ext uri="{FF2B5EF4-FFF2-40B4-BE49-F238E27FC236}">
-                <a16:creationId xmlns:a16="http://schemas.microsoft.com/office/drawing/2014/main" id="{70705593-F937-49CF-AF96-48BF3841F5B4}"/>
-              </a:ext>
-            </a:extLst>
-          </p:cNvPr>
+          <p:cNvPr id="6" name="Slide Number Placeholder 5"/>
           <p:cNvSpPr>
             <a:spLocks noGrp="1"/>
           </p:cNvSpPr>
@@ -317,7 +3114,7 @@
     </p:spTree>
     <p:extLst>
       <p:ext uri="{BB962C8B-B14F-4D97-AF65-F5344CB8AC3E}">
-        <p14:creationId xmlns:p14="http://schemas.microsoft.com/office/powerpoint/2010/main" val="2329659274"/>
+        <p14:creationId xmlns:p14="http://schemas.microsoft.com/office/powerpoint/2010/main" val="368234550"/>
       </p:ext>
     </p:extLst>
   </p:cSld>
@@ -346,13 +3143,7 @@
       </p:grpSpPr>
       <p:sp>
         <p:nvSpPr>
-          <p:cNvPr id="2" name="Title 1">
-            <a:extLst>
-              <a:ext uri="{FF2B5EF4-FFF2-40B4-BE49-F238E27FC236}">
-                <a16:creationId xmlns:a16="http://schemas.microsoft.com/office/drawing/2014/main" id="{AF42CA56-C955-49F8-B1ED-2DA106BE44C7}"/>
-              </a:ext>
-            </a:extLst>
-          </p:cNvPr>
+          <p:cNvPr id="2" name="Title 1"/>
           <p:cNvSpPr>
             <a:spLocks noGrp="1"/>
           </p:cNvSpPr>
@@ -369,18 +3160,13 @@
               <a:rPr lang="en-US"/>
               <a:t>Click to edit Master title style</a:t>
             </a:r>
-          </a:p>
-        </p:txBody>
-      </p:sp>
-      <p:sp>
-        <p:nvSpPr>
-          <p:cNvPr id="3" name="Vertical Text Placeholder 2">
-            <a:extLst>
-              <a:ext uri="{FF2B5EF4-FFF2-40B4-BE49-F238E27FC236}">
-                <a16:creationId xmlns:a16="http://schemas.microsoft.com/office/drawing/2014/main" id="{3E8733B5-9DA5-4223-9AD8-A84F27039684}"/>
-              </a:ext>
-            </a:extLst>
-          </p:cNvPr>
+            <a:endParaRPr lang="en-US" dirty="0"/>
+          </a:p>
+        </p:txBody>
+      </p:sp>
+      <p:sp>
+        <p:nvSpPr>
+          <p:cNvPr id="3" name="Vertical Text Placeholder 2"/>
           <p:cNvSpPr>
             <a:spLocks noGrp="1"/>
           </p:cNvSpPr>
@@ -426,18 +3212,13 @@
               <a:rPr lang="en-US"/>
               <a:t>Fifth level</a:t>
             </a:r>
-          </a:p>
-        </p:txBody>
-      </p:sp>
-      <p:sp>
-        <p:nvSpPr>
-          <p:cNvPr id="4" name="Date Placeholder 3">
-            <a:extLst>
-              <a:ext uri="{FF2B5EF4-FFF2-40B4-BE49-F238E27FC236}">
-                <a16:creationId xmlns:a16="http://schemas.microsoft.com/office/drawing/2014/main" id="{B64B8EFD-C5F4-4F76-8E3A-7CBA69CF1A43}"/>
-              </a:ext>
-            </a:extLst>
-          </p:cNvPr>
+            <a:endParaRPr lang="en-US" dirty="0"/>
+          </a:p>
+        </p:txBody>
+      </p:sp>
+      <p:sp>
+        <p:nvSpPr>
+          <p:cNvPr id="4" name="Date Placeholder 3"/>
           <p:cNvSpPr>
             <a:spLocks noGrp="1"/>
           </p:cNvSpPr>
@@ -452,7 +3233,7 @@
           <a:p>
             <a:fld id="{5A1058CF-9FFF-4C3D-A099-2D870F24D597}" type="datetimeFigureOut">
               <a:rPr lang="en-US" smtClean="0"/>
-              <a:t>2/11/2021</a:t>
+              <a:t>1/24/2022</a:t>
             </a:fld>
             <a:endParaRPr lang="en-US"/>
           </a:p>
@@ -460,13 +3241,7 @@
       </p:sp>
       <p:sp>
         <p:nvSpPr>
-          <p:cNvPr id="5" name="Footer Placeholder 4">
-            <a:extLst>
-              <a:ext uri="{FF2B5EF4-FFF2-40B4-BE49-F238E27FC236}">
-                <a16:creationId xmlns:a16="http://schemas.microsoft.com/office/drawing/2014/main" id="{3D7A0C44-8610-4B48-96C4-EF3670C44080}"/>
-              </a:ext>
-            </a:extLst>
-          </p:cNvPr>
+          <p:cNvPr id="5" name="Footer Placeholder 4"/>
           <p:cNvSpPr>
             <a:spLocks noGrp="1"/>
           </p:cNvSpPr>
@@ -485,13 +3260,7 @@
       </p:sp>
       <p:sp>
         <p:nvSpPr>
-          <p:cNvPr id="6" name="Slide Number Placeholder 5">
-            <a:extLst>
-              <a:ext uri="{FF2B5EF4-FFF2-40B4-BE49-F238E27FC236}">
-                <a16:creationId xmlns:a16="http://schemas.microsoft.com/office/drawing/2014/main" id="{E036C125-9F62-47E3-A362-911818DB3389}"/>
-              </a:ext>
-            </a:extLst>
-          </p:cNvPr>
+          <p:cNvPr id="6" name="Slide Number Placeholder 5"/>
           <p:cNvSpPr>
             <a:spLocks noGrp="1"/>
           </p:cNvSpPr>
@@ -515,7 +3284,7 @@
     </p:spTree>
     <p:extLst>
       <p:ext uri="{BB962C8B-B14F-4D97-AF65-F5344CB8AC3E}">
-        <p14:creationId xmlns:p14="http://schemas.microsoft.com/office/powerpoint/2010/main" val="223539912"/>
+        <p14:creationId xmlns:p14="http://schemas.microsoft.com/office/powerpoint/2010/main" val="2739698550"/>
       </p:ext>
     </p:extLst>
   </p:cSld>
@@ -544,13 +3313,7 @@
       </p:grpSpPr>
       <p:sp>
         <p:nvSpPr>
-          <p:cNvPr id="2" name="Vertical Title 1">
-            <a:extLst>
-              <a:ext uri="{FF2B5EF4-FFF2-40B4-BE49-F238E27FC236}">
-                <a16:creationId xmlns:a16="http://schemas.microsoft.com/office/drawing/2014/main" id="{F00E0203-8E1E-486E-A1C9-0B2A8AA809A9}"/>
-              </a:ext>
-            </a:extLst>
-          </p:cNvPr>
+          <p:cNvPr id="2" name="Vertical Title 1"/>
           <p:cNvSpPr>
             <a:spLocks noGrp="1"/>
           </p:cNvSpPr>
@@ -560,8 +3323,8 @@
         </p:nvSpPr>
         <p:spPr>
           <a:xfrm>
-            <a:off x="8724900" y="365125"/>
-            <a:ext cx="2628900" cy="5811838"/>
+            <a:off x="15704820" y="535517"/>
+            <a:ext cx="4732020" cy="8524029"/>
           </a:xfrm>
         </p:spPr>
         <p:txBody>
@@ -572,18 +3335,13 @@
               <a:rPr lang="en-US"/>
               <a:t>Click to edit Master title style</a:t>
             </a:r>
-          </a:p>
-        </p:txBody>
-      </p:sp>
-      <p:sp>
-        <p:nvSpPr>
-          <p:cNvPr id="3" name="Vertical Text Placeholder 2">
-            <a:extLst>
-              <a:ext uri="{FF2B5EF4-FFF2-40B4-BE49-F238E27FC236}">
-                <a16:creationId xmlns:a16="http://schemas.microsoft.com/office/drawing/2014/main" id="{23614F41-6A6B-49BF-A4C6-7F58AAEE09F2}"/>
-              </a:ext>
-            </a:extLst>
-          </p:cNvPr>
+            <a:endParaRPr lang="en-US" dirty="0"/>
+          </a:p>
+        </p:txBody>
+      </p:sp>
+      <p:sp>
+        <p:nvSpPr>
+          <p:cNvPr id="3" name="Vertical Text Placeholder 2"/>
           <p:cNvSpPr>
             <a:spLocks noGrp="1"/>
           </p:cNvSpPr>
@@ -593,8 +3351,8 @@
         </p:nvSpPr>
         <p:spPr>
           <a:xfrm>
-            <a:off x="838200" y="365125"/>
-            <a:ext cx="7734300" cy="5811838"/>
+            <a:off x="1508760" y="535517"/>
+            <a:ext cx="13921740" cy="8524029"/>
           </a:xfrm>
         </p:spPr>
         <p:txBody>
@@ -634,18 +3392,13 @@
               <a:rPr lang="en-US"/>
               <a:t>Fifth level</a:t>
             </a:r>
-          </a:p>
-        </p:txBody>
-      </p:sp>
-      <p:sp>
-        <p:nvSpPr>
-          <p:cNvPr id="4" name="Date Placeholder 3">
-            <a:extLst>
-              <a:ext uri="{FF2B5EF4-FFF2-40B4-BE49-F238E27FC236}">
-                <a16:creationId xmlns:a16="http://schemas.microsoft.com/office/drawing/2014/main" id="{4C679873-E6B0-4FE1-AF59-5F8CAE8FD796}"/>
-              </a:ext>
-            </a:extLst>
-          </p:cNvPr>
+            <a:endParaRPr lang="en-US" dirty="0"/>
+          </a:p>
+        </p:txBody>
+      </p:sp>
+      <p:sp>
+        <p:nvSpPr>
+          <p:cNvPr id="4" name="Date Placeholder 3"/>
           <p:cNvSpPr>
             <a:spLocks noGrp="1"/>
           </p:cNvSpPr>
@@ -660,7 +3413,7 @@
           <a:p>
             <a:fld id="{5A1058CF-9FFF-4C3D-A099-2D870F24D597}" type="datetimeFigureOut">
               <a:rPr lang="en-US" smtClean="0"/>
-              <a:t>2/11/2021</a:t>
+              <a:t>1/24/2022</a:t>
             </a:fld>
             <a:endParaRPr lang="en-US"/>
           </a:p>
@@ -668,13 +3421,7 @@
       </p:sp>
       <p:sp>
         <p:nvSpPr>
-          <p:cNvPr id="5" name="Footer Placeholder 4">
-            <a:extLst>
-              <a:ext uri="{FF2B5EF4-FFF2-40B4-BE49-F238E27FC236}">
-                <a16:creationId xmlns:a16="http://schemas.microsoft.com/office/drawing/2014/main" id="{4E827BAF-F0A4-49C1-85A3-F20A57A72F60}"/>
-              </a:ext>
-            </a:extLst>
-          </p:cNvPr>
+          <p:cNvPr id="5" name="Footer Placeholder 4"/>
           <p:cNvSpPr>
             <a:spLocks noGrp="1"/>
           </p:cNvSpPr>
@@ -693,13 +3440,7 @@
       </p:sp>
       <p:sp>
         <p:nvSpPr>
-          <p:cNvPr id="6" name="Slide Number Placeholder 5">
-            <a:extLst>
-              <a:ext uri="{FF2B5EF4-FFF2-40B4-BE49-F238E27FC236}">
-                <a16:creationId xmlns:a16="http://schemas.microsoft.com/office/drawing/2014/main" id="{C0DFB610-4DEF-45B5-98CC-75E5C7A93056}"/>
-              </a:ext>
-            </a:extLst>
-          </p:cNvPr>
+          <p:cNvPr id="6" name="Slide Number Placeholder 5"/>
           <p:cNvSpPr>
             <a:spLocks noGrp="1"/>
           </p:cNvSpPr>
@@ -723,7 +3464,7 @@
     </p:spTree>
     <p:extLst>
       <p:ext uri="{BB962C8B-B14F-4D97-AF65-F5344CB8AC3E}">
-        <p14:creationId xmlns:p14="http://schemas.microsoft.com/office/powerpoint/2010/main" val="2635400449"/>
+        <p14:creationId xmlns:p14="http://schemas.microsoft.com/office/powerpoint/2010/main" val="1611906340"/>
       </p:ext>
     </p:extLst>
   </p:cSld>
@@ -752,13 +3493,7 @@
       </p:grpSpPr>
       <p:sp>
         <p:nvSpPr>
-          <p:cNvPr id="2" name="Title 1">
-            <a:extLst>
-              <a:ext uri="{FF2B5EF4-FFF2-40B4-BE49-F238E27FC236}">
-                <a16:creationId xmlns:a16="http://schemas.microsoft.com/office/drawing/2014/main" id="{60047A72-2703-46E2-BEB0-50C77568F42B}"/>
-              </a:ext>
-            </a:extLst>
-          </p:cNvPr>
+          <p:cNvPr id="2" name="Title 1"/>
           <p:cNvSpPr>
             <a:spLocks noGrp="1"/>
           </p:cNvSpPr>
@@ -775,18 +3510,13 @@
               <a:rPr lang="en-US"/>
               <a:t>Click to edit Master title style</a:t>
             </a:r>
-          </a:p>
-        </p:txBody>
-      </p:sp>
-      <p:sp>
-        <p:nvSpPr>
-          <p:cNvPr id="3" name="Content Placeholder 2">
-            <a:extLst>
-              <a:ext uri="{FF2B5EF4-FFF2-40B4-BE49-F238E27FC236}">
-                <a16:creationId xmlns:a16="http://schemas.microsoft.com/office/drawing/2014/main" id="{5885D1D9-659B-4D85-AFDD-762ACFD930A6}"/>
-              </a:ext>
-            </a:extLst>
-          </p:cNvPr>
+            <a:endParaRPr lang="en-US" dirty="0"/>
+          </a:p>
+        </p:txBody>
+      </p:sp>
+      <p:sp>
+        <p:nvSpPr>
+          <p:cNvPr id="3" name="Content Placeholder 2"/>
           <p:cNvSpPr>
             <a:spLocks noGrp="1"/>
           </p:cNvSpPr>
@@ -832,18 +3562,13 @@
               <a:rPr lang="en-US"/>
               <a:t>Fifth level</a:t>
             </a:r>
-          </a:p>
-        </p:txBody>
-      </p:sp>
-      <p:sp>
-        <p:nvSpPr>
-          <p:cNvPr id="4" name="Date Placeholder 3">
-            <a:extLst>
-              <a:ext uri="{FF2B5EF4-FFF2-40B4-BE49-F238E27FC236}">
-                <a16:creationId xmlns:a16="http://schemas.microsoft.com/office/drawing/2014/main" id="{722705FF-E06B-43F0-8E6F-787069673BDB}"/>
-              </a:ext>
-            </a:extLst>
-          </p:cNvPr>
+            <a:endParaRPr lang="en-US" dirty="0"/>
+          </a:p>
+        </p:txBody>
+      </p:sp>
+      <p:sp>
+        <p:nvSpPr>
+          <p:cNvPr id="4" name="Date Placeholder 3"/>
           <p:cNvSpPr>
             <a:spLocks noGrp="1"/>
           </p:cNvSpPr>
@@ -858,7 +3583,7 @@
           <a:p>
             <a:fld id="{5A1058CF-9FFF-4C3D-A099-2D870F24D597}" type="datetimeFigureOut">
               <a:rPr lang="en-US" smtClean="0"/>
-              <a:t>2/11/2021</a:t>
+              <a:t>1/24/2022</a:t>
             </a:fld>
             <a:endParaRPr lang="en-US"/>
           </a:p>
@@ -866,13 +3591,7 @@
       </p:sp>
       <p:sp>
         <p:nvSpPr>
-          <p:cNvPr id="5" name="Footer Placeholder 4">
-            <a:extLst>
-              <a:ext uri="{FF2B5EF4-FFF2-40B4-BE49-F238E27FC236}">
-                <a16:creationId xmlns:a16="http://schemas.microsoft.com/office/drawing/2014/main" id="{7968A609-8723-4023-92B8-8C8042890586}"/>
-              </a:ext>
-            </a:extLst>
-          </p:cNvPr>
+          <p:cNvPr id="5" name="Footer Placeholder 4"/>
           <p:cNvSpPr>
             <a:spLocks noGrp="1"/>
           </p:cNvSpPr>
@@ -891,13 +3610,7 @@
       </p:sp>
       <p:sp>
         <p:nvSpPr>
-          <p:cNvPr id="6" name="Slide Number Placeholder 5">
-            <a:extLst>
-              <a:ext uri="{FF2B5EF4-FFF2-40B4-BE49-F238E27FC236}">
-                <a16:creationId xmlns:a16="http://schemas.microsoft.com/office/drawing/2014/main" id="{88DFF619-518B-4B0A-BC65-529DB3E25D43}"/>
-              </a:ext>
-            </a:extLst>
-          </p:cNvPr>
+          <p:cNvPr id="6" name="Slide Number Placeholder 5"/>
           <p:cNvSpPr>
             <a:spLocks noGrp="1"/>
           </p:cNvSpPr>
@@ -921,7 +3634,7 @@
     </p:spTree>
     <p:extLst>
       <p:ext uri="{BB962C8B-B14F-4D97-AF65-F5344CB8AC3E}">
-        <p14:creationId xmlns:p14="http://schemas.microsoft.com/office/powerpoint/2010/main" val="230188102"/>
+        <p14:creationId xmlns:p14="http://schemas.microsoft.com/office/powerpoint/2010/main" val="1993064586"/>
       </p:ext>
     </p:extLst>
   </p:cSld>
@@ -950,13 +3663,7 @@
       </p:grpSpPr>
       <p:sp>
         <p:nvSpPr>
-          <p:cNvPr id="2" name="Title 1">
-            <a:extLst>
-              <a:ext uri="{FF2B5EF4-FFF2-40B4-BE49-F238E27FC236}">
-                <a16:creationId xmlns:a16="http://schemas.microsoft.com/office/drawing/2014/main" id="{55D836C7-D702-49EF-9CB4-64EAFB1EF26E}"/>
-              </a:ext>
-            </a:extLst>
-          </p:cNvPr>
+          <p:cNvPr id="2" name="Title 1"/>
           <p:cNvSpPr>
             <a:spLocks noGrp="1"/>
           </p:cNvSpPr>
@@ -966,15 +3673,15 @@
         </p:nvSpPr>
         <p:spPr>
           <a:xfrm>
-            <a:off x="831850" y="1709738"/>
-            <a:ext cx="10515600" cy="2852737"/>
+            <a:off x="1497330" y="2507617"/>
+            <a:ext cx="18928080" cy="4184014"/>
           </a:xfrm>
         </p:spPr>
         <p:txBody>
           <a:bodyPr anchor="b"/>
           <a:lstStyle>
             <a:lvl1pPr>
-              <a:defRPr sz="6000"/>
+              <a:defRPr sz="8800"/>
             </a:lvl1pPr>
           </a:lstStyle>
           <a:p>
@@ -982,18 +3689,13 @@
               <a:rPr lang="en-US"/>
               <a:t>Click to edit Master title style</a:t>
             </a:r>
-          </a:p>
-        </p:txBody>
-      </p:sp>
-      <p:sp>
-        <p:nvSpPr>
-          <p:cNvPr id="3" name="Text Placeholder 2">
-            <a:extLst>
-              <a:ext uri="{FF2B5EF4-FFF2-40B4-BE49-F238E27FC236}">
-                <a16:creationId xmlns:a16="http://schemas.microsoft.com/office/drawing/2014/main" id="{DDD09216-96E6-4EB5-BC05-67697DB074E7}"/>
-              </a:ext>
-            </a:extLst>
-          </p:cNvPr>
+            <a:endParaRPr lang="en-US" dirty="0"/>
+          </a:p>
+        </p:txBody>
+      </p:sp>
+      <p:sp>
+        <p:nvSpPr>
+          <p:cNvPr id="3" name="Text Placeholder 2"/>
           <p:cNvSpPr>
             <a:spLocks noGrp="1"/>
           </p:cNvSpPr>
@@ -1003,8 +3705,8 @@
         </p:nvSpPr>
         <p:spPr>
           <a:xfrm>
-            <a:off x="831850" y="4589463"/>
-            <a:ext cx="10515600" cy="1500187"/>
+            <a:off x="1497330" y="6731213"/>
+            <a:ext cx="18928080" cy="2200274"/>
           </a:xfrm>
         </p:spPr>
         <p:txBody>
@@ -1012,7 +3714,7 @@
           <a:lstStyle>
             <a:lvl1pPr marL="0" indent="0">
               <a:buNone/>
-              <a:defRPr sz="2400">
+              <a:defRPr sz="3520">
                 <a:solidFill>
                   <a:schemeClr val="tx1">
                     <a:tint val="75000"/>
@@ -1020,9 +3722,9 @@
                 </a:solidFill>
               </a:defRPr>
             </a:lvl1pPr>
-            <a:lvl2pPr marL="457200" indent="0">
+            <a:lvl2pPr marL="670575" indent="0">
               <a:buNone/>
-              <a:defRPr sz="2000">
+              <a:defRPr sz="2933">
                 <a:solidFill>
                   <a:schemeClr val="tx1">
                     <a:tint val="75000"/>
@@ -1030,9 +3732,9 @@
                 </a:solidFill>
               </a:defRPr>
             </a:lvl2pPr>
-            <a:lvl3pPr marL="914400" indent="0">
+            <a:lvl3pPr marL="1341150" indent="0">
               <a:buNone/>
-              <a:defRPr sz="1800">
+              <a:defRPr sz="2640">
                 <a:solidFill>
                   <a:schemeClr val="tx1">
                     <a:tint val="75000"/>
@@ -1040,9 +3742,9 @@
                 </a:solidFill>
               </a:defRPr>
             </a:lvl3pPr>
-            <a:lvl4pPr marL="1371600" indent="0">
+            <a:lvl4pPr marL="2011726" indent="0">
               <a:buNone/>
-              <a:defRPr sz="1600">
+              <a:defRPr sz="2347">
                 <a:solidFill>
                   <a:schemeClr val="tx1">
                     <a:tint val="75000"/>
@@ -1050,9 +3752,9 @@
                 </a:solidFill>
               </a:defRPr>
             </a:lvl4pPr>
-            <a:lvl5pPr marL="1828800" indent="0">
+            <a:lvl5pPr marL="2682301" indent="0">
               <a:buNone/>
-              <a:defRPr sz="1600">
+              <a:defRPr sz="2347">
                 <a:solidFill>
                   <a:schemeClr val="tx1">
                     <a:tint val="75000"/>
@@ -1060,9 +3762,9 @@
                 </a:solidFill>
               </a:defRPr>
             </a:lvl5pPr>
-            <a:lvl6pPr marL="2286000" indent="0">
+            <a:lvl6pPr marL="3352876" indent="0">
               <a:buNone/>
-              <a:defRPr sz="1600">
+              <a:defRPr sz="2347">
                 <a:solidFill>
                   <a:schemeClr val="tx1">
                     <a:tint val="75000"/>
@@ -1070,9 +3772,9 @@
                 </a:solidFill>
               </a:defRPr>
             </a:lvl6pPr>
-            <a:lvl7pPr marL="2743200" indent="0">
+            <a:lvl7pPr marL="4023451" indent="0">
               <a:buNone/>
-              <a:defRPr sz="1600">
+              <a:defRPr sz="2347">
                 <a:solidFill>
                   <a:schemeClr val="tx1">
                     <a:tint val="75000"/>
@@ -1080,9 +3782,9 @@
                 </a:solidFill>
               </a:defRPr>
             </a:lvl7pPr>
-            <a:lvl8pPr marL="3200400" indent="0">
+            <a:lvl8pPr marL="4694027" indent="0">
               <a:buNone/>
-              <a:defRPr sz="1600">
+              <a:defRPr sz="2347">
                 <a:solidFill>
                   <a:schemeClr val="tx1">
                     <a:tint val="75000"/>
@@ -1090,9 +3792,9 @@
                 </a:solidFill>
               </a:defRPr>
             </a:lvl8pPr>
-            <a:lvl9pPr marL="3657600" indent="0">
+            <a:lvl9pPr marL="5364602" indent="0">
               <a:buNone/>
-              <a:defRPr sz="1600">
+              <a:defRPr sz="2347">
                 <a:solidFill>
                   <a:schemeClr val="tx1">
                     <a:tint val="75000"/>
@@ -1112,13 +3814,7 @@
       </p:sp>
       <p:sp>
         <p:nvSpPr>
-          <p:cNvPr id="4" name="Date Placeholder 3">
-            <a:extLst>
-              <a:ext uri="{FF2B5EF4-FFF2-40B4-BE49-F238E27FC236}">
-                <a16:creationId xmlns:a16="http://schemas.microsoft.com/office/drawing/2014/main" id="{8C1FB0F0-A235-4D56-AF98-B92669D85B90}"/>
-              </a:ext>
-            </a:extLst>
-          </p:cNvPr>
+          <p:cNvPr id="4" name="Date Placeholder 3"/>
           <p:cNvSpPr>
             <a:spLocks noGrp="1"/>
           </p:cNvSpPr>
@@ -1133,7 +3829,7 @@
           <a:p>
             <a:fld id="{5A1058CF-9FFF-4C3D-A099-2D870F24D597}" type="datetimeFigureOut">
               <a:rPr lang="en-US" smtClean="0"/>
-              <a:t>2/11/2021</a:t>
+              <a:t>1/24/2022</a:t>
             </a:fld>
             <a:endParaRPr lang="en-US"/>
           </a:p>
@@ -1141,13 +3837,7 @@
       </p:sp>
       <p:sp>
         <p:nvSpPr>
-          <p:cNvPr id="5" name="Footer Placeholder 4">
-            <a:extLst>
-              <a:ext uri="{FF2B5EF4-FFF2-40B4-BE49-F238E27FC236}">
-                <a16:creationId xmlns:a16="http://schemas.microsoft.com/office/drawing/2014/main" id="{2C720704-4FCC-43F2-814B-A4158803F77C}"/>
-              </a:ext>
-            </a:extLst>
-          </p:cNvPr>
+          <p:cNvPr id="5" name="Footer Placeholder 4"/>
           <p:cNvSpPr>
             <a:spLocks noGrp="1"/>
           </p:cNvSpPr>
@@ -1166,13 +3856,7 @@
       </p:sp>
       <p:sp>
         <p:nvSpPr>
-          <p:cNvPr id="6" name="Slide Number Placeholder 5">
-            <a:extLst>
-              <a:ext uri="{FF2B5EF4-FFF2-40B4-BE49-F238E27FC236}">
-                <a16:creationId xmlns:a16="http://schemas.microsoft.com/office/drawing/2014/main" id="{11A6BFA7-33B3-45EF-A547-D3C8181FAF6C}"/>
-              </a:ext>
-            </a:extLst>
-          </p:cNvPr>
+          <p:cNvPr id="6" name="Slide Number Placeholder 5"/>
           <p:cNvSpPr>
             <a:spLocks noGrp="1"/>
           </p:cNvSpPr>
@@ -1196,7 +3880,7 @@
     </p:spTree>
     <p:extLst>
       <p:ext uri="{BB962C8B-B14F-4D97-AF65-F5344CB8AC3E}">
-        <p14:creationId xmlns:p14="http://schemas.microsoft.com/office/powerpoint/2010/main" val="3438426750"/>
+        <p14:creationId xmlns:p14="http://schemas.microsoft.com/office/powerpoint/2010/main" val="1925513238"/>
       </p:ext>
     </p:extLst>
   </p:cSld>
@@ -1225,13 +3909,7 @@
       </p:grpSpPr>
       <p:sp>
         <p:nvSpPr>
-          <p:cNvPr id="2" name="Title 1">
-            <a:extLst>
-              <a:ext uri="{FF2B5EF4-FFF2-40B4-BE49-F238E27FC236}">
-                <a16:creationId xmlns:a16="http://schemas.microsoft.com/office/drawing/2014/main" id="{24BEA0D4-BB5E-4ADE-BB26-62A97D0E38B0}"/>
-              </a:ext>
-            </a:extLst>
-          </p:cNvPr>
+          <p:cNvPr id="2" name="Title 1"/>
           <p:cNvSpPr>
             <a:spLocks noGrp="1"/>
           </p:cNvSpPr>
@@ -1248,18 +3926,13 @@
               <a:rPr lang="en-US"/>
               <a:t>Click to edit Master title style</a:t>
             </a:r>
-          </a:p>
-        </p:txBody>
-      </p:sp>
-      <p:sp>
-        <p:nvSpPr>
-          <p:cNvPr id="3" name="Content Placeholder 2">
-            <a:extLst>
-              <a:ext uri="{FF2B5EF4-FFF2-40B4-BE49-F238E27FC236}">
-                <a16:creationId xmlns:a16="http://schemas.microsoft.com/office/drawing/2014/main" id="{EB30771D-0CC9-4094-B381-7760710E3F3B}"/>
-              </a:ext>
-            </a:extLst>
-          </p:cNvPr>
+            <a:endParaRPr lang="en-US" dirty="0"/>
+          </a:p>
+        </p:txBody>
+      </p:sp>
+      <p:sp>
+        <p:nvSpPr>
+          <p:cNvPr id="3" name="Content Placeholder 2"/>
           <p:cNvSpPr>
             <a:spLocks noGrp="1"/>
           </p:cNvSpPr>
@@ -1269,8 +3942,8 @@
         </p:nvSpPr>
         <p:spPr>
           <a:xfrm>
-            <a:off x="838200" y="1825625"/>
-            <a:ext cx="5181600" cy="4351338"/>
+            <a:off x="1508760" y="2677584"/>
+            <a:ext cx="9326880" cy="6381962"/>
           </a:xfrm>
         </p:spPr>
         <p:txBody>
@@ -1310,18 +3983,13 @@
               <a:rPr lang="en-US"/>
               <a:t>Fifth level</a:t>
             </a:r>
-          </a:p>
-        </p:txBody>
-      </p:sp>
-      <p:sp>
-        <p:nvSpPr>
-          <p:cNvPr id="4" name="Content Placeholder 3">
-            <a:extLst>
-              <a:ext uri="{FF2B5EF4-FFF2-40B4-BE49-F238E27FC236}">
-                <a16:creationId xmlns:a16="http://schemas.microsoft.com/office/drawing/2014/main" id="{71BB473F-2C11-48FF-A8DD-1843C2CA2C7F}"/>
-              </a:ext>
-            </a:extLst>
-          </p:cNvPr>
+            <a:endParaRPr lang="en-US" dirty="0"/>
+          </a:p>
+        </p:txBody>
+      </p:sp>
+      <p:sp>
+        <p:nvSpPr>
+          <p:cNvPr id="4" name="Content Placeholder 3"/>
           <p:cNvSpPr>
             <a:spLocks noGrp="1"/>
           </p:cNvSpPr>
@@ -1331,8 +3999,8 @@
         </p:nvSpPr>
         <p:spPr>
           <a:xfrm>
-            <a:off x="6172200" y="1825625"/>
-            <a:ext cx="5181600" cy="4351338"/>
+            <a:off x="11109960" y="2677584"/>
+            <a:ext cx="9326880" cy="6381962"/>
           </a:xfrm>
         </p:spPr>
         <p:txBody>
@@ -1372,18 +4040,13 @@
               <a:rPr lang="en-US"/>
               <a:t>Fifth level</a:t>
             </a:r>
-          </a:p>
-        </p:txBody>
-      </p:sp>
-      <p:sp>
-        <p:nvSpPr>
-          <p:cNvPr id="5" name="Date Placeholder 4">
-            <a:extLst>
-              <a:ext uri="{FF2B5EF4-FFF2-40B4-BE49-F238E27FC236}">
-                <a16:creationId xmlns:a16="http://schemas.microsoft.com/office/drawing/2014/main" id="{84668362-D931-4E94-9E03-9A53D01B3F6E}"/>
-              </a:ext>
-            </a:extLst>
-          </p:cNvPr>
+            <a:endParaRPr lang="en-US" dirty="0"/>
+          </a:p>
+        </p:txBody>
+      </p:sp>
+      <p:sp>
+        <p:nvSpPr>
+          <p:cNvPr id="5" name="Date Placeholder 4"/>
           <p:cNvSpPr>
             <a:spLocks noGrp="1"/>
           </p:cNvSpPr>
@@ -1398,7 +4061,7 @@
           <a:p>
             <a:fld id="{5A1058CF-9FFF-4C3D-A099-2D870F24D597}" type="datetimeFigureOut">
               <a:rPr lang="en-US" smtClean="0"/>
-              <a:t>2/11/2021</a:t>
+              <a:t>1/24/2022</a:t>
             </a:fld>
             <a:endParaRPr lang="en-US"/>
           </a:p>
@@ -1406,13 +4069,7 @@
       </p:sp>
       <p:sp>
         <p:nvSpPr>
-          <p:cNvPr id="6" name="Footer Placeholder 5">
-            <a:extLst>
-              <a:ext uri="{FF2B5EF4-FFF2-40B4-BE49-F238E27FC236}">
-                <a16:creationId xmlns:a16="http://schemas.microsoft.com/office/drawing/2014/main" id="{4A0E831C-B192-4E7E-A8E0-60D0043C29D8}"/>
-              </a:ext>
-            </a:extLst>
-          </p:cNvPr>
+          <p:cNvPr id="6" name="Footer Placeholder 5"/>
           <p:cNvSpPr>
             <a:spLocks noGrp="1"/>
           </p:cNvSpPr>
@@ -1431,13 +4088,7 @@
       </p:sp>
       <p:sp>
         <p:nvSpPr>
-          <p:cNvPr id="7" name="Slide Number Placeholder 6">
-            <a:extLst>
-              <a:ext uri="{FF2B5EF4-FFF2-40B4-BE49-F238E27FC236}">
-                <a16:creationId xmlns:a16="http://schemas.microsoft.com/office/drawing/2014/main" id="{667B0A34-96F2-4475-BA1F-6ADFD2B60411}"/>
-              </a:ext>
-            </a:extLst>
-          </p:cNvPr>
+          <p:cNvPr id="7" name="Slide Number Placeholder 6"/>
           <p:cNvSpPr>
             <a:spLocks noGrp="1"/>
           </p:cNvSpPr>
@@ -1461,7 +4112,7 @@
     </p:spTree>
     <p:extLst>
       <p:ext uri="{BB962C8B-B14F-4D97-AF65-F5344CB8AC3E}">
-        <p14:creationId xmlns:p14="http://schemas.microsoft.com/office/powerpoint/2010/main" val="4220400345"/>
+        <p14:creationId xmlns:p14="http://schemas.microsoft.com/office/powerpoint/2010/main" val="2849709727"/>
       </p:ext>
     </p:extLst>
   </p:cSld>
@@ -1490,13 +4141,7 @@
       </p:grpSpPr>
       <p:sp>
         <p:nvSpPr>
-          <p:cNvPr id="2" name="Title 1">
-            <a:extLst>
-              <a:ext uri="{FF2B5EF4-FFF2-40B4-BE49-F238E27FC236}">
-                <a16:creationId xmlns:a16="http://schemas.microsoft.com/office/drawing/2014/main" id="{F0DBBCE5-83B5-480F-B191-D13B2F8A38C2}"/>
-              </a:ext>
-            </a:extLst>
-          </p:cNvPr>
+          <p:cNvPr id="2" name="Title 1"/>
           <p:cNvSpPr>
             <a:spLocks noGrp="1"/>
           </p:cNvSpPr>
@@ -1506,8 +4151,8 @@
         </p:nvSpPr>
         <p:spPr>
           <a:xfrm>
-            <a:off x="839788" y="365125"/>
-            <a:ext cx="10515600" cy="1325563"/>
+            <a:off x="1511618" y="535517"/>
+            <a:ext cx="18928080" cy="1944159"/>
           </a:xfrm>
         </p:spPr>
         <p:txBody>
@@ -1518,18 +4163,13 @@
               <a:rPr lang="en-US"/>
               <a:t>Click to edit Master title style</a:t>
             </a:r>
-          </a:p>
-        </p:txBody>
-      </p:sp>
-      <p:sp>
-        <p:nvSpPr>
-          <p:cNvPr id="3" name="Text Placeholder 2">
-            <a:extLst>
-              <a:ext uri="{FF2B5EF4-FFF2-40B4-BE49-F238E27FC236}">
-                <a16:creationId xmlns:a16="http://schemas.microsoft.com/office/drawing/2014/main" id="{7EA15638-2318-4F34-B1F9-B456318D9FD8}"/>
-              </a:ext>
-            </a:extLst>
-          </p:cNvPr>
+            <a:endParaRPr lang="en-US" dirty="0"/>
+          </a:p>
+        </p:txBody>
+      </p:sp>
+      <p:sp>
+        <p:nvSpPr>
+          <p:cNvPr id="3" name="Text Placeholder 2"/>
           <p:cNvSpPr>
             <a:spLocks noGrp="1"/>
           </p:cNvSpPr>
@@ -1539,8 +4179,8 @@
         </p:nvSpPr>
         <p:spPr>
           <a:xfrm>
-            <a:off x="839788" y="1681163"/>
-            <a:ext cx="5157787" cy="823912"/>
+            <a:off x="1511619" y="2465706"/>
+            <a:ext cx="9284017" cy="1208404"/>
           </a:xfrm>
         </p:spPr>
         <p:txBody>
@@ -1548,39 +4188,39 @@
           <a:lstStyle>
             <a:lvl1pPr marL="0" indent="0">
               <a:buNone/>
-              <a:defRPr sz="2400" b="1"/>
+              <a:defRPr sz="3520" b="1"/>
             </a:lvl1pPr>
-            <a:lvl2pPr marL="457200" indent="0">
+            <a:lvl2pPr marL="670575" indent="0">
               <a:buNone/>
-              <a:defRPr sz="2000" b="1"/>
+              <a:defRPr sz="2933" b="1"/>
             </a:lvl2pPr>
-            <a:lvl3pPr marL="914400" indent="0">
+            <a:lvl3pPr marL="1341150" indent="0">
               <a:buNone/>
-              <a:defRPr sz="1800" b="1"/>
+              <a:defRPr sz="2640" b="1"/>
             </a:lvl3pPr>
-            <a:lvl4pPr marL="1371600" indent="0">
+            <a:lvl4pPr marL="2011726" indent="0">
               <a:buNone/>
-              <a:defRPr sz="1600" b="1"/>
+              <a:defRPr sz="2347" b="1"/>
             </a:lvl4pPr>
-            <a:lvl5pPr marL="1828800" indent="0">
+            <a:lvl5pPr marL="2682301" indent="0">
               <a:buNone/>
-              <a:defRPr sz="1600" b="1"/>
+              <a:defRPr sz="2347" b="1"/>
             </a:lvl5pPr>
-            <a:lvl6pPr marL="2286000" indent="0">
+            <a:lvl6pPr marL="3352876" indent="0">
               <a:buNone/>
-              <a:defRPr sz="1600" b="1"/>
+              <a:defRPr sz="2347" b="1"/>
             </a:lvl6pPr>
-            <a:lvl7pPr marL="2743200" indent="0">
+            <a:lvl7pPr marL="4023451" indent="0">
               <a:buNone/>
-              <a:defRPr sz="1600" b="1"/>
+              <a:defRPr sz="2347" b="1"/>
             </a:lvl7pPr>
-            <a:lvl8pPr marL="3200400" indent="0">
+            <a:lvl8pPr marL="4694027" indent="0">
               <a:buNone/>
-              <a:defRPr sz="1600" b="1"/>
+              <a:defRPr sz="2347" b="1"/>
             </a:lvl8pPr>
-            <a:lvl9pPr marL="3657600" indent="0">
+            <a:lvl9pPr marL="5364602" indent="0">
               <a:buNone/>
-              <a:defRPr sz="1600" b="1"/>
+              <a:defRPr sz="2347" b="1"/>
             </a:lvl9pPr>
           </a:lstStyle>
           <a:p>
@@ -1594,13 +4234,7 @@
       </p:sp>
       <p:sp>
         <p:nvSpPr>
-          <p:cNvPr id="4" name="Content Placeholder 3">
-            <a:extLst>
-              <a:ext uri="{FF2B5EF4-FFF2-40B4-BE49-F238E27FC236}">
-                <a16:creationId xmlns:a16="http://schemas.microsoft.com/office/drawing/2014/main" id="{C5B17F04-3339-49CD-A8FF-7B22CD29CD91}"/>
-              </a:ext>
-            </a:extLst>
-          </p:cNvPr>
+          <p:cNvPr id="4" name="Content Placeholder 3"/>
           <p:cNvSpPr>
             <a:spLocks noGrp="1"/>
           </p:cNvSpPr>
@@ -1610,8 +4244,8 @@
         </p:nvSpPr>
         <p:spPr>
           <a:xfrm>
-            <a:off x="839788" y="2505075"/>
-            <a:ext cx="5157787" cy="3684588"/>
+            <a:off x="1511619" y="3674110"/>
+            <a:ext cx="9284017" cy="5404062"/>
           </a:xfrm>
         </p:spPr>
         <p:txBody>
@@ -1651,18 +4285,13 @@
               <a:rPr lang="en-US"/>
               <a:t>Fifth level</a:t>
             </a:r>
-          </a:p>
-        </p:txBody>
-      </p:sp>
-      <p:sp>
-        <p:nvSpPr>
-          <p:cNvPr id="5" name="Text Placeholder 4">
-            <a:extLst>
-              <a:ext uri="{FF2B5EF4-FFF2-40B4-BE49-F238E27FC236}">
-                <a16:creationId xmlns:a16="http://schemas.microsoft.com/office/drawing/2014/main" id="{FCFCE945-D3C6-4FB5-8ED7-544FFB57A710}"/>
-              </a:ext>
-            </a:extLst>
-          </p:cNvPr>
+            <a:endParaRPr lang="en-US" dirty="0"/>
+          </a:p>
+        </p:txBody>
+      </p:sp>
+      <p:sp>
+        <p:nvSpPr>
+          <p:cNvPr id="5" name="Text Placeholder 4"/>
           <p:cNvSpPr>
             <a:spLocks noGrp="1"/>
           </p:cNvSpPr>
@@ -1672,8 +4301,8 @@
         </p:nvSpPr>
         <p:spPr>
           <a:xfrm>
-            <a:off x="6172200" y="1681163"/>
-            <a:ext cx="5183188" cy="823912"/>
+            <a:off x="11109960" y="2465706"/>
+            <a:ext cx="9329738" cy="1208404"/>
           </a:xfrm>
         </p:spPr>
         <p:txBody>
@@ -1681,39 +4310,39 @@
           <a:lstStyle>
             <a:lvl1pPr marL="0" indent="0">
               <a:buNone/>
-              <a:defRPr sz="2400" b="1"/>
+              <a:defRPr sz="3520" b="1"/>
             </a:lvl1pPr>
-            <a:lvl2pPr marL="457200" indent="0">
+            <a:lvl2pPr marL="670575" indent="0">
               <a:buNone/>
-              <a:defRPr sz="2000" b="1"/>
+              <a:defRPr sz="2933" b="1"/>
             </a:lvl2pPr>
-            <a:lvl3pPr marL="914400" indent="0">
+            <a:lvl3pPr marL="1341150" indent="0">
               <a:buNone/>
-              <a:defRPr sz="1800" b="1"/>
+              <a:defRPr sz="2640" b="1"/>
             </a:lvl3pPr>
-            <a:lvl4pPr marL="1371600" indent="0">
+            <a:lvl4pPr marL="2011726" indent="0">
               <a:buNone/>
-              <a:defRPr sz="1600" b="1"/>
+              <a:defRPr sz="2347" b="1"/>
             </a:lvl4pPr>
-            <a:lvl5pPr marL="1828800" indent="0">
+            <a:lvl5pPr marL="2682301" indent="0">
               <a:buNone/>
-              <a:defRPr sz="1600" b="1"/>
+              <a:defRPr sz="2347" b="1"/>
             </a:lvl5pPr>
-            <a:lvl6pPr marL="2286000" indent="0">
+            <a:lvl6pPr marL="3352876" indent="0">
               <a:buNone/>
-              <a:defRPr sz="1600" b="1"/>
+              <a:defRPr sz="2347" b="1"/>
             </a:lvl6pPr>
-            <a:lvl7pPr marL="2743200" indent="0">
+            <a:lvl7pPr marL="4023451" indent="0">
               <a:buNone/>
-              <a:defRPr sz="1600" b="1"/>
+              <a:defRPr sz="2347" b="1"/>
             </a:lvl7pPr>
-            <a:lvl8pPr marL="3200400" indent="0">
+            <a:lvl8pPr marL="4694027" indent="0">
               <a:buNone/>
-              <a:defRPr sz="1600" b="1"/>
+              <a:defRPr sz="2347" b="1"/>
             </a:lvl8pPr>
-            <a:lvl9pPr marL="3657600" indent="0">
+            <a:lvl9pPr marL="5364602" indent="0">
               <a:buNone/>
-              <a:defRPr sz="1600" b="1"/>
+              <a:defRPr sz="2347" b="1"/>
             </a:lvl9pPr>
           </a:lstStyle>
           <a:p>
@@ -1727,13 +4356,7 @@
       </p:sp>
       <p:sp>
         <p:nvSpPr>
-          <p:cNvPr id="6" name="Content Placeholder 5">
-            <a:extLst>
-              <a:ext uri="{FF2B5EF4-FFF2-40B4-BE49-F238E27FC236}">
-                <a16:creationId xmlns:a16="http://schemas.microsoft.com/office/drawing/2014/main" id="{4A59D81B-0A5D-45A5-B7CA-CD3522B4FBF2}"/>
-              </a:ext>
-            </a:extLst>
-          </p:cNvPr>
+          <p:cNvPr id="6" name="Content Placeholder 5"/>
           <p:cNvSpPr>
             <a:spLocks noGrp="1"/>
           </p:cNvSpPr>
@@ -1743,8 +4366,8 @@
         </p:nvSpPr>
         <p:spPr>
           <a:xfrm>
-            <a:off x="6172200" y="2505075"/>
-            <a:ext cx="5183188" cy="3684588"/>
+            <a:off x="11109960" y="3674110"/>
+            <a:ext cx="9329738" cy="5404062"/>
           </a:xfrm>
         </p:spPr>
         <p:txBody>
@@ -1784,18 +4407,13 @@
               <a:rPr lang="en-US"/>
               <a:t>Fifth level</a:t>
             </a:r>
-          </a:p>
-        </p:txBody>
-      </p:sp>
-      <p:sp>
-        <p:nvSpPr>
-          <p:cNvPr id="7" name="Date Placeholder 6">
-            <a:extLst>
-              <a:ext uri="{FF2B5EF4-FFF2-40B4-BE49-F238E27FC236}">
-                <a16:creationId xmlns:a16="http://schemas.microsoft.com/office/drawing/2014/main" id="{5AD11735-93A4-4E65-9980-24E9A2F9DC48}"/>
-              </a:ext>
-            </a:extLst>
-          </p:cNvPr>
+            <a:endParaRPr lang="en-US" dirty="0"/>
+          </a:p>
+        </p:txBody>
+      </p:sp>
+      <p:sp>
+        <p:nvSpPr>
+          <p:cNvPr id="7" name="Date Placeholder 6"/>
           <p:cNvSpPr>
             <a:spLocks noGrp="1"/>
           </p:cNvSpPr>
@@ -1810,7 +4428,7 @@
           <a:p>
             <a:fld id="{5A1058CF-9FFF-4C3D-A099-2D870F24D597}" type="datetimeFigureOut">
               <a:rPr lang="en-US" smtClean="0"/>
-              <a:t>2/11/2021</a:t>
+              <a:t>1/24/2022</a:t>
             </a:fld>
             <a:endParaRPr lang="en-US"/>
           </a:p>
@@ -1818,13 +4436,7 @@
       </p:sp>
       <p:sp>
         <p:nvSpPr>
-          <p:cNvPr id="8" name="Footer Placeholder 7">
-            <a:extLst>
-              <a:ext uri="{FF2B5EF4-FFF2-40B4-BE49-F238E27FC236}">
-                <a16:creationId xmlns:a16="http://schemas.microsoft.com/office/drawing/2014/main" id="{B816AC23-F617-470D-8BCC-AF65C9188145}"/>
-              </a:ext>
-            </a:extLst>
-          </p:cNvPr>
+          <p:cNvPr id="8" name="Footer Placeholder 7"/>
           <p:cNvSpPr>
             <a:spLocks noGrp="1"/>
           </p:cNvSpPr>
@@ -1843,13 +4455,7 @@
       </p:sp>
       <p:sp>
         <p:nvSpPr>
-          <p:cNvPr id="9" name="Slide Number Placeholder 8">
-            <a:extLst>
-              <a:ext uri="{FF2B5EF4-FFF2-40B4-BE49-F238E27FC236}">
-                <a16:creationId xmlns:a16="http://schemas.microsoft.com/office/drawing/2014/main" id="{4B3374C0-7195-4AC7-A1F7-95191F3FE7F7}"/>
-              </a:ext>
-            </a:extLst>
-          </p:cNvPr>
+          <p:cNvPr id="9" name="Slide Number Placeholder 8"/>
           <p:cNvSpPr>
             <a:spLocks noGrp="1"/>
           </p:cNvSpPr>
@@ -1873,7 +4479,7 @@
     </p:spTree>
     <p:extLst>
       <p:ext uri="{BB962C8B-B14F-4D97-AF65-F5344CB8AC3E}">
-        <p14:creationId xmlns:p14="http://schemas.microsoft.com/office/powerpoint/2010/main" val="808920914"/>
+        <p14:creationId xmlns:p14="http://schemas.microsoft.com/office/powerpoint/2010/main" val="2155206678"/>
       </p:ext>
     </p:extLst>
   </p:cSld>
@@ -1902,13 +4508,7 @@
       </p:grpSpPr>
       <p:sp>
         <p:nvSpPr>
-          <p:cNvPr id="2" name="Title 1">
-            <a:extLst>
-              <a:ext uri="{FF2B5EF4-FFF2-40B4-BE49-F238E27FC236}">
-                <a16:creationId xmlns:a16="http://schemas.microsoft.com/office/drawing/2014/main" id="{00439851-A211-45AE-9A6B-4AF1189AE72E}"/>
-              </a:ext>
-            </a:extLst>
-          </p:cNvPr>
+          <p:cNvPr id="2" name="Title 1"/>
           <p:cNvSpPr>
             <a:spLocks noGrp="1"/>
           </p:cNvSpPr>
@@ -1925,18 +4525,13 @@
               <a:rPr lang="en-US"/>
               <a:t>Click to edit Master title style</a:t>
             </a:r>
-          </a:p>
-        </p:txBody>
-      </p:sp>
-      <p:sp>
-        <p:nvSpPr>
-          <p:cNvPr id="3" name="Date Placeholder 2">
-            <a:extLst>
-              <a:ext uri="{FF2B5EF4-FFF2-40B4-BE49-F238E27FC236}">
-                <a16:creationId xmlns:a16="http://schemas.microsoft.com/office/drawing/2014/main" id="{E11D37ED-530F-475B-A66F-C00C35077CBE}"/>
-              </a:ext>
-            </a:extLst>
-          </p:cNvPr>
+            <a:endParaRPr lang="en-US" dirty="0"/>
+          </a:p>
+        </p:txBody>
+      </p:sp>
+      <p:sp>
+        <p:nvSpPr>
+          <p:cNvPr id="3" name="Date Placeholder 2"/>
           <p:cNvSpPr>
             <a:spLocks noGrp="1"/>
           </p:cNvSpPr>
@@ -1951,7 +4546,7 @@
           <a:p>
             <a:fld id="{5A1058CF-9FFF-4C3D-A099-2D870F24D597}" type="datetimeFigureOut">
               <a:rPr lang="en-US" smtClean="0"/>
-              <a:t>2/11/2021</a:t>
+              <a:t>1/24/2022</a:t>
             </a:fld>
             <a:endParaRPr lang="en-US"/>
           </a:p>
@@ -1959,13 +4554,7 @@
       </p:sp>
       <p:sp>
         <p:nvSpPr>
-          <p:cNvPr id="4" name="Footer Placeholder 3">
-            <a:extLst>
-              <a:ext uri="{FF2B5EF4-FFF2-40B4-BE49-F238E27FC236}">
-                <a16:creationId xmlns:a16="http://schemas.microsoft.com/office/drawing/2014/main" id="{17CC26D4-C5F3-4788-AE0D-CD13720A90FD}"/>
-              </a:ext>
-            </a:extLst>
-          </p:cNvPr>
+          <p:cNvPr id="4" name="Footer Placeholder 3"/>
           <p:cNvSpPr>
             <a:spLocks noGrp="1"/>
           </p:cNvSpPr>
@@ -1984,13 +4573,7 @@
       </p:sp>
       <p:sp>
         <p:nvSpPr>
-          <p:cNvPr id="5" name="Slide Number Placeholder 4">
-            <a:extLst>
-              <a:ext uri="{FF2B5EF4-FFF2-40B4-BE49-F238E27FC236}">
-                <a16:creationId xmlns:a16="http://schemas.microsoft.com/office/drawing/2014/main" id="{33F8B5F3-57CF-442B-8645-5FE571E4494E}"/>
-              </a:ext>
-            </a:extLst>
-          </p:cNvPr>
+          <p:cNvPr id="5" name="Slide Number Placeholder 4"/>
           <p:cNvSpPr>
             <a:spLocks noGrp="1"/>
           </p:cNvSpPr>
@@ -2014,7 +4597,7 @@
     </p:spTree>
     <p:extLst>
       <p:ext uri="{BB962C8B-B14F-4D97-AF65-F5344CB8AC3E}">
-        <p14:creationId xmlns:p14="http://schemas.microsoft.com/office/powerpoint/2010/main" val="1949175159"/>
+        <p14:creationId xmlns:p14="http://schemas.microsoft.com/office/powerpoint/2010/main" val="3377538838"/>
       </p:ext>
     </p:extLst>
   </p:cSld>
@@ -2043,13 +4626,7 @@
       </p:grpSpPr>
       <p:sp>
         <p:nvSpPr>
-          <p:cNvPr id="2" name="Date Placeholder 1">
-            <a:extLst>
-              <a:ext uri="{FF2B5EF4-FFF2-40B4-BE49-F238E27FC236}">
-                <a16:creationId xmlns:a16="http://schemas.microsoft.com/office/drawing/2014/main" id="{7C08F661-92E8-4A87-AAB5-D3D377771C76}"/>
-              </a:ext>
-            </a:extLst>
-          </p:cNvPr>
+          <p:cNvPr id="2" name="Date Placeholder 1"/>
           <p:cNvSpPr>
             <a:spLocks noGrp="1"/>
           </p:cNvSpPr>
@@ -2064,7 +4641,7 @@
           <a:p>
             <a:fld id="{5A1058CF-9FFF-4C3D-A099-2D870F24D597}" type="datetimeFigureOut">
               <a:rPr lang="en-US" smtClean="0"/>
-              <a:t>2/11/2021</a:t>
+              <a:t>1/24/2022</a:t>
             </a:fld>
             <a:endParaRPr lang="en-US"/>
           </a:p>
@@ -2072,13 +4649,7 @@
       </p:sp>
       <p:sp>
         <p:nvSpPr>
-          <p:cNvPr id="3" name="Footer Placeholder 2">
-            <a:extLst>
-              <a:ext uri="{FF2B5EF4-FFF2-40B4-BE49-F238E27FC236}">
-                <a16:creationId xmlns:a16="http://schemas.microsoft.com/office/drawing/2014/main" id="{6235DBD2-1425-46CE-AF45-56715A0A194E}"/>
-              </a:ext>
-            </a:extLst>
-          </p:cNvPr>
+          <p:cNvPr id="3" name="Footer Placeholder 2"/>
           <p:cNvSpPr>
             <a:spLocks noGrp="1"/>
           </p:cNvSpPr>
@@ -2097,13 +4668,7 @@
       </p:sp>
       <p:sp>
         <p:nvSpPr>
-          <p:cNvPr id="4" name="Slide Number Placeholder 3">
-            <a:extLst>
-              <a:ext uri="{FF2B5EF4-FFF2-40B4-BE49-F238E27FC236}">
-                <a16:creationId xmlns:a16="http://schemas.microsoft.com/office/drawing/2014/main" id="{41629172-8ADF-479A-8257-2B5D153FD3DE}"/>
-              </a:ext>
-            </a:extLst>
-          </p:cNvPr>
+          <p:cNvPr id="4" name="Slide Number Placeholder 3"/>
           <p:cNvSpPr>
             <a:spLocks noGrp="1"/>
           </p:cNvSpPr>
@@ -2127,7 +4692,7 @@
     </p:spTree>
     <p:extLst>
       <p:ext uri="{BB962C8B-B14F-4D97-AF65-F5344CB8AC3E}">
-        <p14:creationId xmlns:p14="http://schemas.microsoft.com/office/powerpoint/2010/main" val="2596678503"/>
+        <p14:creationId xmlns:p14="http://schemas.microsoft.com/office/powerpoint/2010/main" val="2194287603"/>
       </p:ext>
     </p:extLst>
   </p:cSld>
@@ -2156,13 +4721,7 @@
       </p:grpSpPr>
       <p:sp>
         <p:nvSpPr>
-          <p:cNvPr id="2" name="Title 1">
-            <a:extLst>
-              <a:ext uri="{FF2B5EF4-FFF2-40B4-BE49-F238E27FC236}">
-                <a16:creationId xmlns:a16="http://schemas.microsoft.com/office/drawing/2014/main" id="{78B229AF-2F1F-4E1D-B5D3-A58A5537B7F6}"/>
-              </a:ext>
-            </a:extLst>
-          </p:cNvPr>
+          <p:cNvPr id="2" name="Title 1"/>
           <p:cNvSpPr>
             <a:spLocks noGrp="1"/>
           </p:cNvSpPr>
@@ -2172,15 +4731,15 @@
         </p:nvSpPr>
         <p:spPr>
           <a:xfrm>
-            <a:off x="839788" y="457200"/>
-            <a:ext cx="3932237" cy="1600200"/>
+            <a:off x="1511619" y="670560"/>
+            <a:ext cx="7078027" cy="2346960"/>
           </a:xfrm>
         </p:spPr>
         <p:txBody>
           <a:bodyPr anchor="b"/>
           <a:lstStyle>
             <a:lvl1pPr>
-              <a:defRPr sz="3200"/>
+              <a:defRPr sz="4693"/>
             </a:lvl1pPr>
           </a:lstStyle>
           <a:p>
@@ -2188,18 +4747,13 @@
               <a:rPr lang="en-US"/>
               <a:t>Click to edit Master title style</a:t>
             </a:r>
-          </a:p>
-        </p:txBody>
-      </p:sp>
-      <p:sp>
-        <p:nvSpPr>
-          <p:cNvPr id="3" name="Content Placeholder 2">
-            <a:extLst>
-              <a:ext uri="{FF2B5EF4-FFF2-40B4-BE49-F238E27FC236}">
-                <a16:creationId xmlns:a16="http://schemas.microsoft.com/office/drawing/2014/main" id="{15AF530E-88CA-4609-B042-7CA564AB5CA0}"/>
-              </a:ext>
-            </a:extLst>
-          </p:cNvPr>
+            <a:endParaRPr lang="en-US" dirty="0"/>
+          </a:p>
+        </p:txBody>
+      </p:sp>
+      <p:sp>
+        <p:nvSpPr>
+          <p:cNvPr id="3" name="Content Placeholder 2"/>
           <p:cNvSpPr>
             <a:spLocks noGrp="1"/>
           </p:cNvSpPr>
@@ -2209,39 +4763,39 @@
         </p:nvSpPr>
         <p:spPr>
           <a:xfrm>
-            <a:off x="5183188" y="987425"/>
-            <a:ext cx="6172200" cy="4873625"/>
+            <a:off x="9329738" y="1448224"/>
+            <a:ext cx="11109960" cy="7147983"/>
           </a:xfrm>
         </p:spPr>
         <p:txBody>
           <a:bodyPr/>
           <a:lstStyle>
             <a:lvl1pPr>
-              <a:defRPr sz="3200"/>
+              <a:defRPr sz="4693"/>
             </a:lvl1pPr>
             <a:lvl2pPr>
-              <a:defRPr sz="2800"/>
+              <a:defRPr sz="4107"/>
             </a:lvl2pPr>
             <a:lvl3pPr>
-              <a:defRPr sz="2400"/>
+              <a:defRPr sz="3520"/>
             </a:lvl3pPr>
             <a:lvl4pPr>
-              <a:defRPr sz="2000"/>
+              <a:defRPr sz="2933"/>
             </a:lvl4pPr>
             <a:lvl5pPr>
-              <a:defRPr sz="2000"/>
+              <a:defRPr sz="2933"/>
             </a:lvl5pPr>
             <a:lvl6pPr>
-              <a:defRPr sz="2000"/>
+              <a:defRPr sz="2933"/>
             </a:lvl6pPr>
             <a:lvl7pPr>
-              <a:defRPr sz="2000"/>
+              <a:defRPr sz="2933"/>
             </a:lvl7pPr>
             <a:lvl8pPr>
-              <a:defRPr sz="2000"/>
+              <a:defRPr sz="2933"/>
             </a:lvl8pPr>
             <a:lvl9pPr>
-              <a:defRPr sz="2000"/>
+              <a:defRPr sz="2933"/>
             </a:lvl9pPr>
           </a:lstStyle>
           <a:p>
@@ -2278,18 +4832,13 @@
               <a:rPr lang="en-US"/>
               <a:t>Fifth level</a:t>
             </a:r>
-          </a:p>
-        </p:txBody>
-      </p:sp>
-      <p:sp>
-        <p:nvSpPr>
-          <p:cNvPr id="4" name="Text Placeholder 3">
-            <a:extLst>
-              <a:ext uri="{FF2B5EF4-FFF2-40B4-BE49-F238E27FC236}">
-                <a16:creationId xmlns:a16="http://schemas.microsoft.com/office/drawing/2014/main" id="{AA682D5E-9B04-4EB3-996C-F21B08D3D851}"/>
-              </a:ext>
-            </a:extLst>
-          </p:cNvPr>
+            <a:endParaRPr lang="en-US" dirty="0"/>
+          </a:p>
+        </p:txBody>
+      </p:sp>
+      <p:sp>
+        <p:nvSpPr>
+          <p:cNvPr id="4" name="Text Placeholder 3"/>
           <p:cNvSpPr>
             <a:spLocks noGrp="1"/>
           </p:cNvSpPr>
@@ -2299,8 +4848,8 @@
         </p:nvSpPr>
         <p:spPr>
           <a:xfrm>
-            <a:off x="839788" y="2057400"/>
-            <a:ext cx="3932237" cy="3811588"/>
+            <a:off x="1511619" y="3017520"/>
+            <a:ext cx="7078027" cy="5590329"/>
           </a:xfrm>
         </p:spPr>
         <p:txBody>
@@ -2308,39 +4857,39 @@
           <a:lstStyle>
             <a:lvl1pPr marL="0" indent="0">
               <a:buNone/>
-              <a:defRPr sz="1600"/>
+              <a:defRPr sz="2347"/>
             </a:lvl1pPr>
-            <a:lvl2pPr marL="457200" indent="0">
+            <a:lvl2pPr marL="670575" indent="0">
               <a:buNone/>
-              <a:defRPr sz="1400"/>
+              <a:defRPr sz="2053"/>
             </a:lvl2pPr>
-            <a:lvl3pPr marL="914400" indent="0">
+            <a:lvl3pPr marL="1341150" indent="0">
               <a:buNone/>
-              <a:defRPr sz="1200"/>
+              <a:defRPr sz="1760"/>
             </a:lvl3pPr>
-            <a:lvl4pPr marL="1371600" indent="0">
+            <a:lvl4pPr marL="2011726" indent="0">
               <a:buNone/>
-              <a:defRPr sz="1000"/>
+              <a:defRPr sz="1467"/>
             </a:lvl4pPr>
-            <a:lvl5pPr marL="1828800" indent="0">
+            <a:lvl5pPr marL="2682301" indent="0">
               <a:buNone/>
-              <a:defRPr sz="1000"/>
+              <a:defRPr sz="1467"/>
             </a:lvl5pPr>
-            <a:lvl6pPr marL="2286000" indent="0">
+            <a:lvl6pPr marL="3352876" indent="0">
               <a:buNone/>
-              <a:defRPr sz="1000"/>
+              <a:defRPr sz="1467"/>
             </a:lvl6pPr>
-            <a:lvl7pPr marL="2743200" indent="0">
+            <a:lvl7pPr marL="4023451" indent="0">
               <a:buNone/>
-              <a:defRPr sz="1000"/>
+              <a:defRPr sz="1467"/>
             </a:lvl7pPr>
-            <a:lvl8pPr marL="3200400" indent="0">
+            <a:lvl8pPr marL="4694027" indent="0">
               <a:buNone/>
-              <a:defRPr sz="1000"/>
+              <a:defRPr sz="1467"/>
             </a:lvl8pPr>
-            <a:lvl9pPr marL="3657600" indent="0">
+            <a:lvl9pPr marL="5364602" indent="0">
               <a:buNone/>
-              <a:defRPr sz="1000"/>
+              <a:defRPr sz="1467"/>
             </a:lvl9pPr>
           </a:lstStyle>
           <a:p>
@@ -2354,13 +4903,7 @@
       </p:sp>
       <p:sp>
         <p:nvSpPr>
-          <p:cNvPr id="5" name="Date Placeholder 4">
-            <a:extLst>
-              <a:ext uri="{FF2B5EF4-FFF2-40B4-BE49-F238E27FC236}">
-                <a16:creationId xmlns:a16="http://schemas.microsoft.com/office/drawing/2014/main" id="{119374C1-D1D3-4601-A80A-EC8268E94244}"/>
-              </a:ext>
-            </a:extLst>
-          </p:cNvPr>
+          <p:cNvPr id="5" name="Date Placeholder 4"/>
           <p:cNvSpPr>
             <a:spLocks noGrp="1"/>
           </p:cNvSpPr>
@@ -2375,7 +4918,7 @@
           <a:p>
             <a:fld id="{5A1058CF-9FFF-4C3D-A099-2D870F24D597}" type="datetimeFigureOut">
               <a:rPr lang="en-US" smtClean="0"/>
-              <a:t>2/11/2021</a:t>
+              <a:t>1/24/2022</a:t>
             </a:fld>
             <a:endParaRPr lang="en-US"/>
           </a:p>
@@ -2383,13 +4926,7 @@
       </p:sp>
       <p:sp>
         <p:nvSpPr>
-          <p:cNvPr id="6" name="Footer Placeholder 5">
-            <a:extLst>
-              <a:ext uri="{FF2B5EF4-FFF2-40B4-BE49-F238E27FC236}">
-                <a16:creationId xmlns:a16="http://schemas.microsoft.com/office/drawing/2014/main" id="{78001175-1227-496C-A537-308C140C4824}"/>
-              </a:ext>
-            </a:extLst>
-          </p:cNvPr>
+          <p:cNvPr id="6" name="Footer Placeholder 5"/>
           <p:cNvSpPr>
             <a:spLocks noGrp="1"/>
           </p:cNvSpPr>
@@ -2408,13 +4945,7 @@
       </p:sp>
       <p:sp>
         <p:nvSpPr>
-          <p:cNvPr id="7" name="Slide Number Placeholder 6">
-            <a:extLst>
-              <a:ext uri="{FF2B5EF4-FFF2-40B4-BE49-F238E27FC236}">
-                <a16:creationId xmlns:a16="http://schemas.microsoft.com/office/drawing/2014/main" id="{63835E98-BF83-4EF3-B308-20819BA55FE9}"/>
-              </a:ext>
-            </a:extLst>
-          </p:cNvPr>
+          <p:cNvPr id="7" name="Slide Number Placeholder 6"/>
           <p:cNvSpPr>
             <a:spLocks noGrp="1"/>
           </p:cNvSpPr>
@@ -2438,7 +4969,7 @@
     </p:spTree>
     <p:extLst>
       <p:ext uri="{BB962C8B-B14F-4D97-AF65-F5344CB8AC3E}">
-        <p14:creationId xmlns:p14="http://schemas.microsoft.com/office/powerpoint/2010/main" val="951304182"/>
+        <p14:creationId xmlns:p14="http://schemas.microsoft.com/office/powerpoint/2010/main" val="3214176536"/>
       </p:ext>
     </p:extLst>
   </p:cSld>
@@ -2467,13 +4998,7 @@
       </p:grpSpPr>
       <p:sp>
         <p:nvSpPr>
-          <p:cNvPr id="2" name="Title 1">
-            <a:extLst>
-              <a:ext uri="{FF2B5EF4-FFF2-40B4-BE49-F238E27FC236}">
-                <a16:creationId xmlns:a16="http://schemas.microsoft.com/office/drawing/2014/main" id="{2C8AA882-7FE8-45D4-8099-F912F67E71BC}"/>
-              </a:ext>
-            </a:extLst>
-          </p:cNvPr>
+          <p:cNvPr id="2" name="Title 1"/>
           <p:cNvSpPr>
             <a:spLocks noGrp="1"/>
           </p:cNvSpPr>
@@ -2483,15 +5008,15 @@
         </p:nvSpPr>
         <p:spPr>
           <a:xfrm>
-            <a:off x="839788" y="457200"/>
-            <a:ext cx="3932237" cy="1600200"/>
+            <a:off x="1511619" y="670560"/>
+            <a:ext cx="7078027" cy="2346960"/>
           </a:xfrm>
         </p:spPr>
         <p:txBody>
           <a:bodyPr anchor="b"/>
           <a:lstStyle>
             <a:lvl1pPr>
-              <a:defRPr sz="3200"/>
+              <a:defRPr sz="4693"/>
             </a:lvl1pPr>
           </a:lstStyle>
           <a:p>
@@ -2499,20 +5024,15 @@
               <a:rPr lang="en-US"/>
               <a:t>Click to edit Master title style</a:t>
             </a:r>
-          </a:p>
-        </p:txBody>
-      </p:sp>
-      <p:sp>
-        <p:nvSpPr>
-          <p:cNvPr id="3" name="Picture Placeholder 2">
-            <a:extLst>
-              <a:ext uri="{FF2B5EF4-FFF2-40B4-BE49-F238E27FC236}">
-                <a16:creationId xmlns:a16="http://schemas.microsoft.com/office/drawing/2014/main" id="{6700758A-FCD5-4FBB-826B-A38AB24F98E9}"/>
-              </a:ext>
-            </a:extLst>
-          </p:cNvPr>
+            <a:endParaRPr lang="en-US" dirty="0"/>
+          </a:p>
+        </p:txBody>
+      </p:sp>
+      <p:sp>
+        <p:nvSpPr>
+          <p:cNvPr id="3" name="Picture Placeholder 2"/>
           <p:cNvSpPr>
-            <a:spLocks noGrp="1"/>
+            <a:spLocks noGrp="1" noChangeAspect="1"/>
           </p:cNvSpPr>
           <p:nvPr>
             <p:ph type="pic" idx="1"/>
@@ -2520,64 +5040,62 @@
         </p:nvSpPr>
         <p:spPr>
           <a:xfrm>
-            <a:off x="5183188" y="987425"/>
-            <a:ext cx="6172200" cy="4873625"/>
+            <a:off x="9329738" y="1448224"/>
+            <a:ext cx="11109960" cy="7147983"/>
           </a:xfrm>
         </p:spPr>
         <p:txBody>
-          <a:bodyPr/>
+          <a:bodyPr anchor="t"/>
           <a:lstStyle>
             <a:lvl1pPr marL="0" indent="0">
               <a:buNone/>
-              <a:defRPr sz="3200"/>
+              <a:defRPr sz="4693"/>
             </a:lvl1pPr>
-            <a:lvl2pPr marL="457200" indent="0">
+            <a:lvl2pPr marL="670575" indent="0">
               <a:buNone/>
-              <a:defRPr sz="2800"/>
+              <a:defRPr sz="4107"/>
             </a:lvl2pPr>
-            <a:lvl3pPr marL="914400" indent="0">
+            <a:lvl3pPr marL="1341150" indent="0">
               <a:buNone/>
-              <a:defRPr sz="2400"/>
+              <a:defRPr sz="3520"/>
             </a:lvl3pPr>
-            <a:lvl4pPr marL="1371600" indent="0">
+            <a:lvl4pPr marL="2011726" indent="0">
               <a:buNone/>
-              <a:defRPr sz="2000"/>
+              <a:defRPr sz="2933"/>
             </a:lvl4pPr>
-            <a:lvl5pPr marL="1828800" indent="0">
+            <a:lvl5pPr marL="2682301" indent="0">
               <a:buNone/>
-              <a:defRPr sz="2000"/>
+              <a:defRPr sz="2933"/>
             </a:lvl5pPr>
-            <a:lvl6pPr marL="2286000" indent="0">
+            <a:lvl6pPr marL="3352876" indent="0">
               <a:buNone/>
-              <a:defRPr sz="2000"/>
+              <a:defRPr sz="2933"/>
             </a:lvl6pPr>
-            <a:lvl7pPr marL="2743200" indent="0">
+            <a:lvl7pPr marL="4023451" indent="0">
               <a:buNone/>
-              <a:defRPr sz="2000"/>
+              <a:defRPr sz="2933"/>
             </a:lvl7pPr>
-            <a:lvl8pPr marL="3200400" indent="0">
+            <a:lvl8pPr marL="4694027" indent="0">
               <a:buNone/>
-              <a:defRPr sz="2000"/>
+              <a:defRPr sz="2933"/>
             </a:lvl8pPr>
-            <a:lvl9pPr marL="3657600" indent="0">
+            <a:lvl9pPr marL="5364602" indent="0">
               <a:buNone/>
-              <a:defRPr sz="2000"/>
+              <a:defRPr sz="2933"/>
             </a:lvl9pPr>
           </a:lstStyle>
           <a:p>
-            <a:endParaRPr lang="en-US"/>
-          </a:p>
-        </p:txBody>
-      </p:sp>
-      <p:sp>
-        <p:nvSpPr>
-          <p:cNvPr id="4" name="Text Placeholder 3">
-            <a:extLst>
-              <a:ext uri="{FF2B5EF4-FFF2-40B4-BE49-F238E27FC236}">
-                <a16:creationId xmlns:a16="http://schemas.microsoft.com/office/drawing/2014/main" id="{49222B6F-5A85-4025-9447-99D87CF98900}"/>
-              </a:ext>
-            </a:extLst>
-          </p:cNvPr>
+            <a:r>
+              <a:rPr lang="en-US"/>
+              <a:t>Click icon to add picture</a:t>
+            </a:r>
+            <a:endParaRPr lang="en-US" dirty="0"/>
+          </a:p>
+        </p:txBody>
+      </p:sp>
+      <p:sp>
+        <p:nvSpPr>
+          <p:cNvPr id="4" name="Text Placeholder 3"/>
           <p:cNvSpPr>
             <a:spLocks noGrp="1"/>
           </p:cNvSpPr>
@@ -2587,8 +5105,8 @@
         </p:nvSpPr>
         <p:spPr>
           <a:xfrm>
-            <a:off x="839788" y="2057400"/>
-            <a:ext cx="3932237" cy="3811588"/>
+            <a:off x="1511619" y="3017520"/>
+            <a:ext cx="7078027" cy="5590329"/>
           </a:xfrm>
         </p:spPr>
         <p:txBody>
@@ -2596,39 +5114,39 @@
           <a:lstStyle>
             <a:lvl1pPr marL="0" indent="0">
               <a:buNone/>
-              <a:defRPr sz="1600"/>
+              <a:defRPr sz="2347"/>
             </a:lvl1pPr>
-            <a:lvl2pPr marL="457200" indent="0">
+            <a:lvl2pPr marL="670575" indent="0">
               <a:buNone/>
-              <a:defRPr sz="1400"/>
+              <a:defRPr sz="2053"/>
             </a:lvl2pPr>
-            <a:lvl3pPr marL="914400" indent="0">
+            <a:lvl3pPr marL="1341150" indent="0">
               <a:buNone/>
-              <a:defRPr sz="1200"/>
+              <a:defRPr sz="1760"/>
             </a:lvl3pPr>
-            <a:lvl4pPr marL="1371600" indent="0">
+            <a:lvl4pPr marL="2011726" indent="0">
               <a:buNone/>
-              <a:defRPr sz="1000"/>
+              <a:defRPr sz="1467"/>
             </a:lvl4pPr>
-            <a:lvl5pPr marL="1828800" indent="0">
+            <a:lvl5pPr marL="2682301" indent="0">
               <a:buNone/>
-              <a:defRPr sz="1000"/>
+              <a:defRPr sz="1467"/>
             </a:lvl5pPr>
-            <a:lvl6pPr marL="2286000" indent="0">
+            <a:lvl6pPr marL="3352876" indent="0">
               <a:buNone/>
-              <a:defRPr sz="1000"/>
+              <a:defRPr sz="1467"/>
             </a:lvl6pPr>
-            <a:lvl7pPr marL="2743200" indent="0">
+            <a:lvl7pPr marL="4023451" indent="0">
               <a:buNone/>
-              <a:defRPr sz="1000"/>
+              <a:defRPr sz="1467"/>
             </a:lvl7pPr>
-            <a:lvl8pPr marL="3200400" indent="0">
+            <a:lvl8pPr marL="4694027" indent="0">
               <a:buNone/>
-              <a:defRPr sz="1000"/>
+              <a:defRPr sz="1467"/>
             </a:lvl8pPr>
-            <a:lvl9pPr marL="3657600" indent="0">
+            <a:lvl9pPr marL="5364602" indent="0">
               <a:buNone/>
-              <a:defRPr sz="1000"/>
+              <a:defRPr sz="1467"/>
             </a:lvl9pPr>
           </a:lstStyle>
           <a:p>
@@ -2642,13 +5160,7 @@
       </p:sp>
       <p:sp>
         <p:nvSpPr>
-          <p:cNvPr id="5" name="Date Placeholder 4">
-            <a:extLst>
-              <a:ext uri="{FF2B5EF4-FFF2-40B4-BE49-F238E27FC236}">
-                <a16:creationId xmlns:a16="http://schemas.microsoft.com/office/drawing/2014/main" id="{D0C56975-354F-48F6-A134-0AFB4398DFF7}"/>
-              </a:ext>
-            </a:extLst>
-          </p:cNvPr>
+          <p:cNvPr id="5" name="Date Placeholder 4"/>
           <p:cNvSpPr>
             <a:spLocks noGrp="1"/>
           </p:cNvSpPr>
@@ -2663,7 +5175,7 @@
           <a:p>
             <a:fld id="{5A1058CF-9FFF-4C3D-A099-2D870F24D597}" type="datetimeFigureOut">
               <a:rPr lang="en-US" smtClean="0"/>
-              <a:t>2/11/2021</a:t>
+              <a:t>1/24/2022</a:t>
             </a:fld>
             <a:endParaRPr lang="en-US"/>
           </a:p>
@@ -2671,13 +5183,7 @@
       </p:sp>
       <p:sp>
         <p:nvSpPr>
-          <p:cNvPr id="6" name="Footer Placeholder 5">
-            <a:extLst>
-              <a:ext uri="{FF2B5EF4-FFF2-40B4-BE49-F238E27FC236}">
-                <a16:creationId xmlns:a16="http://schemas.microsoft.com/office/drawing/2014/main" id="{3023220F-6656-4438-968F-1DE615C17A4F}"/>
-              </a:ext>
-            </a:extLst>
-          </p:cNvPr>
+          <p:cNvPr id="6" name="Footer Placeholder 5"/>
           <p:cNvSpPr>
             <a:spLocks noGrp="1"/>
           </p:cNvSpPr>
@@ -2696,13 +5202,7 @@
       </p:sp>
       <p:sp>
         <p:nvSpPr>
-          <p:cNvPr id="7" name="Slide Number Placeholder 6">
-            <a:extLst>
-              <a:ext uri="{FF2B5EF4-FFF2-40B4-BE49-F238E27FC236}">
-                <a16:creationId xmlns:a16="http://schemas.microsoft.com/office/drawing/2014/main" id="{1CB194EA-82DD-486D-8558-13E20C26EC3E}"/>
-              </a:ext>
-            </a:extLst>
-          </p:cNvPr>
+          <p:cNvPr id="7" name="Slide Number Placeholder 6"/>
           <p:cNvSpPr>
             <a:spLocks noGrp="1"/>
           </p:cNvSpPr>
@@ -2726,7 +5226,7 @@
     </p:spTree>
     <p:extLst>
       <p:ext uri="{BB962C8B-B14F-4D97-AF65-F5344CB8AC3E}">
-        <p14:creationId xmlns:p14="http://schemas.microsoft.com/office/powerpoint/2010/main" val="75400804"/>
+        <p14:creationId xmlns:p14="http://schemas.microsoft.com/office/powerpoint/2010/main" val="3047895453"/>
       </p:ext>
     </p:extLst>
   </p:cSld>
@@ -2760,13 +5260,7 @@
       </p:grpSpPr>
       <p:sp>
         <p:nvSpPr>
-          <p:cNvPr id="2" name="Title Placeholder 1">
-            <a:extLst>
-              <a:ext uri="{FF2B5EF4-FFF2-40B4-BE49-F238E27FC236}">
-                <a16:creationId xmlns:a16="http://schemas.microsoft.com/office/drawing/2014/main" id="{1F1E1C4E-ABE4-4871-B1DF-7893C07F0ABB}"/>
-              </a:ext>
-            </a:extLst>
-          </p:cNvPr>
+          <p:cNvPr id="2" name="Title Placeholder 1"/>
           <p:cNvSpPr>
             <a:spLocks noGrp="1"/>
           </p:cNvSpPr>
@@ -2776,8 +5270,8 @@
         </p:nvSpPr>
         <p:spPr>
           <a:xfrm>
-            <a:off x="838200" y="365125"/>
-            <a:ext cx="10515600" cy="1325563"/>
+            <a:off x="1508760" y="535517"/>
+            <a:ext cx="18928080" cy="1944159"/>
           </a:xfrm>
           <a:prstGeom prst="rect">
             <a:avLst/>
@@ -2793,18 +5287,13 @@
               <a:rPr lang="en-US"/>
               <a:t>Click to edit Master title style</a:t>
             </a:r>
-          </a:p>
-        </p:txBody>
-      </p:sp>
-      <p:sp>
-        <p:nvSpPr>
-          <p:cNvPr id="3" name="Text Placeholder 2">
-            <a:extLst>
-              <a:ext uri="{FF2B5EF4-FFF2-40B4-BE49-F238E27FC236}">
-                <a16:creationId xmlns:a16="http://schemas.microsoft.com/office/drawing/2014/main" id="{0012A046-2207-4D8B-A282-3B43A97E7598}"/>
-              </a:ext>
-            </a:extLst>
-          </p:cNvPr>
+            <a:endParaRPr lang="en-US" dirty="0"/>
+          </a:p>
+        </p:txBody>
+      </p:sp>
+      <p:sp>
+        <p:nvSpPr>
+          <p:cNvPr id="3" name="Text Placeholder 2"/>
           <p:cNvSpPr>
             <a:spLocks noGrp="1"/>
           </p:cNvSpPr>
@@ -2814,8 +5303,8 @@
         </p:nvSpPr>
         <p:spPr>
           <a:xfrm>
-            <a:off x="838200" y="1825625"/>
-            <a:ext cx="10515600" cy="4351338"/>
+            <a:off x="1508760" y="2677584"/>
+            <a:ext cx="18928080" cy="6381962"/>
           </a:xfrm>
           <a:prstGeom prst="rect">
             <a:avLst/>
@@ -2860,18 +5349,13 @@
               <a:rPr lang="en-US"/>
               <a:t>Fifth level</a:t>
             </a:r>
-          </a:p>
-        </p:txBody>
-      </p:sp>
-      <p:sp>
-        <p:nvSpPr>
-          <p:cNvPr id="4" name="Date Placeholder 3">
-            <a:extLst>
-              <a:ext uri="{FF2B5EF4-FFF2-40B4-BE49-F238E27FC236}">
-                <a16:creationId xmlns:a16="http://schemas.microsoft.com/office/drawing/2014/main" id="{75E7A090-AEDF-46D4-B4C7-9F9DF41D879C}"/>
-              </a:ext>
-            </a:extLst>
-          </p:cNvPr>
+            <a:endParaRPr lang="en-US" dirty="0"/>
+          </a:p>
+        </p:txBody>
+      </p:sp>
+      <p:sp>
+        <p:nvSpPr>
+          <p:cNvPr id="4" name="Date Placeholder 3"/>
           <p:cNvSpPr>
             <a:spLocks noGrp="1"/>
           </p:cNvSpPr>
@@ -2881,8 +5365,8 @@
         </p:nvSpPr>
         <p:spPr>
           <a:xfrm>
-            <a:off x="838200" y="6356350"/>
-            <a:ext cx="2743200" cy="365125"/>
+            <a:off x="1508760" y="9322647"/>
+            <a:ext cx="4937760" cy="535517"/>
           </a:xfrm>
           <a:prstGeom prst="rect">
             <a:avLst/>
@@ -2892,7 +5376,7 @@
           <a:bodyPr vert="horz" lIns="91440" tIns="45720" rIns="91440" bIns="45720" rtlCol="0" anchor="ctr"/>
           <a:lstStyle>
             <a:lvl1pPr algn="l">
-              <a:defRPr sz="1200">
+              <a:defRPr sz="1760">
                 <a:solidFill>
                   <a:schemeClr val="tx1">
                     <a:tint val="75000"/>
@@ -2904,7 +5388,7 @@
           <a:p>
             <a:fld id="{5A1058CF-9FFF-4C3D-A099-2D870F24D597}" type="datetimeFigureOut">
               <a:rPr lang="en-US" smtClean="0"/>
-              <a:t>2/11/2021</a:t>
+              <a:t>1/24/2022</a:t>
             </a:fld>
             <a:endParaRPr lang="en-US"/>
           </a:p>
@@ -2912,13 +5396,7 @@
       </p:sp>
       <p:sp>
         <p:nvSpPr>
-          <p:cNvPr id="5" name="Footer Placeholder 4">
-            <a:extLst>
-              <a:ext uri="{FF2B5EF4-FFF2-40B4-BE49-F238E27FC236}">
-                <a16:creationId xmlns:a16="http://schemas.microsoft.com/office/drawing/2014/main" id="{EF7CD6E6-FE8B-439A-AF4C-6E45F0E2DE3E}"/>
-              </a:ext>
-            </a:extLst>
-          </p:cNvPr>
+          <p:cNvPr id="5" name="Footer Placeholder 4"/>
           <p:cNvSpPr>
             <a:spLocks noGrp="1"/>
           </p:cNvSpPr>
@@ -2928,8 +5406,8 @@
         </p:nvSpPr>
         <p:spPr>
           <a:xfrm>
-            <a:off x="4038600" y="6356350"/>
-            <a:ext cx="4114800" cy="365125"/>
+            <a:off x="7269480" y="9322647"/>
+            <a:ext cx="7406640" cy="535517"/>
           </a:xfrm>
           <a:prstGeom prst="rect">
             <a:avLst/>
@@ -2939,7 +5417,7 @@
           <a:bodyPr vert="horz" lIns="91440" tIns="45720" rIns="91440" bIns="45720" rtlCol="0" anchor="ctr"/>
           <a:lstStyle>
             <a:lvl1pPr algn="ctr">
-              <a:defRPr sz="1200">
+              <a:defRPr sz="1760">
                 <a:solidFill>
                   <a:schemeClr val="tx1">
                     <a:tint val="75000"/>
@@ -2955,13 +5433,7 @@
       </p:sp>
       <p:sp>
         <p:nvSpPr>
-          <p:cNvPr id="6" name="Slide Number Placeholder 5">
-            <a:extLst>
-              <a:ext uri="{FF2B5EF4-FFF2-40B4-BE49-F238E27FC236}">
-                <a16:creationId xmlns:a16="http://schemas.microsoft.com/office/drawing/2014/main" id="{4F914383-935A-49CB-A8F9-77C2CE09D450}"/>
-              </a:ext>
-            </a:extLst>
-          </p:cNvPr>
+          <p:cNvPr id="6" name="Slide Number Placeholder 5"/>
           <p:cNvSpPr>
             <a:spLocks noGrp="1"/>
           </p:cNvSpPr>
@@ -2971,8 +5443,8 @@
         </p:nvSpPr>
         <p:spPr>
           <a:xfrm>
-            <a:off x="8610600" y="6356350"/>
-            <a:ext cx="2743200" cy="365125"/>
+            <a:off x="15499080" y="9322647"/>
+            <a:ext cx="4937760" cy="535517"/>
           </a:xfrm>
           <a:prstGeom prst="rect">
             <a:avLst/>
@@ -2982,7 +5454,7 @@
           <a:bodyPr vert="horz" lIns="91440" tIns="45720" rIns="91440" bIns="45720" rtlCol="0" anchor="ctr"/>
           <a:lstStyle>
             <a:lvl1pPr algn="r">
-              <a:defRPr sz="1200">
+              <a:defRPr sz="1760">
                 <a:solidFill>
                   <a:schemeClr val="tx1">
                     <a:tint val="75000"/>
@@ -3003,27 +5475,27 @@
     </p:spTree>
     <p:extLst>
       <p:ext uri="{BB962C8B-B14F-4D97-AF65-F5344CB8AC3E}">
-        <p14:creationId xmlns:p14="http://schemas.microsoft.com/office/powerpoint/2010/main" val="2720216375"/>
+        <p14:creationId xmlns:p14="http://schemas.microsoft.com/office/powerpoint/2010/main" val="1361169371"/>
       </p:ext>
     </p:extLst>
   </p:cSld>
   <p:clrMap bg1="lt1" tx1="dk1" bg2="lt2" tx2="dk2" accent1="accent1" accent2="accent2" accent3="accent3" accent4="accent4" accent5="accent5" accent6="accent6" hlink="hlink" folHlink="folHlink"/>
   <p:sldLayoutIdLst>
-    <p:sldLayoutId id="2147483649" r:id="rId1"/>
-    <p:sldLayoutId id="2147483650" r:id="rId2"/>
-    <p:sldLayoutId id="2147483651" r:id="rId3"/>
-    <p:sldLayoutId id="2147483652" r:id="rId4"/>
-    <p:sldLayoutId id="2147483653" r:id="rId5"/>
-    <p:sldLayoutId id="2147483654" r:id="rId6"/>
-    <p:sldLayoutId id="2147483655" r:id="rId7"/>
-    <p:sldLayoutId id="2147483656" r:id="rId8"/>
-    <p:sldLayoutId id="2147483657" r:id="rId9"/>
-    <p:sldLayoutId id="2147483658" r:id="rId10"/>
-    <p:sldLayoutId id="2147483659" r:id="rId11"/>
+    <p:sldLayoutId id="2147483673" r:id="rId1"/>
+    <p:sldLayoutId id="2147483674" r:id="rId2"/>
+    <p:sldLayoutId id="2147483675" r:id="rId3"/>
+    <p:sldLayoutId id="2147483676" r:id="rId4"/>
+    <p:sldLayoutId id="2147483677" r:id="rId5"/>
+    <p:sldLayoutId id="2147483678" r:id="rId6"/>
+    <p:sldLayoutId id="2147483679" r:id="rId7"/>
+    <p:sldLayoutId id="2147483680" r:id="rId8"/>
+    <p:sldLayoutId id="2147483681" r:id="rId9"/>
+    <p:sldLayoutId id="2147483682" r:id="rId10"/>
+    <p:sldLayoutId id="2147483683" r:id="rId11"/>
   </p:sldLayoutIdLst>
   <p:txStyles>
     <p:titleStyle>
-      <a:lvl1pPr algn="l" defTabSz="914400" rtl="0" eaLnBrk="1" latinLnBrk="0" hangingPunct="1">
+      <a:lvl1pPr algn="l" defTabSz="1341150" rtl="0" eaLnBrk="1" latinLnBrk="0" hangingPunct="1">
         <a:lnSpc>
           <a:spcPct val="90000"/>
         </a:lnSpc>
@@ -3031,7 +5503,7 @@
           <a:spcPct val="0"/>
         </a:spcBef>
         <a:buNone/>
-        <a:defRPr sz="4400" kern="1200">
+        <a:defRPr sz="6453" kern="1200">
           <a:solidFill>
             <a:schemeClr val="tx1"/>
           </a:solidFill>
@@ -3042,16 +5514,16 @@
       </a:lvl1pPr>
     </p:titleStyle>
     <p:bodyStyle>
-      <a:lvl1pPr marL="228600" indent="-228600" algn="l" defTabSz="914400" rtl="0" eaLnBrk="1" latinLnBrk="0" hangingPunct="1">
+      <a:lvl1pPr marL="335288" indent="-335288" algn="l" defTabSz="1341150" rtl="0" eaLnBrk="1" latinLnBrk="0" hangingPunct="1">
         <a:lnSpc>
           <a:spcPct val="90000"/>
         </a:lnSpc>
         <a:spcBef>
-          <a:spcPts val="1000"/>
+          <a:spcPts val="1467"/>
         </a:spcBef>
         <a:buFont typeface="Arial" panose="020B0604020202020204" pitchFamily="34" charset="0"/>
         <a:buChar char="•"/>
-        <a:defRPr sz="2800" kern="1200">
+        <a:defRPr sz="4107" kern="1200">
           <a:solidFill>
             <a:schemeClr val="tx1"/>
           </a:solidFill>
@@ -3060,16 +5532,16 @@
           <a:cs typeface="+mn-cs"/>
         </a:defRPr>
       </a:lvl1pPr>
-      <a:lvl2pPr marL="685800" indent="-228600" algn="l" defTabSz="914400" rtl="0" eaLnBrk="1" latinLnBrk="0" hangingPunct="1">
+      <a:lvl2pPr marL="1005863" indent="-335288" algn="l" defTabSz="1341150" rtl="0" eaLnBrk="1" latinLnBrk="0" hangingPunct="1">
         <a:lnSpc>
           <a:spcPct val="90000"/>
         </a:lnSpc>
         <a:spcBef>
-          <a:spcPts val="500"/>
+          <a:spcPts val="733"/>
         </a:spcBef>
         <a:buFont typeface="Arial" panose="020B0604020202020204" pitchFamily="34" charset="0"/>
         <a:buChar char="•"/>
-        <a:defRPr sz="2400" kern="1200">
+        <a:defRPr sz="3520" kern="1200">
           <a:solidFill>
             <a:schemeClr val="tx1"/>
           </a:solidFill>
@@ -3078,16 +5550,16 @@
           <a:cs typeface="+mn-cs"/>
         </a:defRPr>
       </a:lvl2pPr>
-      <a:lvl3pPr marL="1143000" indent="-228600" algn="l" defTabSz="914400" rtl="0" eaLnBrk="1" latinLnBrk="0" hangingPunct="1">
+      <a:lvl3pPr marL="1676438" indent="-335288" algn="l" defTabSz="1341150" rtl="0" eaLnBrk="1" latinLnBrk="0" hangingPunct="1">
         <a:lnSpc>
           <a:spcPct val="90000"/>
         </a:lnSpc>
         <a:spcBef>
-          <a:spcPts val="500"/>
+          <a:spcPts val="733"/>
         </a:spcBef>
         <a:buFont typeface="Arial" panose="020B0604020202020204" pitchFamily="34" charset="0"/>
         <a:buChar char="•"/>
-        <a:defRPr sz="2000" kern="1200">
+        <a:defRPr sz="2933" kern="1200">
           <a:solidFill>
             <a:schemeClr val="tx1"/>
           </a:solidFill>
@@ -3096,16 +5568,16 @@
           <a:cs typeface="+mn-cs"/>
         </a:defRPr>
       </a:lvl3pPr>
-      <a:lvl4pPr marL="1600200" indent="-228600" algn="l" defTabSz="914400" rtl="0" eaLnBrk="1" latinLnBrk="0" hangingPunct="1">
+      <a:lvl4pPr marL="2347013" indent="-335288" algn="l" defTabSz="1341150" rtl="0" eaLnBrk="1" latinLnBrk="0" hangingPunct="1">
         <a:lnSpc>
           <a:spcPct val="90000"/>
         </a:lnSpc>
         <a:spcBef>
-          <a:spcPts val="500"/>
+          <a:spcPts val="733"/>
         </a:spcBef>
         <a:buFont typeface="Arial" panose="020B0604020202020204" pitchFamily="34" charset="0"/>
         <a:buChar char="•"/>
-        <a:defRPr sz="1800" kern="1200">
+        <a:defRPr sz="2640" kern="1200">
           <a:solidFill>
             <a:schemeClr val="tx1"/>
           </a:solidFill>
@@ -3114,16 +5586,16 @@
           <a:cs typeface="+mn-cs"/>
         </a:defRPr>
       </a:lvl4pPr>
-      <a:lvl5pPr marL="2057400" indent="-228600" algn="l" defTabSz="914400" rtl="0" eaLnBrk="1" latinLnBrk="0" hangingPunct="1">
+      <a:lvl5pPr marL="3017589" indent="-335288" algn="l" defTabSz="1341150" rtl="0" eaLnBrk="1" latinLnBrk="0" hangingPunct="1">
         <a:lnSpc>
           <a:spcPct val="90000"/>
         </a:lnSpc>
         <a:spcBef>
-          <a:spcPts val="500"/>
+          <a:spcPts val="733"/>
         </a:spcBef>
         <a:buFont typeface="Arial" panose="020B0604020202020204" pitchFamily="34" charset="0"/>
         <a:buChar char="•"/>
-        <a:defRPr sz="1800" kern="1200">
+        <a:defRPr sz="2640" kern="1200">
           <a:solidFill>
             <a:schemeClr val="tx1"/>
           </a:solidFill>
@@ -3132,16 +5604,16 @@
           <a:cs typeface="+mn-cs"/>
         </a:defRPr>
       </a:lvl5pPr>
-      <a:lvl6pPr marL="2514600" indent="-228600" algn="l" defTabSz="914400" rtl="0" eaLnBrk="1" latinLnBrk="0" hangingPunct="1">
+      <a:lvl6pPr marL="3688164" indent="-335288" algn="l" defTabSz="1341150" rtl="0" eaLnBrk="1" latinLnBrk="0" hangingPunct="1">
         <a:lnSpc>
           <a:spcPct val="90000"/>
         </a:lnSpc>
         <a:spcBef>
-          <a:spcPts val="500"/>
+          <a:spcPts val="733"/>
         </a:spcBef>
         <a:buFont typeface="Arial" panose="020B0604020202020204" pitchFamily="34" charset="0"/>
         <a:buChar char="•"/>
-        <a:defRPr sz="1800" kern="1200">
+        <a:defRPr sz="2640" kern="1200">
           <a:solidFill>
             <a:schemeClr val="tx1"/>
           </a:solidFill>
@@ -3150,16 +5622,16 @@
           <a:cs typeface="+mn-cs"/>
         </a:defRPr>
       </a:lvl6pPr>
-      <a:lvl7pPr marL="2971800" indent="-228600" algn="l" defTabSz="914400" rtl="0" eaLnBrk="1" latinLnBrk="0" hangingPunct="1">
+      <a:lvl7pPr marL="4358739" indent="-335288" algn="l" defTabSz="1341150" rtl="0" eaLnBrk="1" latinLnBrk="0" hangingPunct="1">
         <a:lnSpc>
           <a:spcPct val="90000"/>
         </a:lnSpc>
         <a:spcBef>
-          <a:spcPts val="500"/>
+          <a:spcPts val="733"/>
         </a:spcBef>
         <a:buFont typeface="Arial" panose="020B0604020202020204" pitchFamily="34" charset="0"/>
         <a:buChar char="•"/>
-        <a:defRPr sz="1800" kern="1200">
+        <a:defRPr sz="2640" kern="1200">
           <a:solidFill>
             <a:schemeClr val="tx1"/>
           </a:solidFill>
@@ -3168,16 +5640,16 @@
           <a:cs typeface="+mn-cs"/>
         </a:defRPr>
       </a:lvl7pPr>
-      <a:lvl8pPr marL="3429000" indent="-228600" algn="l" defTabSz="914400" rtl="0" eaLnBrk="1" latinLnBrk="0" hangingPunct="1">
+      <a:lvl8pPr marL="5029314" indent="-335288" algn="l" defTabSz="1341150" rtl="0" eaLnBrk="1" latinLnBrk="0" hangingPunct="1">
         <a:lnSpc>
           <a:spcPct val="90000"/>
         </a:lnSpc>
         <a:spcBef>
-          <a:spcPts val="500"/>
+          <a:spcPts val="733"/>
         </a:spcBef>
         <a:buFont typeface="Arial" panose="020B0604020202020204" pitchFamily="34" charset="0"/>
         <a:buChar char="•"/>
-        <a:defRPr sz="1800" kern="1200">
+        <a:defRPr sz="2640" kern="1200">
           <a:solidFill>
             <a:schemeClr val="tx1"/>
           </a:solidFill>
@@ -3186,16 +5658,16 @@
           <a:cs typeface="+mn-cs"/>
         </a:defRPr>
       </a:lvl8pPr>
-      <a:lvl9pPr marL="3886200" indent="-228600" algn="l" defTabSz="914400" rtl="0" eaLnBrk="1" latinLnBrk="0" hangingPunct="1">
+      <a:lvl9pPr marL="5699890" indent="-335288" algn="l" defTabSz="1341150" rtl="0" eaLnBrk="1" latinLnBrk="0" hangingPunct="1">
         <a:lnSpc>
           <a:spcPct val="90000"/>
         </a:lnSpc>
         <a:spcBef>
-          <a:spcPts val="500"/>
+          <a:spcPts val="733"/>
         </a:spcBef>
         <a:buFont typeface="Arial" panose="020B0604020202020204" pitchFamily="34" charset="0"/>
         <a:buChar char="•"/>
-        <a:defRPr sz="1800" kern="1200">
+        <a:defRPr sz="2640" kern="1200">
           <a:solidFill>
             <a:schemeClr val="tx1"/>
           </a:solidFill>
@@ -3209,8 +5681,8 @@
       <a:defPPr>
         <a:defRPr lang="en-US"/>
       </a:defPPr>
-      <a:lvl1pPr marL="0" algn="l" defTabSz="914400" rtl="0" eaLnBrk="1" latinLnBrk="0" hangingPunct="1">
-        <a:defRPr sz="1800" kern="1200">
+      <a:lvl1pPr marL="0" algn="l" defTabSz="1341150" rtl="0" eaLnBrk="1" latinLnBrk="0" hangingPunct="1">
+        <a:defRPr sz="2640" kern="1200">
           <a:solidFill>
             <a:schemeClr val="tx1"/>
           </a:solidFill>
@@ -3219,8 +5691,8 @@
           <a:cs typeface="+mn-cs"/>
         </a:defRPr>
       </a:lvl1pPr>
-      <a:lvl2pPr marL="457200" algn="l" defTabSz="914400" rtl="0" eaLnBrk="1" latinLnBrk="0" hangingPunct="1">
-        <a:defRPr sz="1800" kern="1200">
+      <a:lvl2pPr marL="670575" algn="l" defTabSz="1341150" rtl="0" eaLnBrk="1" latinLnBrk="0" hangingPunct="1">
+        <a:defRPr sz="2640" kern="1200">
           <a:solidFill>
             <a:schemeClr val="tx1"/>
           </a:solidFill>
@@ -3229,8 +5701,8 @@
           <a:cs typeface="+mn-cs"/>
         </a:defRPr>
       </a:lvl2pPr>
-      <a:lvl3pPr marL="914400" algn="l" defTabSz="914400" rtl="0" eaLnBrk="1" latinLnBrk="0" hangingPunct="1">
-        <a:defRPr sz="1800" kern="1200">
+      <a:lvl3pPr marL="1341150" algn="l" defTabSz="1341150" rtl="0" eaLnBrk="1" latinLnBrk="0" hangingPunct="1">
+        <a:defRPr sz="2640" kern="1200">
           <a:solidFill>
             <a:schemeClr val="tx1"/>
           </a:solidFill>
@@ -3239,8 +5711,8 @@
           <a:cs typeface="+mn-cs"/>
         </a:defRPr>
       </a:lvl3pPr>
-      <a:lvl4pPr marL="1371600" algn="l" defTabSz="914400" rtl="0" eaLnBrk="1" latinLnBrk="0" hangingPunct="1">
-        <a:defRPr sz="1800" kern="1200">
+      <a:lvl4pPr marL="2011726" algn="l" defTabSz="1341150" rtl="0" eaLnBrk="1" latinLnBrk="0" hangingPunct="1">
+        <a:defRPr sz="2640" kern="1200">
           <a:solidFill>
             <a:schemeClr val="tx1"/>
           </a:solidFill>
@@ -3249,8 +5721,8 @@
           <a:cs typeface="+mn-cs"/>
         </a:defRPr>
       </a:lvl4pPr>
-      <a:lvl5pPr marL="1828800" algn="l" defTabSz="914400" rtl="0" eaLnBrk="1" latinLnBrk="0" hangingPunct="1">
-        <a:defRPr sz="1800" kern="1200">
+      <a:lvl5pPr marL="2682301" algn="l" defTabSz="1341150" rtl="0" eaLnBrk="1" latinLnBrk="0" hangingPunct="1">
+        <a:defRPr sz="2640" kern="1200">
           <a:solidFill>
             <a:schemeClr val="tx1"/>
           </a:solidFill>
@@ -3259,8 +5731,8 @@
           <a:cs typeface="+mn-cs"/>
         </a:defRPr>
       </a:lvl5pPr>
-      <a:lvl6pPr marL="2286000" algn="l" defTabSz="914400" rtl="0" eaLnBrk="1" latinLnBrk="0" hangingPunct="1">
-        <a:defRPr sz="1800" kern="1200">
+      <a:lvl6pPr marL="3352876" algn="l" defTabSz="1341150" rtl="0" eaLnBrk="1" latinLnBrk="0" hangingPunct="1">
+        <a:defRPr sz="2640" kern="1200">
           <a:solidFill>
             <a:schemeClr val="tx1"/>
           </a:solidFill>
@@ -3269,8 +5741,8 @@
           <a:cs typeface="+mn-cs"/>
         </a:defRPr>
       </a:lvl6pPr>
-      <a:lvl7pPr marL="2743200" algn="l" defTabSz="914400" rtl="0" eaLnBrk="1" latinLnBrk="0" hangingPunct="1">
-        <a:defRPr sz="1800" kern="1200">
+      <a:lvl7pPr marL="4023451" algn="l" defTabSz="1341150" rtl="0" eaLnBrk="1" latinLnBrk="0" hangingPunct="1">
+        <a:defRPr sz="2640" kern="1200">
           <a:solidFill>
             <a:schemeClr val="tx1"/>
           </a:solidFill>
@@ -3279,8 +5751,8 @@
           <a:cs typeface="+mn-cs"/>
         </a:defRPr>
       </a:lvl7pPr>
-      <a:lvl8pPr marL="3200400" algn="l" defTabSz="914400" rtl="0" eaLnBrk="1" latinLnBrk="0" hangingPunct="1">
-        <a:defRPr sz="1800" kern="1200">
+      <a:lvl8pPr marL="4694027" algn="l" defTabSz="1341150" rtl="0" eaLnBrk="1" latinLnBrk="0" hangingPunct="1">
+        <a:defRPr sz="2640" kern="1200">
           <a:solidFill>
             <a:schemeClr val="tx1"/>
           </a:solidFill>
@@ -3289,8 +5761,8 @@
           <a:cs typeface="+mn-cs"/>
         </a:defRPr>
       </a:lvl8pPr>
-      <a:lvl9pPr marL="3657600" algn="l" defTabSz="914400" rtl="0" eaLnBrk="1" latinLnBrk="0" hangingPunct="1">
-        <a:defRPr sz="1800" kern="1200">
+      <a:lvl9pPr marL="5364602" algn="l" defTabSz="1341150" rtl="0" eaLnBrk="1" latinLnBrk="0" hangingPunct="1">
+        <a:defRPr sz="2640" kern="1200">
           <a:solidFill>
             <a:schemeClr val="tx1"/>
           </a:solidFill>
@@ -3335,7 +5807,1641 @@
         </p:nvSpPr>
         <p:spPr>
           <a:xfrm>
-            <a:off x="781878" y="556591"/>
+            <a:off x="503036" y="2235977"/>
+            <a:ext cx="4641509" cy="735244"/>
+          </a:xfrm>
+          <a:prstGeom prst="roundRect">
+            <a:avLst/>
+          </a:prstGeom>
+          <a:solidFill>
+            <a:schemeClr val="accent6">
+              <a:lumMod val="20000"/>
+              <a:lumOff val="80000"/>
+            </a:schemeClr>
+          </a:solidFill>
+          <a:ln w="38100"/>
+        </p:spPr>
+        <p:style>
+          <a:lnRef idx="2">
+            <a:schemeClr val="accent1">
+              <a:shade val="50000"/>
+            </a:schemeClr>
+          </a:lnRef>
+          <a:fillRef idx="1">
+            <a:schemeClr val="accent1"/>
+          </a:fillRef>
+          <a:effectRef idx="0">
+            <a:schemeClr val="accent1"/>
+          </a:effectRef>
+          <a:fontRef idx="minor">
+            <a:schemeClr val="lt1"/>
+          </a:fontRef>
+        </p:style>
+        <p:txBody>
+          <a:bodyPr rtlCol="0" anchor="ctr"/>
+          <a:lstStyle/>
+          <a:p>
+            <a:r>
+              <a:rPr lang="en-US" b="1" dirty="0">
+                <a:solidFill>
+                  <a:schemeClr val="tx1"/>
+                </a:solidFill>
+                <a:latin typeface="Garamond" panose="02020404030301010803" pitchFamily="18" charset="0"/>
+              </a:rPr>
+              <a:t>Objective 1: </a:t>
+            </a:r>
+            <a:r>
+              <a:rPr lang="en-US" dirty="0">
+                <a:solidFill>
+                  <a:schemeClr val="tx1"/>
+                </a:solidFill>
+                <a:latin typeface="Garamond" panose="02020404030301010803" pitchFamily="18" charset="0"/>
+              </a:rPr>
+              <a:t>Assess sensitivity of </a:t>
+            </a:r>
+            <a:r>
+              <a:rPr lang="en-US" dirty="0" err="1">
+                <a:solidFill>
+                  <a:schemeClr val="tx1"/>
+                </a:solidFill>
+                <a:latin typeface="Garamond" panose="02020404030301010803" pitchFamily="18" charset="0"/>
+              </a:rPr>
+              <a:t>CKMR</a:t>
+            </a:r>
+            <a:r>
+              <a:rPr lang="en-US" dirty="0">
+                <a:solidFill>
+                  <a:schemeClr val="tx1"/>
+                </a:solidFill>
+                <a:latin typeface="Garamond" panose="02020404030301010803" pitchFamily="18" charset="0"/>
+              </a:rPr>
+              <a:t> model to the quality of biological information available</a:t>
+            </a:r>
+          </a:p>
+        </p:txBody>
+      </p:sp>
+      <p:sp>
+        <p:nvSpPr>
+          <p:cNvPr id="58" name="TextBox 57">
+            <a:extLst>
+              <a:ext uri="{FF2B5EF4-FFF2-40B4-BE49-F238E27FC236}">
+                <a16:creationId xmlns:a16="http://schemas.microsoft.com/office/drawing/2014/main" id="{2AAB3EE7-0B43-432D-93AC-97D31EEE4CD6}"/>
+              </a:ext>
+            </a:extLst>
+          </p:cNvPr>
+          <p:cNvSpPr txBox="1"/>
+          <p:nvPr/>
+        </p:nvSpPr>
+        <p:spPr>
+          <a:xfrm>
+            <a:off x="8487617" y="58258"/>
+            <a:ext cx="4970364" cy="461665"/>
+          </a:xfrm>
+          <a:prstGeom prst="rect">
+            <a:avLst/>
+          </a:prstGeom>
+          <a:noFill/>
+          <a:ln w="12700">
+            <a:noFill/>
+          </a:ln>
+        </p:spPr>
+        <p:txBody>
+          <a:bodyPr wrap="square" rtlCol="0">
+            <a:spAutoFit/>
+          </a:bodyPr>
+          <a:lstStyle>
+            <a:defPPr>
+              <a:defRPr lang="en-US"/>
+            </a:defPPr>
+            <a:lvl1pPr>
+              <a:defRPr>
+                <a:latin typeface="Garamond" panose="02020404030301010803" pitchFamily="18" charset="0"/>
+              </a:defRPr>
+            </a:lvl1pPr>
+          </a:lstStyle>
+          <a:p>
+            <a:r>
+              <a:rPr lang="en-US" sz="2400" b="1" dirty="0"/>
+              <a:t>Model validation (remaining steps)</a:t>
+            </a:r>
+          </a:p>
+        </p:txBody>
+      </p:sp>
+      <p:sp>
+        <p:nvSpPr>
+          <p:cNvPr id="36" name="Rectangle: Rounded Corners 35">
+            <a:extLst>
+              <a:ext uri="{FF2B5EF4-FFF2-40B4-BE49-F238E27FC236}">
+                <a16:creationId xmlns:a16="http://schemas.microsoft.com/office/drawing/2014/main" id="{CC7253D1-5493-4E02-93C2-580EB3CC4D67}"/>
+              </a:ext>
+            </a:extLst>
+          </p:cNvPr>
+          <p:cNvSpPr/>
+          <p:nvPr/>
+        </p:nvSpPr>
+        <p:spPr>
+          <a:xfrm>
+            <a:off x="6418872" y="2235977"/>
+            <a:ext cx="4316837" cy="735244"/>
+          </a:xfrm>
+          <a:prstGeom prst="roundRect">
+            <a:avLst/>
+          </a:prstGeom>
+          <a:solidFill>
+            <a:schemeClr val="accent6">
+              <a:lumMod val="40000"/>
+              <a:lumOff val="60000"/>
+            </a:schemeClr>
+          </a:solidFill>
+          <a:ln w="38100"/>
+        </p:spPr>
+        <p:style>
+          <a:lnRef idx="2">
+            <a:schemeClr val="accent1">
+              <a:shade val="50000"/>
+            </a:schemeClr>
+          </a:lnRef>
+          <a:fillRef idx="1">
+            <a:schemeClr val="accent1"/>
+          </a:fillRef>
+          <a:effectRef idx="0">
+            <a:schemeClr val="accent1"/>
+          </a:effectRef>
+          <a:fontRef idx="minor">
+            <a:schemeClr val="lt1"/>
+          </a:fontRef>
+        </p:style>
+        <p:txBody>
+          <a:bodyPr rtlCol="0" anchor="ctr"/>
+          <a:lstStyle/>
+          <a:p>
+            <a:pPr>
+              <a:defRPr/>
+            </a:pPr>
+            <a:r>
+              <a:rPr lang="en-US" b="1" dirty="0">
+                <a:solidFill>
+                  <a:schemeClr val="tx1"/>
+                </a:solidFill>
+                <a:latin typeface="Garamond" panose="02020404030301010803" pitchFamily="18" charset="0"/>
+              </a:rPr>
+              <a:t>Objective 2: </a:t>
+            </a:r>
+            <a:r>
+              <a:rPr lang="en-US" dirty="0">
+                <a:solidFill>
+                  <a:schemeClr val="tx1"/>
+                </a:solidFill>
+                <a:latin typeface="Garamond" panose="02020404030301010803" pitchFamily="18" charset="0"/>
+                <a:ea typeface="Calibri" panose="020F0502020204030204" pitchFamily="34" charset="0"/>
+                <a:cs typeface="Times New Roman" panose="02020603050405020304" pitchFamily="18" charset="0"/>
+              </a:rPr>
+              <a:t>Examine model performance with different elasmobranch life histories</a:t>
+            </a:r>
+            <a:endParaRPr lang="en-US" b="1" dirty="0">
+              <a:solidFill>
+                <a:schemeClr val="tx1"/>
+              </a:solidFill>
+              <a:latin typeface="Garamond" panose="02020404030301010803" pitchFamily="18" charset="0"/>
+            </a:endParaRPr>
+          </a:p>
+        </p:txBody>
+      </p:sp>
+      <p:sp>
+        <p:nvSpPr>
+          <p:cNvPr id="40" name="Rectangle: Rounded Corners 39">
+            <a:extLst>
+              <a:ext uri="{FF2B5EF4-FFF2-40B4-BE49-F238E27FC236}">
+                <a16:creationId xmlns:a16="http://schemas.microsoft.com/office/drawing/2014/main" id="{E3723AF3-B23B-4479-A948-6DC743101EF2}"/>
+              </a:ext>
+            </a:extLst>
+          </p:cNvPr>
+          <p:cNvSpPr/>
+          <p:nvPr/>
+        </p:nvSpPr>
+        <p:spPr>
+          <a:xfrm>
+            <a:off x="11482284" y="2235977"/>
+            <a:ext cx="4316837" cy="735244"/>
+          </a:xfrm>
+          <a:prstGeom prst="roundRect">
+            <a:avLst/>
+          </a:prstGeom>
+          <a:solidFill>
+            <a:schemeClr val="accent6">
+              <a:lumMod val="60000"/>
+              <a:lumOff val="40000"/>
+            </a:schemeClr>
+          </a:solidFill>
+          <a:ln w="38100"/>
+        </p:spPr>
+        <p:style>
+          <a:lnRef idx="2">
+            <a:schemeClr val="accent1">
+              <a:shade val="50000"/>
+            </a:schemeClr>
+          </a:lnRef>
+          <a:fillRef idx="1">
+            <a:schemeClr val="accent1"/>
+          </a:fillRef>
+          <a:effectRef idx="0">
+            <a:schemeClr val="accent1"/>
+          </a:effectRef>
+          <a:fontRef idx="minor">
+            <a:schemeClr val="lt1"/>
+          </a:fontRef>
+        </p:style>
+        <p:txBody>
+          <a:bodyPr rtlCol="0" anchor="ctr"/>
+          <a:lstStyle/>
+          <a:p>
+            <a:pPr>
+              <a:defRPr/>
+            </a:pPr>
+            <a:r>
+              <a:rPr lang="en-US" b="1" dirty="0">
+                <a:solidFill>
+                  <a:schemeClr val="tx1"/>
+                </a:solidFill>
+                <a:latin typeface="Garamond" panose="02020404030301010803" pitchFamily="18" charset="0"/>
+              </a:rPr>
+              <a:t>Objective 3: </a:t>
+            </a:r>
+            <a:r>
+              <a:rPr lang="en-US" dirty="0">
+                <a:solidFill>
+                  <a:schemeClr val="tx1"/>
+                </a:solidFill>
+                <a:latin typeface="Garamond" panose="02020404030301010803" pitchFamily="18" charset="0"/>
+                <a:ea typeface="Calibri" panose="020F0502020204030204" pitchFamily="34" charset="0"/>
+                <a:cs typeface="Times New Roman" panose="02020603050405020304" pitchFamily="18" charset="0"/>
+              </a:rPr>
+              <a:t>Evaluate model performance under different realistic sampling scenarios </a:t>
+            </a:r>
+            <a:endParaRPr lang="en-US" b="1" dirty="0">
+              <a:solidFill>
+                <a:schemeClr val="tx1"/>
+              </a:solidFill>
+              <a:latin typeface="Garamond" panose="02020404030301010803" pitchFamily="18" charset="0"/>
+            </a:endParaRPr>
+          </a:p>
+        </p:txBody>
+      </p:sp>
+      <p:sp>
+        <p:nvSpPr>
+          <p:cNvPr id="42" name="Rectangle: Rounded Corners 41">
+            <a:extLst>
+              <a:ext uri="{FF2B5EF4-FFF2-40B4-BE49-F238E27FC236}">
+                <a16:creationId xmlns:a16="http://schemas.microsoft.com/office/drawing/2014/main" id="{9DA1A5DA-BFBE-4C46-831A-7C2443B299A6}"/>
+              </a:ext>
+            </a:extLst>
+          </p:cNvPr>
+          <p:cNvSpPr/>
+          <p:nvPr/>
+        </p:nvSpPr>
+        <p:spPr>
+          <a:xfrm>
+            <a:off x="16468372" y="2214559"/>
+            <a:ext cx="4909849" cy="735244"/>
+          </a:xfrm>
+          <a:prstGeom prst="roundRect">
+            <a:avLst/>
+          </a:prstGeom>
+          <a:solidFill>
+            <a:schemeClr val="accent2">
+              <a:lumMod val="75000"/>
+            </a:schemeClr>
+          </a:solidFill>
+          <a:ln w="38100"/>
+        </p:spPr>
+        <p:style>
+          <a:lnRef idx="2">
+            <a:schemeClr val="accent1">
+              <a:shade val="50000"/>
+            </a:schemeClr>
+          </a:lnRef>
+          <a:fillRef idx="1">
+            <a:schemeClr val="accent1"/>
+          </a:fillRef>
+          <a:effectRef idx="0">
+            <a:schemeClr val="accent1"/>
+          </a:effectRef>
+          <a:fontRef idx="minor">
+            <a:schemeClr val="lt1"/>
+          </a:fontRef>
+        </p:style>
+        <p:txBody>
+          <a:bodyPr rtlCol="0" anchor="ctr"/>
+          <a:lstStyle/>
+          <a:p>
+            <a:pPr>
+              <a:defRPr/>
+            </a:pPr>
+            <a:r>
+              <a:rPr lang="en-US" b="1" dirty="0">
+                <a:solidFill>
+                  <a:schemeClr val="bg1"/>
+                </a:solidFill>
+                <a:latin typeface="Garamond" panose="02020404030301010803" pitchFamily="18" charset="0"/>
+              </a:rPr>
+              <a:t>Objective 4: </a:t>
+            </a:r>
+            <a:r>
+              <a:rPr lang="en-US" dirty="0">
+                <a:solidFill>
+                  <a:schemeClr val="bg1"/>
+                </a:solidFill>
+                <a:latin typeface="Garamond" panose="02020404030301010803" pitchFamily="18" charset="0"/>
+                <a:ea typeface="Calibri" panose="020F0502020204030204" pitchFamily="34" charset="0"/>
+                <a:cs typeface="Times New Roman" panose="02020603050405020304" pitchFamily="18" charset="0"/>
+              </a:rPr>
+              <a:t>Compare performance of naïve model to adapted model with Lemon Shark dataset</a:t>
+            </a:r>
+            <a:endParaRPr lang="en-US" b="1" dirty="0">
+              <a:solidFill>
+                <a:schemeClr val="bg1"/>
+              </a:solidFill>
+              <a:latin typeface="Garamond" panose="02020404030301010803" pitchFamily="18" charset="0"/>
+            </a:endParaRPr>
+          </a:p>
+        </p:txBody>
+      </p:sp>
+      <p:sp>
+        <p:nvSpPr>
+          <p:cNvPr id="44" name="TextBox 43">
+            <a:extLst>
+              <a:ext uri="{FF2B5EF4-FFF2-40B4-BE49-F238E27FC236}">
+                <a16:creationId xmlns:a16="http://schemas.microsoft.com/office/drawing/2014/main" id="{4C4564B3-D060-4F0F-BF91-285C490139E6}"/>
+              </a:ext>
+            </a:extLst>
+          </p:cNvPr>
+          <p:cNvSpPr txBox="1"/>
+          <p:nvPr/>
+        </p:nvSpPr>
+        <p:spPr>
+          <a:xfrm>
+            <a:off x="9741110" y="1753389"/>
+            <a:ext cx="4316837" cy="461665"/>
+          </a:xfrm>
+          <a:prstGeom prst="rect">
+            <a:avLst/>
+          </a:prstGeom>
+          <a:noFill/>
+          <a:ln w="12700">
+            <a:noFill/>
+          </a:ln>
+        </p:spPr>
+        <p:txBody>
+          <a:bodyPr wrap="square" rtlCol="0">
+            <a:spAutoFit/>
+          </a:bodyPr>
+          <a:lstStyle>
+            <a:defPPr>
+              <a:defRPr lang="en-US"/>
+            </a:defPPr>
+            <a:lvl1pPr>
+              <a:defRPr>
+                <a:latin typeface="Garamond" panose="02020404030301010803" pitchFamily="18" charset="0"/>
+              </a:defRPr>
+            </a:lvl1pPr>
+          </a:lstStyle>
+          <a:p>
+            <a:r>
+              <a:rPr lang="en-US" sz="2400" b="1" dirty="0"/>
+              <a:t>Sensitivity tests</a:t>
+            </a:r>
+          </a:p>
+        </p:txBody>
+      </p:sp>
+      <p:graphicFrame>
+        <p:nvGraphicFramePr>
+          <p:cNvPr id="12" name="Diagram 11">
+            <a:extLst>
+              <a:ext uri="{FF2B5EF4-FFF2-40B4-BE49-F238E27FC236}">
+                <a16:creationId xmlns:a16="http://schemas.microsoft.com/office/drawing/2014/main" id="{F835A6F8-8B0D-4C70-91FA-0022A5950616}"/>
+              </a:ext>
+            </a:extLst>
+          </p:cNvPr>
+          <p:cNvGraphicFramePr/>
+          <p:nvPr>
+            <p:extLst>
+              <p:ext uri="{D42A27DB-BD31-4B8C-83A1-F6EECF244321}">
+                <p14:modId xmlns:p14="http://schemas.microsoft.com/office/powerpoint/2010/main" val="2986506441"/>
+              </p:ext>
+            </p:extLst>
+          </p:nvPr>
+        </p:nvGraphicFramePr>
+        <p:xfrm>
+          <a:off x="524304" y="535627"/>
+          <a:ext cx="20771197" cy="676509"/>
+        </p:xfrm>
+        <a:graphic>
+          <a:graphicData uri="http://schemas.openxmlformats.org/drawingml/2006/diagram">
+            <dgm:relIds xmlns:dgm="http://schemas.openxmlformats.org/drawingml/2006/diagram" xmlns:r="http://schemas.openxmlformats.org/officeDocument/2006/relationships" r:dm="rId2" r:lo="rId3" r:qs="rId4" r:cs="rId5"/>
+          </a:graphicData>
+        </a:graphic>
+      </p:graphicFrame>
+      <p:sp>
+        <p:nvSpPr>
+          <p:cNvPr id="48" name="TextBox 47">
+            <a:extLst>
+              <a:ext uri="{FF2B5EF4-FFF2-40B4-BE49-F238E27FC236}">
+                <a16:creationId xmlns:a16="http://schemas.microsoft.com/office/drawing/2014/main" id="{60C0DFDF-06DB-48D0-8920-CC295A4630EB}"/>
+              </a:ext>
+            </a:extLst>
+          </p:cNvPr>
+          <p:cNvSpPr txBox="1"/>
+          <p:nvPr/>
+        </p:nvSpPr>
+        <p:spPr>
+          <a:xfrm>
+            <a:off x="0" y="4554260"/>
+            <a:ext cx="717784" cy="369332"/>
+          </a:xfrm>
+          <a:prstGeom prst="rect">
+            <a:avLst/>
+          </a:prstGeom>
+          <a:noFill/>
+          <a:ln w="12700">
+            <a:noFill/>
+          </a:ln>
+        </p:spPr>
+        <p:txBody>
+          <a:bodyPr wrap="square" rtlCol="0">
+            <a:spAutoFit/>
+          </a:bodyPr>
+          <a:lstStyle>
+            <a:defPPr>
+              <a:defRPr lang="en-US"/>
+            </a:defPPr>
+            <a:lvl1pPr>
+              <a:defRPr>
+                <a:latin typeface="Garamond" panose="02020404030301010803" pitchFamily="18" charset="0"/>
+              </a:defRPr>
+            </a:lvl1pPr>
+          </a:lstStyle>
+          <a:p>
+            <a:r>
+              <a:rPr lang="en-US" dirty="0"/>
+              <a:t>CV</a:t>
+            </a:r>
+          </a:p>
+        </p:txBody>
+      </p:sp>
+      <p:graphicFrame>
+        <p:nvGraphicFramePr>
+          <p:cNvPr id="22" name="Table 22">
+            <a:extLst>
+              <a:ext uri="{FF2B5EF4-FFF2-40B4-BE49-F238E27FC236}">
+                <a16:creationId xmlns:a16="http://schemas.microsoft.com/office/drawing/2014/main" id="{C268A635-AE48-4012-9ACB-8F78413F00BE}"/>
+              </a:ext>
+            </a:extLst>
+          </p:cNvPr>
+          <p:cNvGraphicFramePr>
+            <a:graphicFrameLocks noGrp="1"/>
+          </p:cNvGraphicFramePr>
+          <p:nvPr>
+            <p:extLst>
+              <p:ext uri="{D42A27DB-BD31-4B8C-83A1-F6EECF244321}">
+                <p14:modId xmlns:p14="http://schemas.microsoft.com/office/powerpoint/2010/main" val="2028240027"/>
+              </p:ext>
+            </p:extLst>
+          </p:nvPr>
+        </p:nvGraphicFramePr>
+        <p:xfrm>
+          <a:off x="587201" y="4004932"/>
+          <a:ext cx="5048058" cy="1483360"/>
+        </p:xfrm>
+        <a:graphic>
+          <a:graphicData uri="http://schemas.openxmlformats.org/drawingml/2006/table">
+            <a:tbl>
+              <a:tblPr firstRow="1" bandRow="1">
+                <a:tableStyleId>{8799B23B-EC83-4686-B30A-512413B5E67A}</a:tableStyleId>
+              </a:tblPr>
+              <a:tblGrid>
+                <a:gridCol w="841343">
+                  <a:extLst>
+                    <a:ext uri="{9D8B030D-6E8A-4147-A177-3AD203B41FA5}">
+                      <a16:colId xmlns:a16="http://schemas.microsoft.com/office/drawing/2014/main" val="3040635561"/>
+                    </a:ext>
+                  </a:extLst>
+                </a:gridCol>
+                <a:gridCol w="841343">
+                  <a:extLst>
+                    <a:ext uri="{9D8B030D-6E8A-4147-A177-3AD203B41FA5}">
+                      <a16:colId xmlns:a16="http://schemas.microsoft.com/office/drawing/2014/main" val="1638040488"/>
+                    </a:ext>
+                  </a:extLst>
+                </a:gridCol>
+                <a:gridCol w="841343">
+                  <a:extLst>
+                    <a:ext uri="{9D8B030D-6E8A-4147-A177-3AD203B41FA5}">
+                      <a16:colId xmlns:a16="http://schemas.microsoft.com/office/drawing/2014/main" val="229491986"/>
+                    </a:ext>
+                  </a:extLst>
+                </a:gridCol>
+                <a:gridCol w="841343">
+                  <a:extLst>
+                    <a:ext uri="{9D8B030D-6E8A-4147-A177-3AD203B41FA5}">
+                      <a16:colId xmlns:a16="http://schemas.microsoft.com/office/drawing/2014/main" val="2125390542"/>
+                    </a:ext>
+                  </a:extLst>
+                </a:gridCol>
+                <a:gridCol w="841343">
+                  <a:extLst>
+                    <a:ext uri="{9D8B030D-6E8A-4147-A177-3AD203B41FA5}">
+                      <a16:colId xmlns:a16="http://schemas.microsoft.com/office/drawing/2014/main" val="3289991590"/>
+                    </a:ext>
+                  </a:extLst>
+                </a:gridCol>
+                <a:gridCol w="841343">
+                  <a:extLst>
+                    <a:ext uri="{9D8B030D-6E8A-4147-A177-3AD203B41FA5}">
+                      <a16:colId xmlns:a16="http://schemas.microsoft.com/office/drawing/2014/main" val="3951498888"/>
+                    </a:ext>
+                  </a:extLst>
+                </a:gridCol>
+              </a:tblGrid>
+              <a:tr h="370840">
+                <a:tc>
+                  <a:txBody>
+                    <a:bodyPr/>
+                    <a:lstStyle/>
+                    <a:p>
+                      <a:endParaRPr lang="en-US" sz="1800" baseline="0" dirty="0"/>
+                    </a:p>
+                  </a:txBody>
+                  <a:tcPr/>
+                </a:tc>
+                <a:tc>
+                  <a:txBody>
+                    <a:bodyPr/>
+                    <a:lstStyle/>
+                    <a:p>
+                      <a:r>
+                        <a:rPr lang="en-US" sz="1800" baseline="0" dirty="0"/>
+                        <a:t>-0.5</a:t>
+                      </a:r>
+                    </a:p>
+                  </a:txBody>
+                  <a:tcPr/>
+                </a:tc>
+                <a:tc>
+                  <a:txBody>
+                    <a:bodyPr/>
+                    <a:lstStyle/>
+                    <a:p>
+                      <a:r>
+                        <a:rPr lang="en-US" sz="1800" baseline="0" dirty="0"/>
+                        <a:t>-0.25</a:t>
+                      </a:r>
+                    </a:p>
+                  </a:txBody>
+                  <a:tcPr/>
+                </a:tc>
+                <a:tc>
+                  <a:txBody>
+                    <a:bodyPr/>
+                    <a:lstStyle/>
+                    <a:p>
+                      <a:r>
+                        <a:rPr lang="en-US" sz="1800" baseline="0" dirty="0"/>
+                        <a:t>0</a:t>
+                      </a:r>
+                    </a:p>
+                  </a:txBody>
+                  <a:tcPr/>
+                </a:tc>
+                <a:tc>
+                  <a:txBody>
+                    <a:bodyPr/>
+                    <a:lstStyle/>
+                    <a:p>
+                      <a:r>
+                        <a:rPr lang="en-US" sz="1800" baseline="0" dirty="0"/>
+                        <a:t>0.25</a:t>
+                      </a:r>
+                    </a:p>
+                  </a:txBody>
+                  <a:tcPr/>
+                </a:tc>
+                <a:tc>
+                  <a:txBody>
+                    <a:bodyPr/>
+                    <a:lstStyle/>
+                    <a:p>
+                      <a:r>
+                        <a:rPr lang="en-US" sz="1800" baseline="0" dirty="0"/>
+                        <a:t>0.5</a:t>
+                      </a:r>
+                    </a:p>
+                  </a:txBody>
+                  <a:tcPr/>
+                </a:tc>
+                <a:extLst>
+                  <a:ext uri="{0D108BD9-81ED-4DB2-BD59-A6C34878D82A}">
+                    <a16:rowId xmlns:a16="http://schemas.microsoft.com/office/drawing/2014/main" val="2616535341"/>
+                  </a:ext>
+                </a:extLst>
+              </a:tr>
+              <a:tr h="370840">
+                <a:tc>
+                  <a:txBody>
+                    <a:bodyPr/>
+                    <a:lstStyle/>
+                    <a:p>
+                      <a:r>
+                        <a:rPr lang="en-US" sz="1800" baseline="0" dirty="0"/>
+                        <a:t>5%</a:t>
+                      </a:r>
+                    </a:p>
+                  </a:txBody>
+                  <a:tcPr/>
+                </a:tc>
+                <a:tc>
+                  <a:txBody>
+                    <a:bodyPr/>
+                    <a:lstStyle/>
+                    <a:p>
+                      <a:endParaRPr lang="en-US" sz="1800" baseline="0"/>
+                    </a:p>
+                  </a:txBody>
+                  <a:tcPr/>
+                </a:tc>
+                <a:tc>
+                  <a:txBody>
+                    <a:bodyPr/>
+                    <a:lstStyle/>
+                    <a:p>
+                      <a:endParaRPr lang="en-US" sz="1800" baseline="0"/>
+                    </a:p>
+                  </a:txBody>
+                  <a:tcPr/>
+                </a:tc>
+                <a:tc>
+                  <a:txBody>
+                    <a:bodyPr/>
+                    <a:lstStyle/>
+                    <a:p>
+                      <a:endParaRPr lang="en-US" sz="1800" baseline="0"/>
+                    </a:p>
+                  </a:txBody>
+                  <a:tcPr/>
+                </a:tc>
+                <a:tc>
+                  <a:txBody>
+                    <a:bodyPr/>
+                    <a:lstStyle/>
+                    <a:p>
+                      <a:endParaRPr lang="en-US" sz="1800" baseline="0"/>
+                    </a:p>
+                  </a:txBody>
+                  <a:tcPr/>
+                </a:tc>
+                <a:tc>
+                  <a:txBody>
+                    <a:bodyPr/>
+                    <a:lstStyle/>
+                    <a:p>
+                      <a:endParaRPr lang="en-US" sz="1800" baseline="0" dirty="0"/>
+                    </a:p>
+                  </a:txBody>
+                  <a:tcPr/>
+                </a:tc>
+                <a:extLst>
+                  <a:ext uri="{0D108BD9-81ED-4DB2-BD59-A6C34878D82A}">
+                    <a16:rowId xmlns:a16="http://schemas.microsoft.com/office/drawing/2014/main" val="2613697253"/>
+                  </a:ext>
+                </a:extLst>
+              </a:tr>
+              <a:tr h="370840">
+                <a:tc>
+                  <a:txBody>
+                    <a:bodyPr/>
+                    <a:lstStyle/>
+                    <a:p>
+                      <a:r>
+                        <a:rPr lang="en-US" sz="1800" baseline="0" dirty="0"/>
+                        <a:t>15%</a:t>
+                      </a:r>
+                    </a:p>
+                  </a:txBody>
+                  <a:tcPr/>
+                </a:tc>
+                <a:tc>
+                  <a:txBody>
+                    <a:bodyPr/>
+                    <a:lstStyle/>
+                    <a:p>
+                      <a:endParaRPr lang="en-US" sz="1800" baseline="0"/>
+                    </a:p>
+                  </a:txBody>
+                  <a:tcPr/>
+                </a:tc>
+                <a:tc>
+                  <a:txBody>
+                    <a:bodyPr/>
+                    <a:lstStyle/>
+                    <a:p>
+                      <a:endParaRPr lang="en-US" sz="1800" baseline="0"/>
+                    </a:p>
+                  </a:txBody>
+                  <a:tcPr/>
+                </a:tc>
+                <a:tc>
+                  <a:txBody>
+                    <a:bodyPr/>
+                    <a:lstStyle/>
+                    <a:p>
+                      <a:endParaRPr lang="en-US" sz="1800" baseline="0"/>
+                    </a:p>
+                  </a:txBody>
+                  <a:tcPr/>
+                </a:tc>
+                <a:tc>
+                  <a:txBody>
+                    <a:bodyPr/>
+                    <a:lstStyle/>
+                    <a:p>
+                      <a:endParaRPr lang="en-US" sz="1800" baseline="0"/>
+                    </a:p>
+                  </a:txBody>
+                  <a:tcPr/>
+                </a:tc>
+                <a:tc>
+                  <a:txBody>
+                    <a:bodyPr/>
+                    <a:lstStyle/>
+                    <a:p>
+                      <a:endParaRPr lang="en-US" sz="1800" baseline="0" dirty="0"/>
+                    </a:p>
+                  </a:txBody>
+                  <a:tcPr/>
+                </a:tc>
+                <a:extLst>
+                  <a:ext uri="{0D108BD9-81ED-4DB2-BD59-A6C34878D82A}">
+                    <a16:rowId xmlns:a16="http://schemas.microsoft.com/office/drawing/2014/main" val="2977810776"/>
+                  </a:ext>
+                </a:extLst>
+              </a:tr>
+              <a:tr h="370840">
+                <a:tc>
+                  <a:txBody>
+                    <a:bodyPr/>
+                    <a:lstStyle/>
+                    <a:p>
+                      <a:r>
+                        <a:rPr lang="en-US" sz="1800" baseline="0" dirty="0"/>
+                        <a:t>25%</a:t>
+                      </a:r>
+                    </a:p>
+                  </a:txBody>
+                  <a:tcPr/>
+                </a:tc>
+                <a:tc>
+                  <a:txBody>
+                    <a:bodyPr/>
+                    <a:lstStyle/>
+                    <a:p>
+                      <a:endParaRPr lang="en-US" sz="1800" baseline="0" dirty="0"/>
+                    </a:p>
+                  </a:txBody>
+                  <a:tcPr/>
+                </a:tc>
+                <a:tc>
+                  <a:txBody>
+                    <a:bodyPr/>
+                    <a:lstStyle/>
+                    <a:p>
+                      <a:endParaRPr lang="en-US" sz="1800" baseline="0"/>
+                    </a:p>
+                  </a:txBody>
+                  <a:tcPr/>
+                </a:tc>
+                <a:tc>
+                  <a:txBody>
+                    <a:bodyPr/>
+                    <a:lstStyle/>
+                    <a:p>
+                      <a:endParaRPr lang="en-US" sz="1800" baseline="0"/>
+                    </a:p>
+                  </a:txBody>
+                  <a:tcPr/>
+                </a:tc>
+                <a:tc>
+                  <a:txBody>
+                    <a:bodyPr/>
+                    <a:lstStyle/>
+                    <a:p>
+                      <a:endParaRPr lang="en-US" sz="1800" baseline="0"/>
+                    </a:p>
+                  </a:txBody>
+                  <a:tcPr/>
+                </a:tc>
+                <a:tc>
+                  <a:txBody>
+                    <a:bodyPr/>
+                    <a:lstStyle/>
+                    <a:p>
+                      <a:endParaRPr lang="en-US" sz="1800" baseline="0" dirty="0"/>
+                    </a:p>
+                  </a:txBody>
+                  <a:tcPr/>
+                </a:tc>
+                <a:extLst>
+                  <a:ext uri="{0D108BD9-81ED-4DB2-BD59-A6C34878D82A}">
+                    <a16:rowId xmlns:a16="http://schemas.microsoft.com/office/drawing/2014/main" val="2955041922"/>
+                  </a:ext>
+                </a:extLst>
+              </a:tr>
+            </a:tbl>
+          </a:graphicData>
+        </a:graphic>
+      </p:graphicFrame>
+      <p:sp>
+        <p:nvSpPr>
+          <p:cNvPr id="50" name="TextBox 49">
+            <a:extLst>
+              <a:ext uri="{FF2B5EF4-FFF2-40B4-BE49-F238E27FC236}">
+                <a16:creationId xmlns:a16="http://schemas.microsoft.com/office/drawing/2014/main" id="{DCA197CD-02A2-4EFC-8E78-B4E615E55CAB}"/>
+              </a:ext>
+            </a:extLst>
+          </p:cNvPr>
+          <p:cNvSpPr txBox="1"/>
+          <p:nvPr/>
+        </p:nvSpPr>
+        <p:spPr>
+          <a:xfrm>
+            <a:off x="1174403" y="3696936"/>
+            <a:ext cx="5048057" cy="369332"/>
+          </a:xfrm>
+          <a:prstGeom prst="rect">
+            <a:avLst/>
+          </a:prstGeom>
+          <a:noFill/>
+          <a:ln w="12700">
+            <a:noFill/>
+          </a:ln>
+        </p:spPr>
+        <p:txBody>
+          <a:bodyPr wrap="square" rtlCol="0">
+            <a:spAutoFit/>
+          </a:bodyPr>
+          <a:lstStyle>
+            <a:defPPr>
+              <a:defRPr lang="en-US"/>
+            </a:defPPr>
+            <a:lvl1pPr>
+              <a:defRPr>
+                <a:latin typeface="Garamond" panose="02020404030301010803" pitchFamily="18" charset="0"/>
+              </a:defRPr>
+            </a:lvl1pPr>
+          </a:lstStyle>
+          <a:p>
+            <a:r>
+              <a:rPr lang="en-US" dirty="0"/>
+              <a:t>Correlation between maturity and survival</a:t>
+            </a:r>
+          </a:p>
+        </p:txBody>
+      </p:sp>
+      <p:sp>
+        <p:nvSpPr>
+          <p:cNvPr id="23" name="TextBox 22">
+            <a:extLst>
+              <a:ext uri="{FF2B5EF4-FFF2-40B4-BE49-F238E27FC236}">
+                <a16:creationId xmlns:a16="http://schemas.microsoft.com/office/drawing/2014/main" id="{8C404611-2322-46A7-B9B4-724AAC9ED241}"/>
+              </a:ext>
+            </a:extLst>
+          </p:cNvPr>
+          <p:cNvSpPr txBox="1"/>
+          <p:nvPr/>
+        </p:nvSpPr>
+        <p:spPr>
+          <a:xfrm>
+            <a:off x="587201" y="5540214"/>
+            <a:ext cx="5048058" cy="4524315"/>
+          </a:xfrm>
+          <a:prstGeom prst="rect">
+            <a:avLst/>
+          </a:prstGeom>
+          <a:noFill/>
+        </p:spPr>
+        <p:txBody>
+          <a:bodyPr wrap="square" rtlCol="0">
+            <a:spAutoFit/>
+          </a:bodyPr>
+          <a:lstStyle/>
+          <a:p>
+            <a:pPr marL="285750" indent="-285750">
+              <a:buFont typeface="Arial" panose="020B0604020202020204" pitchFamily="34" charset="0"/>
+              <a:buChar char="•"/>
+            </a:pPr>
+            <a:r>
+              <a:rPr lang="en-US" dirty="0"/>
+              <a:t>Vary CV around mean parameter estimate, and correlation among parameters.</a:t>
+            </a:r>
+          </a:p>
+          <a:p>
+            <a:pPr marL="285750" indent="-285750">
+              <a:buFont typeface="Arial" panose="020B0604020202020204" pitchFamily="34" charset="0"/>
+              <a:buChar char="•"/>
+            </a:pPr>
+            <a:r>
+              <a:rPr lang="en-US" dirty="0"/>
+              <a:t>Randomly draw 1000 values for each parameter from a multivariate normal distribution.</a:t>
+            </a:r>
+          </a:p>
+          <a:p>
+            <a:pPr marL="285750" indent="-285750">
+              <a:buFont typeface="Arial" panose="020B0604020202020204" pitchFamily="34" charset="0"/>
+              <a:buChar char="•"/>
+            </a:pPr>
+            <a:r>
+              <a:rPr lang="en-US" dirty="0"/>
+              <a:t>Make Leslie matrix using each combination of values (so 1000 matrices for each combination)</a:t>
+            </a:r>
+          </a:p>
+          <a:p>
+            <a:pPr marL="285750" indent="-285750">
+              <a:buFont typeface="Arial" panose="020B0604020202020204" pitchFamily="34" charset="0"/>
+              <a:buChar char="•"/>
+            </a:pPr>
+            <a:r>
+              <a:rPr lang="en-US" dirty="0"/>
+              <a:t>Extract lambda from each Leslie matrix</a:t>
+            </a:r>
+          </a:p>
+          <a:p>
+            <a:pPr marL="285750" indent="-285750">
+              <a:buFont typeface="Arial" panose="020B0604020202020204" pitchFamily="34" charset="0"/>
+              <a:buChar char="•"/>
+            </a:pPr>
+            <a:r>
+              <a:rPr lang="en-US" dirty="0"/>
+              <a:t>Calculate mean and </a:t>
+            </a:r>
+            <a:r>
+              <a:rPr lang="en-US" dirty="0" err="1"/>
+              <a:t>sd</a:t>
+            </a:r>
+            <a:r>
+              <a:rPr lang="en-US" dirty="0"/>
+              <a:t> from distribution of lambda values</a:t>
+            </a:r>
+          </a:p>
+          <a:p>
+            <a:pPr marL="285750" indent="-285750">
+              <a:buFont typeface="Arial" panose="020B0604020202020204" pitchFamily="34" charset="0"/>
+              <a:buChar char="•"/>
+            </a:pPr>
+            <a:r>
+              <a:rPr lang="en-US" dirty="0"/>
+              <a:t>Use these as the mean and </a:t>
+            </a:r>
+            <a:r>
+              <a:rPr lang="en-US" dirty="0" err="1"/>
+              <a:t>sd</a:t>
+            </a:r>
+            <a:r>
+              <a:rPr lang="en-US" dirty="0"/>
+              <a:t> on the lambda prior</a:t>
+            </a:r>
+          </a:p>
+          <a:p>
+            <a:pPr marL="285750" indent="-285750">
+              <a:buFont typeface="Arial" panose="020B0604020202020204" pitchFamily="34" charset="0"/>
+              <a:buChar char="•"/>
+            </a:pPr>
+            <a:r>
+              <a:rPr lang="en-US" dirty="0"/>
+              <a:t>Assess bias and precision of resulting abundance estimate</a:t>
+            </a:r>
+          </a:p>
+          <a:p>
+            <a:pPr marL="285750" indent="-285750">
+              <a:buFont typeface="Arial" panose="020B0604020202020204" pitchFamily="34" charset="0"/>
+              <a:buChar char="•"/>
+            </a:pPr>
+            <a:endParaRPr lang="en-US" dirty="0"/>
+          </a:p>
+          <a:p>
+            <a:pPr marL="285750" indent="-285750">
+              <a:buFont typeface="Arial" panose="020B0604020202020204" pitchFamily="34" charset="0"/>
+              <a:buChar char="•"/>
+            </a:pPr>
+            <a:r>
+              <a:rPr lang="en-US" dirty="0"/>
+              <a:t>Separately, vary aging accuracy and assess bias and precision of resulting abundance estimates</a:t>
+            </a:r>
+          </a:p>
+        </p:txBody>
+      </p:sp>
+      <p:sp>
+        <p:nvSpPr>
+          <p:cNvPr id="59" name="TextBox 58">
+            <a:extLst>
+              <a:ext uri="{FF2B5EF4-FFF2-40B4-BE49-F238E27FC236}">
+                <a16:creationId xmlns:a16="http://schemas.microsoft.com/office/drawing/2014/main" id="{41659C13-2CB8-44A6-A9D2-A7420249F9AE}"/>
+              </a:ext>
+            </a:extLst>
+          </p:cNvPr>
+          <p:cNvSpPr txBox="1"/>
+          <p:nvPr/>
+        </p:nvSpPr>
+        <p:spPr>
+          <a:xfrm>
+            <a:off x="6035644" y="3474733"/>
+            <a:ext cx="5048058" cy="2862322"/>
+          </a:xfrm>
+          <a:prstGeom prst="rect">
+            <a:avLst/>
+          </a:prstGeom>
+          <a:noFill/>
+        </p:spPr>
+        <p:txBody>
+          <a:bodyPr wrap="square" rtlCol="0">
+            <a:spAutoFit/>
+          </a:bodyPr>
+          <a:lstStyle/>
+          <a:p>
+            <a:pPr marL="285750" indent="-285750">
+              <a:buFont typeface="Arial" panose="020B0604020202020204" pitchFamily="34" charset="0"/>
+              <a:buChar char="•"/>
+            </a:pPr>
+            <a:r>
+              <a:rPr lang="en-US" dirty="0"/>
+              <a:t>Repeat the analyses from Objective 1 but simulate population with:</a:t>
+            </a:r>
+          </a:p>
+          <a:p>
+            <a:pPr marL="742950" lvl="1" indent="-285750">
+              <a:buFont typeface="Arial" panose="020B0604020202020204" pitchFamily="34" charset="0"/>
+              <a:buChar char="•"/>
+            </a:pPr>
+            <a:r>
+              <a:rPr lang="en-US" dirty="0"/>
+              <a:t>Earlier age at maturity (e.g. bonnetheads, scalloped hammerheads)</a:t>
+            </a:r>
+          </a:p>
+          <a:p>
+            <a:pPr marL="742950" lvl="1" indent="-285750">
+              <a:buFont typeface="Arial" panose="020B0604020202020204" pitchFamily="34" charset="0"/>
+              <a:buChar char="•"/>
+            </a:pPr>
+            <a:r>
+              <a:rPr lang="en-US" dirty="0"/>
+              <a:t>Later age at maturity (e.g. dogfish, dusky shark)</a:t>
+            </a:r>
+          </a:p>
+          <a:p>
+            <a:pPr marL="742950" lvl="1" indent="-285750">
+              <a:buFont typeface="Arial" panose="020B0604020202020204" pitchFamily="34" charset="0"/>
+              <a:buChar char="•"/>
+            </a:pPr>
+            <a:r>
+              <a:rPr lang="en-US" dirty="0"/>
+              <a:t>Lower fecundity (e.g. manta ray, cownose ray)</a:t>
+            </a:r>
+          </a:p>
+          <a:p>
+            <a:pPr marL="742950" lvl="1" indent="-285750">
+              <a:buFont typeface="Arial" panose="020B0604020202020204" pitchFamily="34" charset="0"/>
+              <a:buChar char="•"/>
+            </a:pPr>
+            <a:r>
+              <a:rPr lang="en-US" dirty="0"/>
+              <a:t>Higher fecundity (e.g. hammerheads, skates)</a:t>
+            </a:r>
+          </a:p>
+        </p:txBody>
+      </p:sp>
+      <p:sp>
+        <p:nvSpPr>
+          <p:cNvPr id="60" name="TextBox 59">
+            <a:extLst>
+              <a:ext uri="{FF2B5EF4-FFF2-40B4-BE49-F238E27FC236}">
+                <a16:creationId xmlns:a16="http://schemas.microsoft.com/office/drawing/2014/main" id="{B4235302-507B-4339-BC41-0A14DD849683}"/>
+              </a:ext>
+            </a:extLst>
+          </p:cNvPr>
+          <p:cNvSpPr txBox="1"/>
+          <p:nvPr/>
+        </p:nvSpPr>
+        <p:spPr>
+          <a:xfrm>
+            <a:off x="1046101" y="2817776"/>
+            <a:ext cx="5048057" cy="884216"/>
+          </a:xfrm>
+          <a:prstGeom prst="rect">
+            <a:avLst/>
+          </a:prstGeom>
+          <a:noFill/>
+          <a:ln w="12700">
+            <a:noFill/>
+          </a:ln>
+        </p:spPr>
+        <p:txBody>
+          <a:bodyPr wrap="square" rtlCol="0">
+            <a:spAutoFit/>
+          </a:bodyPr>
+          <a:lstStyle>
+            <a:defPPr>
+              <a:defRPr lang="en-US"/>
+            </a:defPPr>
+            <a:lvl1pPr>
+              <a:defRPr>
+                <a:latin typeface="Garamond" panose="02020404030301010803" pitchFamily="18" charset="0"/>
+              </a:defRPr>
+            </a:lvl1pPr>
+          </a:lstStyle>
+          <a:p>
+            <a:pPr>
+              <a:lnSpc>
+                <a:spcPct val="150000"/>
+              </a:lnSpc>
+            </a:pPr>
+            <a:r>
+              <a:rPr lang="en-US" b="1" dirty="0"/>
+              <a:t>Assume Lemon Shark life history</a:t>
+            </a:r>
+            <a:endParaRPr lang="en-US" sz="1600" b="1" dirty="0"/>
+          </a:p>
+          <a:p>
+            <a:pPr>
+              <a:lnSpc>
+                <a:spcPct val="150000"/>
+              </a:lnSpc>
+            </a:pPr>
+            <a:r>
+              <a:rPr lang="en-US" b="1" dirty="0"/>
+              <a:t>Matrix of CV and correlation values to test</a:t>
+            </a:r>
+          </a:p>
+        </p:txBody>
+      </p:sp>
+      <p:cxnSp>
+        <p:nvCxnSpPr>
+          <p:cNvPr id="26" name="Connector: Elbow 25">
+            <a:extLst>
+              <a:ext uri="{FF2B5EF4-FFF2-40B4-BE49-F238E27FC236}">
+                <a16:creationId xmlns:a16="http://schemas.microsoft.com/office/drawing/2014/main" id="{96B73E22-D0C1-4B2B-927B-61234038D90F}"/>
+              </a:ext>
+            </a:extLst>
+          </p:cNvPr>
+          <p:cNvCxnSpPr>
+            <a:cxnSpLocks/>
+            <a:stCxn id="12" idx="3"/>
+            <a:endCxn id="4" idx="0"/>
+          </p:cNvCxnSpPr>
+          <p:nvPr/>
+        </p:nvCxnSpPr>
+        <p:spPr>
+          <a:xfrm flipH="1">
+            <a:off x="2823791" y="873881"/>
+            <a:ext cx="18471710" cy="1362096"/>
+          </a:xfrm>
+          <a:prstGeom prst="bentConnector4">
+            <a:avLst>
+              <a:gd name="adj1" fmla="val -1238"/>
+              <a:gd name="adj2" fmla="val 62417"/>
+            </a:avLst>
+          </a:prstGeom>
+          <a:ln w="76200">
+            <a:solidFill>
+              <a:schemeClr val="accent1">
+                <a:lumMod val="50000"/>
+              </a:schemeClr>
+            </a:solidFill>
+            <a:prstDash val="solid"/>
+            <a:tailEnd type="triangle"/>
+          </a:ln>
+        </p:spPr>
+        <p:style>
+          <a:lnRef idx="1">
+            <a:schemeClr val="accent1"/>
+          </a:lnRef>
+          <a:fillRef idx="0">
+            <a:schemeClr val="accent1"/>
+          </a:fillRef>
+          <a:effectRef idx="0">
+            <a:schemeClr val="accent1"/>
+          </a:effectRef>
+          <a:fontRef idx="minor">
+            <a:schemeClr val="tx1"/>
+          </a:fontRef>
+        </p:style>
+      </p:cxnSp>
+      <p:sp>
+        <p:nvSpPr>
+          <p:cNvPr id="61" name="TextBox 60">
+            <a:extLst>
+              <a:ext uri="{FF2B5EF4-FFF2-40B4-BE49-F238E27FC236}">
+                <a16:creationId xmlns:a16="http://schemas.microsoft.com/office/drawing/2014/main" id="{395ABF9E-66F6-4CCD-952B-5E2F41A95A83}"/>
+              </a:ext>
+            </a:extLst>
+          </p:cNvPr>
+          <p:cNvSpPr txBox="1"/>
+          <p:nvPr/>
+        </p:nvSpPr>
+        <p:spPr>
+          <a:xfrm>
+            <a:off x="11969614" y="2907840"/>
+            <a:ext cx="5048058" cy="369332"/>
+          </a:xfrm>
+          <a:prstGeom prst="rect">
+            <a:avLst/>
+          </a:prstGeom>
+          <a:noFill/>
+        </p:spPr>
+        <p:txBody>
+          <a:bodyPr wrap="square" rtlCol="0">
+            <a:spAutoFit/>
+          </a:bodyPr>
+          <a:lstStyle/>
+          <a:p>
+            <a:r>
+              <a:rPr lang="en-US" sz="1800" b="1" dirty="0"/>
+              <a:t>Assume Lemon Shark life history</a:t>
+            </a:r>
+          </a:p>
+        </p:txBody>
+      </p:sp>
+      <p:sp>
+        <p:nvSpPr>
+          <p:cNvPr id="62" name="TextBox 61">
+            <a:extLst>
+              <a:ext uri="{FF2B5EF4-FFF2-40B4-BE49-F238E27FC236}">
+                <a16:creationId xmlns:a16="http://schemas.microsoft.com/office/drawing/2014/main" id="{13701929-9222-4219-B56B-3A484564EE1C}"/>
+              </a:ext>
+            </a:extLst>
+          </p:cNvPr>
+          <p:cNvSpPr txBox="1"/>
+          <p:nvPr/>
+        </p:nvSpPr>
+        <p:spPr>
+          <a:xfrm>
+            <a:off x="11533918" y="3470875"/>
+            <a:ext cx="5048058" cy="3970318"/>
+          </a:xfrm>
+          <a:prstGeom prst="rect">
+            <a:avLst/>
+          </a:prstGeom>
+          <a:noFill/>
+        </p:spPr>
+        <p:txBody>
+          <a:bodyPr wrap="square" rtlCol="0">
+            <a:spAutoFit/>
+          </a:bodyPr>
+          <a:lstStyle/>
+          <a:p>
+            <a:pPr marL="285750" indent="-285750">
+              <a:buFont typeface="Arial" panose="020B0604020202020204" pitchFamily="34" charset="0"/>
+              <a:buChar char="•"/>
+            </a:pPr>
+            <a:r>
+              <a:rPr lang="en-US" dirty="0"/>
+              <a:t>Pick one prior for lambda</a:t>
+            </a:r>
+          </a:p>
+          <a:p>
+            <a:pPr marL="285750" indent="-285750">
+              <a:buFont typeface="Arial" panose="020B0604020202020204" pitchFamily="34" charset="0"/>
+              <a:buChar char="•"/>
+            </a:pPr>
+            <a:endParaRPr lang="en-US" dirty="0"/>
+          </a:p>
+          <a:p>
+            <a:pPr marL="285750" indent="-285750">
+              <a:buFont typeface="Arial" panose="020B0604020202020204" pitchFamily="34" charset="0"/>
+              <a:buChar char="•"/>
+            </a:pPr>
+            <a:r>
+              <a:rPr lang="en-US" dirty="0"/>
+              <a:t>Simulate sampling from the following populations/age structure:</a:t>
+            </a:r>
+          </a:p>
+          <a:p>
+            <a:pPr marL="742950" lvl="1" indent="-285750">
+              <a:buFont typeface="Arial" panose="020B0604020202020204" pitchFamily="34" charset="0"/>
+              <a:buChar char="•"/>
+            </a:pPr>
+            <a:r>
+              <a:rPr lang="en-US" dirty="0"/>
+              <a:t>nursery area (YOY &amp; juveniles only)</a:t>
+            </a:r>
+          </a:p>
+          <a:p>
+            <a:pPr marL="742950" lvl="1" indent="-285750">
+              <a:buFont typeface="Arial" panose="020B0604020202020204" pitchFamily="34" charset="0"/>
+              <a:buChar char="•"/>
+            </a:pPr>
+            <a:r>
+              <a:rPr lang="en-US" dirty="0"/>
+              <a:t>adult aggregation site (adults only)</a:t>
+            </a:r>
+          </a:p>
+          <a:p>
+            <a:pPr marL="742950" lvl="1" indent="-285750">
+              <a:buFont typeface="Arial" panose="020B0604020202020204" pitchFamily="34" charset="0"/>
+              <a:buChar char="•"/>
+            </a:pPr>
+            <a:r>
+              <a:rPr lang="en-US" dirty="0"/>
+              <a:t>mixed fishery (all ages)</a:t>
+            </a:r>
+          </a:p>
+          <a:p>
+            <a:pPr marL="285750" indent="-285750">
+              <a:buFont typeface="Arial" panose="020B0604020202020204" pitchFamily="34" charset="0"/>
+              <a:buChar char="•"/>
+            </a:pPr>
+            <a:endParaRPr lang="en-US" dirty="0"/>
+          </a:p>
+          <a:p>
+            <a:pPr marL="285750" indent="-285750">
+              <a:buFont typeface="Arial" panose="020B0604020202020204" pitchFamily="34" charset="0"/>
+              <a:buChar char="•"/>
+            </a:pPr>
+            <a:r>
+              <a:rPr lang="en-US" dirty="0"/>
+              <a:t>Repeat sampling of each of the above situations over varying time periods, holding the total number of samples constant.</a:t>
+            </a:r>
+          </a:p>
+          <a:p>
+            <a:pPr marL="742950" lvl="1" indent="-285750">
+              <a:buFont typeface="Arial" panose="020B0604020202020204" pitchFamily="34" charset="0"/>
+              <a:buChar char="•"/>
+            </a:pPr>
+            <a:r>
+              <a:rPr lang="en-US" dirty="0"/>
+              <a:t>One year of intense sampling</a:t>
+            </a:r>
+          </a:p>
+          <a:p>
+            <a:pPr marL="742950" lvl="1" indent="-285750">
+              <a:buFont typeface="Arial" panose="020B0604020202020204" pitchFamily="34" charset="0"/>
+              <a:buChar char="•"/>
+            </a:pPr>
+            <a:r>
+              <a:rPr lang="en-US" dirty="0"/>
+              <a:t>Five years of moderate sampling</a:t>
+            </a:r>
+          </a:p>
+          <a:p>
+            <a:pPr marL="742950" lvl="1" indent="-285750">
+              <a:buFont typeface="Arial" panose="020B0604020202020204" pitchFamily="34" charset="0"/>
+              <a:buChar char="•"/>
+            </a:pPr>
+            <a:r>
+              <a:rPr lang="en-US" dirty="0"/>
+              <a:t>Ten years of light sampling</a:t>
+            </a:r>
+          </a:p>
+        </p:txBody>
+      </p:sp>
+      <p:sp>
+        <p:nvSpPr>
+          <p:cNvPr id="63" name="TextBox 62">
+            <a:extLst>
+              <a:ext uri="{FF2B5EF4-FFF2-40B4-BE49-F238E27FC236}">
+                <a16:creationId xmlns:a16="http://schemas.microsoft.com/office/drawing/2014/main" id="{D801482A-2544-4B0C-98E1-F30A204049B5}"/>
+              </a:ext>
+            </a:extLst>
+          </p:cNvPr>
+          <p:cNvSpPr txBox="1"/>
+          <p:nvPr/>
+        </p:nvSpPr>
+        <p:spPr>
+          <a:xfrm>
+            <a:off x="7451958" y="2917856"/>
+            <a:ext cx="5048058" cy="369332"/>
+          </a:xfrm>
+          <a:prstGeom prst="rect">
+            <a:avLst/>
+          </a:prstGeom>
+          <a:noFill/>
+        </p:spPr>
+        <p:txBody>
+          <a:bodyPr wrap="square" rtlCol="0">
+            <a:spAutoFit/>
+          </a:bodyPr>
+          <a:lstStyle/>
+          <a:p>
+            <a:r>
+              <a:rPr lang="en-US" sz="1800" b="1" dirty="0"/>
+              <a:t>Vary life history</a:t>
+            </a:r>
+          </a:p>
+        </p:txBody>
+      </p:sp>
+      <p:sp>
+        <p:nvSpPr>
+          <p:cNvPr id="64" name="TextBox 63">
+            <a:extLst>
+              <a:ext uri="{FF2B5EF4-FFF2-40B4-BE49-F238E27FC236}">
+                <a16:creationId xmlns:a16="http://schemas.microsoft.com/office/drawing/2014/main" id="{68C91EAD-A2BF-4B37-B3E8-496399BC5F31}"/>
+              </a:ext>
+            </a:extLst>
+          </p:cNvPr>
+          <p:cNvSpPr txBox="1"/>
+          <p:nvPr/>
+        </p:nvSpPr>
+        <p:spPr>
+          <a:xfrm>
+            <a:off x="16673918" y="2907840"/>
+            <a:ext cx="5048058" cy="369332"/>
+          </a:xfrm>
+          <a:prstGeom prst="rect">
+            <a:avLst/>
+          </a:prstGeom>
+          <a:noFill/>
+        </p:spPr>
+        <p:txBody>
+          <a:bodyPr wrap="square" rtlCol="0">
+            <a:spAutoFit/>
+          </a:bodyPr>
+          <a:lstStyle/>
+          <a:p>
+            <a:r>
+              <a:rPr lang="en-US" sz="1800" b="1" dirty="0"/>
+              <a:t>Assume Lemon Shark life history (obviously)</a:t>
+            </a:r>
+          </a:p>
+        </p:txBody>
+      </p:sp>
+      <p:sp>
+        <p:nvSpPr>
+          <p:cNvPr id="66" name="TextBox 65">
+            <a:extLst>
+              <a:ext uri="{FF2B5EF4-FFF2-40B4-BE49-F238E27FC236}">
+                <a16:creationId xmlns:a16="http://schemas.microsoft.com/office/drawing/2014/main" id="{23438E70-0B19-4D2A-95C2-486AF193F5C0}"/>
+              </a:ext>
+            </a:extLst>
+          </p:cNvPr>
+          <p:cNvSpPr txBox="1"/>
+          <p:nvPr/>
+        </p:nvSpPr>
+        <p:spPr>
+          <a:xfrm>
+            <a:off x="16527129" y="3470875"/>
+            <a:ext cx="5048058" cy="5078313"/>
+          </a:xfrm>
+          <a:prstGeom prst="rect">
+            <a:avLst/>
+          </a:prstGeom>
+          <a:noFill/>
+        </p:spPr>
+        <p:txBody>
+          <a:bodyPr wrap="square" rtlCol="0">
+            <a:spAutoFit/>
+          </a:bodyPr>
+          <a:lstStyle/>
+          <a:p>
+            <a:pPr marL="285750" indent="-285750">
+              <a:buFont typeface="Arial" panose="020B0604020202020204" pitchFamily="34" charset="0"/>
+              <a:buChar char="•"/>
+            </a:pPr>
+            <a:r>
+              <a:rPr lang="en-US" dirty="0"/>
+              <a:t>Fit the base model to the Lemon Shark data and assess model fit and precision.</a:t>
+            </a:r>
+          </a:p>
+          <a:p>
+            <a:pPr marL="285750" indent="-285750">
+              <a:buFont typeface="Arial" panose="020B0604020202020204" pitchFamily="34" charset="0"/>
+              <a:buChar char="•"/>
+            </a:pPr>
+            <a:r>
+              <a:rPr lang="en-US" dirty="0"/>
+              <a:t>Can assess bias by using established parameter values for juveniles in a Leslie matrix to calculate a rough estimate of adult abundance, and then comparing our </a:t>
+            </a:r>
+            <a:r>
+              <a:rPr lang="en-US" dirty="0" err="1"/>
+              <a:t>CKMR</a:t>
+            </a:r>
+            <a:r>
+              <a:rPr lang="en-US" dirty="0"/>
+              <a:t> estimate to this.</a:t>
+            </a:r>
+          </a:p>
+          <a:p>
+            <a:pPr marL="285750" indent="-285750">
+              <a:buFont typeface="Arial" panose="020B0604020202020204" pitchFamily="34" charset="0"/>
+              <a:buChar char="•"/>
+            </a:pPr>
+            <a:endParaRPr lang="en-US" dirty="0"/>
+          </a:p>
+          <a:p>
+            <a:pPr marL="285750" indent="-285750">
+              <a:buFont typeface="Arial" panose="020B0604020202020204" pitchFamily="34" charset="0"/>
+              <a:buChar char="•"/>
+            </a:pPr>
+            <a:r>
+              <a:rPr lang="en-US" dirty="0"/>
+              <a:t>Bring in </a:t>
+            </a:r>
+            <a:r>
+              <a:rPr lang="en-US" dirty="0" err="1"/>
+              <a:t>CPUE</a:t>
+            </a:r>
+            <a:r>
+              <a:rPr lang="en-US" dirty="0"/>
+              <a:t> data from Kessel et. al. (2016) to set an informed prior on abundance.</a:t>
+            </a:r>
+          </a:p>
+          <a:p>
+            <a:pPr marL="285750" indent="-285750">
+              <a:buFont typeface="Arial" panose="020B0604020202020204" pitchFamily="34" charset="0"/>
+              <a:buChar char="•"/>
+            </a:pPr>
+            <a:r>
+              <a:rPr lang="en-US" dirty="0"/>
+              <a:t>Assess model fit and precision.</a:t>
+            </a:r>
+          </a:p>
+          <a:p>
+            <a:pPr marL="742950" lvl="1" indent="-285750">
+              <a:buFont typeface="Arial" panose="020B0604020202020204" pitchFamily="34" charset="0"/>
+              <a:buChar char="•"/>
+            </a:pPr>
+            <a:r>
+              <a:rPr lang="en-US" dirty="0"/>
+              <a:t>Do these metrics improve relative to the base model?</a:t>
+            </a:r>
+          </a:p>
+          <a:p>
+            <a:pPr marL="285750" indent="-285750">
+              <a:buFont typeface="Arial" panose="020B0604020202020204" pitchFamily="34" charset="0"/>
+              <a:buChar char="•"/>
+            </a:pPr>
+            <a:endParaRPr lang="en-US" dirty="0"/>
+          </a:p>
+          <a:p>
+            <a:pPr marL="285750" indent="-285750">
+              <a:buFont typeface="Arial" panose="020B0604020202020204" pitchFamily="34" charset="0"/>
+              <a:buChar char="•"/>
+            </a:pPr>
+            <a:r>
+              <a:rPr lang="en-US" dirty="0"/>
+              <a:t>Assess whether we can estimate juvenile abundance by back-calculating from the </a:t>
+            </a:r>
+            <a:r>
+              <a:rPr lang="en-US" dirty="0" err="1"/>
+              <a:t>CKMR</a:t>
+            </a:r>
+            <a:r>
+              <a:rPr lang="en-US" dirty="0"/>
+              <a:t> estimate of adult abundance and independently determined life history values for the Leslie matrix.</a:t>
+            </a:r>
+          </a:p>
+        </p:txBody>
+      </p:sp>
+    </p:spTree>
+    <p:extLst>
+      <p:ext uri="{BB962C8B-B14F-4D97-AF65-F5344CB8AC3E}">
+        <p14:creationId xmlns:p14="http://schemas.microsoft.com/office/powerpoint/2010/main" val="1871455782"/>
+      </p:ext>
+    </p:extLst>
+  </p:cSld>
+  <p:clrMapOvr>
+    <a:masterClrMapping/>
+  </p:clrMapOvr>
+</p:sld>
+</file>
+
+<file path=ppt/slides/slide2.xml><?xml version="1.0" encoding="utf-8"?>
+<p:sld xmlns:a="http://schemas.openxmlformats.org/drawingml/2006/main" xmlns:r="http://schemas.openxmlformats.org/officeDocument/2006/relationships" xmlns:p="http://schemas.openxmlformats.org/presentationml/2006/main" show="0">
+  <p:cSld>
+    <p:spTree>
+      <p:nvGrpSpPr>
+        <p:cNvPr id="1" name=""/>
+        <p:cNvGrpSpPr/>
+        <p:nvPr/>
+      </p:nvGrpSpPr>
+      <p:grpSpPr>
+        <a:xfrm>
+          <a:off x="0" y="0"/>
+          <a:ext cx="0" cy="0"/>
+          <a:chOff x="0" y="0"/>
+          <a:chExt cx="0" cy="0"/>
+        </a:xfrm>
+      </p:grpSpPr>
+      <p:sp>
+        <p:nvSpPr>
+          <p:cNvPr id="4" name="Rectangle: Rounded Corners 3">
+            <a:extLst>
+              <a:ext uri="{FF2B5EF4-FFF2-40B4-BE49-F238E27FC236}">
+                <a16:creationId xmlns:a16="http://schemas.microsoft.com/office/drawing/2014/main" id="{98AEC3C7-C414-4113-9273-E87AEEEEF797}"/>
+              </a:ext>
+            </a:extLst>
+          </p:cNvPr>
+          <p:cNvSpPr/>
+          <p:nvPr/>
+        </p:nvSpPr>
+        <p:spPr>
+          <a:xfrm>
+            <a:off x="5658678" y="2156793"/>
             <a:ext cx="3154018" cy="1245705"/>
           </a:xfrm>
           <a:prstGeom prst="roundRect">
@@ -3396,7 +7502,7 @@
         </p:nvSpPr>
         <p:spPr>
           <a:xfrm>
-            <a:off x="4697895" y="556590"/>
+            <a:off x="9574695" y="2156792"/>
             <a:ext cx="3154018" cy="1245705"/>
           </a:xfrm>
           <a:prstGeom prst="flowChartPreparation">
@@ -3469,7 +7575,7 @@
         </p:nvSpPr>
         <p:spPr>
           <a:xfrm>
-            <a:off x="8613912" y="556590"/>
+            <a:off x="13490712" y="2156792"/>
             <a:ext cx="3154018" cy="1245705"/>
           </a:xfrm>
           <a:prstGeom prst="flowChartProcess">
@@ -3536,7 +7642,7 @@
         </p:nvSpPr>
         <p:spPr>
           <a:xfrm>
-            <a:off x="930186" y="6053820"/>
+            <a:off x="5806986" y="7654020"/>
             <a:ext cx="1179444" cy="649358"/>
           </a:xfrm>
           <a:prstGeom prst="flowChartTerminator">
@@ -3597,7 +7703,7 @@
         </p:nvSpPr>
         <p:spPr>
           <a:xfrm>
-            <a:off x="10653186" y="6085265"/>
+            <a:off x="15529988" y="7685467"/>
             <a:ext cx="1447679" cy="636105"/>
           </a:xfrm>
           <a:prstGeom prst="flowChartProcess">
@@ -3664,7 +7770,7 @@
         </p:nvSpPr>
         <p:spPr>
           <a:xfrm>
-            <a:off x="2366544" y="6053820"/>
+            <a:off x="7243344" y="7654020"/>
             <a:ext cx="1179444" cy="649358"/>
           </a:xfrm>
           <a:prstGeom prst="flowChartTerminator">
@@ -3725,7 +7831,7 @@
         </p:nvSpPr>
         <p:spPr>
           <a:xfrm>
-            <a:off x="1119811" y="1978722"/>
+            <a:off x="5996611" y="3578922"/>
             <a:ext cx="2358888" cy="649358"/>
           </a:xfrm>
           <a:prstGeom prst="flowChartOffpageConnector">
@@ -3786,7 +7892,7 @@
         </p:nvSpPr>
         <p:spPr>
           <a:xfrm>
-            <a:off x="5166691" y="1978723"/>
+            <a:off x="10043491" y="3578923"/>
             <a:ext cx="2358888" cy="649358"/>
           </a:xfrm>
           <a:prstGeom prst="flowChartOffpageConnector">
@@ -3853,7 +7959,7 @@
         </p:nvSpPr>
         <p:spPr>
           <a:xfrm>
-            <a:off x="8963820" y="1978722"/>
+            <a:off x="13840620" y="3578922"/>
             <a:ext cx="2620260" cy="649358"/>
           </a:xfrm>
           <a:prstGeom prst="flowChartOffpageConnector">
@@ -3938,7 +8044,7 @@
         </p:nvSpPr>
         <p:spPr>
           <a:xfrm>
-            <a:off x="8807764" y="6085265"/>
+            <a:off x="13684566" y="7685467"/>
             <a:ext cx="1631813" cy="636105"/>
           </a:xfrm>
           <a:prstGeom prst="flowChartProcess">
@@ -4005,7 +8111,7 @@
         </p:nvSpPr>
         <p:spPr>
           <a:xfrm>
-            <a:off x="5520327" y="2905287"/>
+            <a:off x="10397127" y="4505488"/>
             <a:ext cx="1636644" cy="369332"/>
           </a:xfrm>
           <a:prstGeom prst="rect">
@@ -4055,7 +8161,7 @@
         </p:nvCxnSpPr>
         <p:spPr>
           <a:xfrm>
-            <a:off x="4904956" y="4865932"/>
+            <a:off x="9781756" y="6466135"/>
             <a:ext cx="0" cy="771903"/>
           </a:xfrm>
           <a:prstGeom prst="line">
@@ -4098,7 +8204,7 @@
         </p:nvGrpSpPr>
         <p:grpSpPr>
           <a:xfrm>
-            <a:off x="4012918" y="3322126"/>
+            <a:off x="8889718" y="4922329"/>
             <a:ext cx="4631638" cy="3427379"/>
             <a:chOff x="4012918" y="3293991"/>
             <a:chExt cx="4631638" cy="3427379"/>
@@ -4733,7 +8839,7 @@
         </p:nvSpPr>
         <p:spPr>
           <a:xfrm>
-            <a:off x="0" y="1817795"/>
+            <a:off x="4876800" y="3417996"/>
             <a:ext cx="1179444" cy="923330"/>
           </a:xfrm>
           <a:prstGeom prst="rect">
@@ -4786,7 +8892,7 @@
         </p:nvSpPr>
         <p:spPr>
           <a:xfrm>
-            <a:off x="9623670" y="5278429"/>
+            <a:off x="14500473" y="6878632"/>
             <a:ext cx="1447679" cy="636105"/>
           </a:xfrm>
           <a:prstGeom prst="flowChartProcess">
@@ -4853,7 +8959,7 @@
         </p:nvSpPr>
         <p:spPr>
           <a:xfrm>
-            <a:off x="-16521" y="5081078"/>
+            <a:off x="4860279" y="6681280"/>
             <a:ext cx="1179444" cy="646331"/>
           </a:xfrm>
           <a:prstGeom prst="rect">
@@ -4902,7 +9008,7 @@
         </p:nvCxnSpPr>
         <p:spPr>
           <a:xfrm>
-            <a:off x="-16521" y="5081078"/>
+            <a:off x="4860281" y="6681278"/>
             <a:ext cx="12208521" cy="49858"/>
           </a:xfrm>
           <a:prstGeom prst="line">
@@ -4947,7 +9053,7 @@
         </p:nvSpPr>
         <p:spPr>
           <a:xfrm>
-            <a:off x="1688060" y="5251883"/>
+            <a:off x="6564860" y="6852083"/>
             <a:ext cx="1179444" cy="649358"/>
           </a:xfrm>
           <a:prstGeom prst="flowChartTerminator">
@@ -5008,7 +9114,7 @@
         </p:nvSpPr>
         <p:spPr>
           <a:xfrm>
-            <a:off x="-43459" y="3017410"/>
+            <a:off x="4833341" y="4617612"/>
             <a:ext cx="1897420" cy="646331"/>
           </a:xfrm>
           <a:prstGeom prst="rect">
@@ -5057,7 +9163,7 @@
         </p:nvCxnSpPr>
         <p:spPr>
           <a:xfrm>
-            <a:off x="-16522" y="2798840"/>
+            <a:off x="4860280" y="4399040"/>
             <a:ext cx="12208521" cy="49858"/>
           </a:xfrm>
           <a:prstGeom prst="line">
@@ -5102,7 +9208,7 @@
         </p:nvSpPr>
         <p:spPr>
           <a:xfrm>
-            <a:off x="1420386" y="3435868"/>
+            <a:off x="6297186" y="5036068"/>
             <a:ext cx="1636644" cy="1108568"/>
           </a:xfrm>
           <a:prstGeom prst="flowChartTerminator">
@@ -5163,7 +9269,7 @@
         </p:nvSpPr>
         <p:spPr>
           <a:xfrm>
-            <a:off x="9617357" y="3775976"/>
+            <a:off x="14494160" y="5376179"/>
             <a:ext cx="1447679" cy="636105"/>
           </a:xfrm>
           <a:prstGeom prst="flowChartProcess">
@@ -5230,7 +9336,7 @@
         </p:nvSpPr>
         <p:spPr>
           <a:xfrm>
-            <a:off x="4116485" y="6711"/>
+            <a:off x="8993287" y="1606913"/>
             <a:ext cx="4316837" cy="461665"/>
           </a:xfrm>
           <a:prstGeom prst="rect">
@@ -5270,7 +9376,7 @@
     </p:spTree>
     <p:extLst>
       <p:ext uri="{BB962C8B-B14F-4D97-AF65-F5344CB8AC3E}">
-        <p14:creationId xmlns:p14="http://schemas.microsoft.com/office/powerpoint/2010/main" val="1871455782"/>
+        <p14:creationId xmlns:p14="http://schemas.microsoft.com/office/powerpoint/2010/main" val="569955256"/>
       </p:ext>
     </p:extLst>
   </p:cSld>
@@ -5283,7 +9389,7 @@
 <file path=ppt/theme/theme1.xml><?xml version="1.0" encoding="utf-8"?>
 <a:theme xmlns:a="http://schemas.openxmlformats.org/drawingml/2006/main" name="Office Theme">
   <a:themeElements>
-    <a:clrScheme name="Office">
+    <a:clrScheme name="Office Theme">
       <a:dk1>
         <a:sysClr val="windowText" lastClr="000000"/>
       </a:dk1>
@@ -5321,7 +9427,7 @@
         <a:srgbClr val="954F72"/>
       </a:folHlink>
     </a:clrScheme>
-    <a:fontScheme name="Office">
+    <a:fontScheme name="Office Theme">
       <a:majorFont>
         <a:latin typeface="Calibri Light" panose="020F0302020204030204"/>
         <a:ea typeface=""/>
@@ -5356,23 +9462,6 @@
         <a:font script="Viet" typeface="Times New Roman"/>
         <a:font script="Uigh" typeface="Microsoft Uighur"/>
         <a:font script="Geor" typeface="Sylfaen"/>
-        <a:font script="Armn" typeface="Arial"/>
-        <a:font script="Bugi" typeface="Leelawadee UI"/>
-        <a:font script="Bopo" typeface="Microsoft JhengHei"/>
-        <a:font script="Java" typeface="Javanese Text"/>
-        <a:font script="Lisu" typeface="Segoe UI"/>
-        <a:font script="Mymr" typeface="Myanmar Text"/>
-        <a:font script="Nkoo" typeface="Ebrima"/>
-        <a:font script="Olck" typeface="Nirmala UI"/>
-        <a:font script="Osma" typeface="Ebrima"/>
-        <a:font script="Phag" typeface="Phagspa"/>
-        <a:font script="Syrn" typeface="Estrangelo Edessa"/>
-        <a:font script="Syrj" typeface="Estrangelo Edessa"/>
-        <a:font script="Syre" typeface="Estrangelo Edessa"/>
-        <a:font script="Sora" typeface="Nirmala UI"/>
-        <a:font script="Tale" typeface="Microsoft Tai Le"/>
-        <a:font script="Talu" typeface="Microsoft New Tai Lue"/>
-        <a:font script="Tfng" typeface="Ebrima"/>
       </a:majorFont>
       <a:minorFont>
         <a:latin typeface="Calibri" panose="020F0502020204030204"/>
@@ -5408,26 +9497,9 @@
         <a:font script="Viet" typeface="Arial"/>
         <a:font script="Uigh" typeface="Microsoft Uighur"/>
         <a:font script="Geor" typeface="Sylfaen"/>
-        <a:font script="Armn" typeface="Arial"/>
-        <a:font script="Bugi" typeface="Leelawadee UI"/>
-        <a:font script="Bopo" typeface="Microsoft JhengHei"/>
-        <a:font script="Java" typeface="Javanese Text"/>
-        <a:font script="Lisu" typeface="Segoe UI"/>
-        <a:font script="Mymr" typeface="Myanmar Text"/>
-        <a:font script="Nkoo" typeface="Ebrima"/>
-        <a:font script="Olck" typeface="Nirmala UI"/>
-        <a:font script="Osma" typeface="Ebrima"/>
-        <a:font script="Phag" typeface="Phagspa"/>
-        <a:font script="Syrn" typeface="Estrangelo Edessa"/>
-        <a:font script="Syrj" typeface="Estrangelo Edessa"/>
-        <a:font script="Syre" typeface="Estrangelo Edessa"/>
-        <a:font script="Sora" typeface="Nirmala UI"/>
-        <a:font script="Tale" typeface="Microsoft Tai Le"/>
-        <a:font script="Talu" typeface="Microsoft New Tai Lue"/>
-        <a:font script="Tfng" typeface="Ebrima"/>
       </a:minorFont>
     </a:fontScheme>
-    <a:fmtScheme name="Office">
+    <a:fmtScheme name="Office Theme">
       <a:fillStyleLst>
         <a:solidFill>
           <a:schemeClr val="phClr"/>
